--- a/Documents/Diagrams.pptx
+++ b/Documents/Diagrams.pptx
@@ -16,12 +16,15 @@
     <p:sldId id="263" r:id="rId10"/>
     <p:sldId id="265" r:id="rId11"/>
     <p:sldId id="272" r:id="rId12"/>
-    <p:sldId id="268" r:id="rId13"/>
-    <p:sldId id="269" r:id="rId14"/>
-    <p:sldId id="271" r:id="rId15"/>
-    <p:sldId id="266" r:id="rId16"/>
-    <p:sldId id="267" r:id="rId17"/>
-    <p:sldId id="270" r:id="rId18"/>
+    <p:sldId id="275" r:id="rId13"/>
+    <p:sldId id="268" r:id="rId14"/>
+    <p:sldId id="269" r:id="rId15"/>
+    <p:sldId id="271" r:id="rId16"/>
+    <p:sldId id="266" r:id="rId17"/>
+    <p:sldId id="267" r:id="rId18"/>
+    <p:sldId id="273" r:id="rId19"/>
+    <p:sldId id="274" r:id="rId20"/>
+    <p:sldId id="270" r:id="rId21"/>
   </p:sldIdLst>
   <p:sldSz cx="12192000" cy="6858000"/>
   <p:notesSz cx="6858000" cy="9144000"/>
@@ -144,11 +147,18 @@
             <p14:sldId id="263"/>
             <p14:sldId id="265"/>
             <p14:sldId id="272"/>
+            <p14:sldId id="275"/>
             <p14:sldId id="268"/>
             <p14:sldId id="269"/>
             <p14:sldId id="271"/>
             <p14:sldId id="266"/>
             <p14:sldId id="267"/>
+            <p14:sldId id="273"/>
+            <p14:sldId id="274"/>
+          </p14:sldIdLst>
+        </p14:section>
+        <p14:section name="Untitled Section" id="{D59E45D3-3C5D-4794-8508-2EF6485F5E90}">
+          <p14:sldIdLst>
             <p14:sldId id="270"/>
           </p14:sldIdLst>
         </p14:section>
@@ -292,7 +302,7 @@
           <a:p>
             <a:fld id="{69B6BEF5-889F-49B8-BD81-9E04BF39D1B0}" type="datetimeFigureOut">
               <a:rPr lang="en-US" smtClean="0"/>
-              <a:t>7/15/2020</a:t>
+              <a:t>7/29/2020</a:t>
             </a:fld>
             <a:endParaRPr lang="en-US"/>
           </a:p>
@@ -462,7 +472,7 @@
           <a:p>
             <a:fld id="{69B6BEF5-889F-49B8-BD81-9E04BF39D1B0}" type="datetimeFigureOut">
               <a:rPr lang="en-US" smtClean="0"/>
-              <a:t>7/15/2020</a:t>
+              <a:t>7/29/2020</a:t>
             </a:fld>
             <a:endParaRPr lang="en-US"/>
           </a:p>
@@ -642,7 +652,7 @@
           <a:p>
             <a:fld id="{69B6BEF5-889F-49B8-BD81-9E04BF39D1B0}" type="datetimeFigureOut">
               <a:rPr lang="en-US" smtClean="0"/>
-              <a:t>7/15/2020</a:t>
+              <a:t>7/29/2020</a:t>
             </a:fld>
             <a:endParaRPr lang="en-US"/>
           </a:p>
@@ -812,7 +822,7 @@
           <a:p>
             <a:fld id="{69B6BEF5-889F-49B8-BD81-9E04BF39D1B0}" type="datetimeFigureOut">
               <a:rPr lang="en-US" smtClean="0"/>
-              <a:t>7/15/2020</a:t>
+              <a:t>7/29/2020</a:t>
             </a:fld>
             <a:endParaRPr lang="en-US"/>
           </a:p>
@@ -1058,7 +1068,7 @@
           <a:p>
             <a:fld id="{69B6BEF5-889F-49B8-BD81-9E04BF39D1B0}" type="datetimeFigureOut">
               <a:rPr lang="en-US" smtClean="0"/>
-              <a:t>7/15/2020</a:t>
+              <a:t>7/29/2020</a:t>
             </a:fld>
             <a:endParaRPr lang="en-US"/>
           </a:p>
@@ -1290,7 +1300,7 @@
           <a:p>
             <a:fld id="{69B6BEF5-889F-49B8-BD81-9E04BF39D1B0}" type="datetimeFigureOut">
               <a:rPr lang="en-US" smtClean="0"/>
-              <a:t>7/15/2020</a:t>
+              <a:t>7/29/2020</a:t>
             </a:fld>
             <a:endParaRPr lang="en-US"/>
           </a:p>
@@ -1657,7 +1667,7 @@
           <a:p>
             <a:fld id="{69B6BEF5-889F-49B8-BD81-9E04BF39D1B0}" type="datetimeFigureOut">
               <a:rPr lang="en-US" smtClean="0"/>
-              <a:t>7/15/2020</a:t>
+              <a:t>7/29/2020</a:t>
             </a:fld>
             <a:endParaRPr lang="en-US"/>
           </a:p>
@@ -1775,7 +1785,7 @@
           <a:p>
             <a:fld id="{69B6BEF5-889F-49B8-BD81-9E04BF39D1B0}" type="datetimeFigureOut">
               <a:rPr lang="en-US" smtClean="0"/>
-              <a:t>7/15/2020</a:t>
+              <a:t>7/29/2020</a:t>
             </a:fld>
             <a:endParaRPr lang="en-US"/>
           </a:p>
@@ -1870,7 +1880,7 @@
           <a:p>
             <a:fld id="{69B6BEF5-889F-49B8-BD81-9E04BF39D1B0}" type="datetimeFigureOut">
               <a:rPr lang="en-US" smtClean="0"/>
-              <a:t>7/15/2020</a:t>
+              <a:t>7/29/2020</a:t>
             </a:fld>
             <a:endParaRPr lang="en-US"/>
           </a:p>
@@ -2147,7 +2157,7 @@
           <a:p>
             <a:fld id="{69B6BEF5-889F-49B8-BD81-9E04BF39D1B0}" type="datetimeFigureOut">
               <a:rPr lang="en-US" smtClean="0"/>
-              <a:t>7/15/2020</a:t>
+              <a:t>7/29/2020</a:t>
             </a:fld>
             <a:endParaRPr lang="en-US"/>
           </a:p>
@@ -2400,7 +2410,7 @@
           <a:p>
             <a:fld id="{69B6BEF5-889F-49B8-BD81-9E04BF39D1B0}" type="datetimeFigureOut">
               <a:rPr lang="en-US" smtClean="0"/>
-              <a:t>7/15/2020</a:t>
+              <a:t>7/29/2020</a:t>
             </a:fld>
             <a:endParaRPr lang="en-US"/>
           </a:p>
@@ -2613,7 +2623,7 @@
           <a:p>
             <a:fld id="{69B6BEF5-889F-49B8-BD81-9E04BF39D1B0}" type="datetimeFigureOut">
               <a:rPr lang="en-US" smtClean="0"/>
-              <a:t>7/15/2020</a:t>
+              <a:t>7/29/2020</a:t>
             </a:fld>
             <a:endParaRPr lang="en-US"/>
           </a:p>
@@ -3740,41 +3750,7 @@
                   <a:tileRect/>
                 </a:gradFill>
               </a:rPr>
-              <a:t>Feasible </a:t>
-            </a:r>
-            <a:r>
-              <a:rPr lang="en-US" dirty="0" smtClean="0">
-                <a:gradFill flip="none" rotWithShape="1">
-                  <a:gsLst>
-                    <a:gs pos="68000">
-                      <a:srgbClr val="FF0000"/>
-                    </a:gs>
-                    <a:gs pos="31000">
-                      <a:srgbClr val="0070C0"/>
-                    </a:gs>
-                  </a:gsLst>
-                  <a:lin ang="2700000" scaled="1"/>
-                  <a:tileRect/>
-                </a:gradFill>
-              </a:rPr>
-              <a:t>ignition set, </a:t>
-            </a:r>
-            <a:r>
-              <a:rPr lang="en-US" dirty="0" smtClean="0">
-                <a:gradFill flip="none" rotWithShape="1">
-                  <a:gsLst>
-                    <a:gs pos="68000">
-                      <a:srgbClr val="FF0000"/>
-                    </a:gs>
-                    <a:gs pos="31000">
-                      <a:srgbClr val="0070C0"/>
-                    </a:gs>
-                  </a:gsLst>
-                  <a:lin ang="2700000" scaled="1"/>
-                  <a:tileRect/>
-                </a:gradFill>
-              </a:rPr>
-              <a:t>F</a:t>
+              <a:t>Feasible ignition set, F</a:t>
             </a:r>
             <a:r>
               <a:rPr lang="en-US" baseline="-25000" dirty="0" smtClean="0">
@@ -6293,6 +6269,14 @@
 <file path=ppt/slides/slide12.xml><?xml version="1.0" encoding="utf-8"?>
 <p:sld xmlns:a="http://schemas.openxmlformats.org/drawingml/2006/main" xmlns:r="http://schemas.openxmlformats.org/officeDocument/2006/relationships" xmlns:p="http://schemas.openxmlformats.org/presentationml/2006/main">
   <p:cSld>
+    <p:bg>
+      <p:bgPr>
+        <a:solidFill>
+          <a:schemeClr val="bg1"/>
+        </a:solidFill>
+        <a:effectLst/>
+      </p:bgPr>
+    </p:bg>
     <p:spTree>
       <p:nvGrpSpPr>
         <p:cNvPr id="1" name=""/>
@@ -6307,791 +6291,324 @@
           <a:chExt cx="0" cy="0"/>
         </a:xfrm>
       </p:grpSpPr>
-      <p:graphicFrame>
-        <p:nvGraphicFramePr>
-          <p:cNvPr id="2" name="Table 1"/>
-          <p:cNvGraphicFramePr>
-            <a:graphicFrameLocks noGrp="1"/>
-          </p:cNvGraphicFramePr>
-          <p:nvPr>
-            <p:extLst>
-              <p:ext uri="{D42A27DB-BD31-4B8C-83A1-F6EECF244321}">
-                <p14:modId xmlns:p14="http://schemas.microsoft.com/office/powerpoint/2010/main" val="206301563"/>
-              </p:ext>
-            </p:extLst>
-          </p:nvPr>
-        </p:nvGraphicFramePr>
-        <p:xfrm>
-          <a:off x="1152063" y="1072850"/>
-          <a:ext cx="8346780" cy="3662680"/>
-        </p:xfrm>
-        <a:graphic>
-          <a:graphicData uri="http://schemas.openxmlformats.org/drawingml/2006/table">
-            <a:tbl>
-              <a:tblPr firstRow="1" bandRow="1">
-                <a:tableStyleId>{D7AC3CCA-C797-4891-BE02-D94E43425B78}</a:tableStyleId>
-              </a:tblPr>
-              <a:tblGrid>
-                <a:gridCol w="1865113"/>
-                <a:gridCol w="1430533"/>
-                <a:gridCol w="2412878"/>
-                <a:gridCol w="2638256"/>
-              </a:tblGrid>
-              <a:tr h="370840">
-                <a:tc>
-                  <a:txBody>
-                    <a:bodyPr/>
-                    <a:lstStyle/>
-                    <a:p>
-                      <a:pPr algn="ctr"/>
-                      <a:r>
-                        <a:rPr lang="en-US" sz="1800" dirty="0" smtClean="0"/>
-                        <a:t>Scenario</a:t>
-                      </a:r>
-                      <a:endParaRPr lang="en-US" sz="1800" dirty="0"/>
-                    </a:p>
-                  </a:txBody>
-                  <a:tcPr anchor="ctr"/>
-                </a:tc>
-                <a:tc>
-                  <a:txBody>
-                    <a:bodyPr/>
-                    <a:lstStyle/>
-                    <a:p>
-                      <a:pPr algn="ctr"/>
-                      <a:r>
-                        <a:rPr lang="en-US" sz="1800" dirty="0" smtClean="0"/>
-                        <a:t>PMF</a:t>
-                      </a:r>
-                      <a:r>
-                        <a:rPr lang="en-US" sz="1800" baseline="0" dirty="0" smtClean="0"/>
-                        <a:t> (%)</a:t>
-                      </a:r>
-                      <a:endParaRPr lang="en-US" sz="1800" dirty="0"/>
-                    </a:p>
-                  </a:txBody>
-                  <a:tcPr anchor="ctr"/>
-                </a:tc>
-                <a:tc>
-                  <a:txBody>
-                    <a:bodyPr/>
-                    <a:lstStyle/>
-                    <a:p>
-                      <a:pPr algn="ctr"/>
-                      <a:r>
-                        <a:rPr lang="en-US" sz="1800" dirty="0" smtClean="0"/>
-                        <a:t>PMF-Nominal</a:t>
-                      </a:r>
-                      <a:r>
-                        <a:rPr lang="en-US" sz="1800" baseline="0" dirty="0" smtClean="0"/>
-                        <a:t> (%)</a:t>
-                      </a:r>
-                      <a:endParaRPr lang="en-US" sz="1800" dirty="0"/>
-                    </a:p>
-                  </a:txBody>
-                  <a:tcPr anchor="ctr"/>
-                </a:tc>
-                <a:tc>
-                  <a:txBody>
-                    <a:bodyPr/>
-                    <a:lstStyle/>
-                    <a:p>
-                      <a:pPr algn="ctr"/>
-                      <a:r>
-                        <a:rPr lang="en-US" sz="1800" dirty="0" smtClean="0"/>
-                        <a:t>Ignition Velocity (m/s)</a:t>
-                      </a:r>
-                      <a:endParaRPr lang="en-US" sz="1800" dirty="0"/>
-                    </a:p>
-                  </a:txBody>
-                  <a:tcPr anchor="ctr"/>
-                </a:tc>
-              </a:tr>
-              <a:tr h="0">
-                <a:tc>
-                  <a:txBody>
-                    <a:bodyPr/>
-                    <a:lstStyle/>
-                    <a:p>
-                      <a:pPr algn="ctr"/>
-                      <a:r>
-                        <a:rPr lang="en-US" sz="1800" dirty="0" smtClean="0"/>
-                        <a:t>Nominal</a:t>
-                      </a:r>
-                      <a:endParaRPr lang="en-US" sz="1800" dirty="0"/>
-                    </a:p>
-                  </a:txBody>
-                  <a:tcPr anchor="ctr"/>
-                </a:tc>
-                <a:tc>
-                  <a:txBody>
-                    <a:bodyPr/>
-                    <a:lstStyle/>
-                    <a:p>
-                      <a:pPr algn="ctr" fontAlgn="b"/>
-                      <a:r>
-                        <a:rPr lang="en-US" dirty="0"/>
-                        <a:t>18.07</a:t>
-                      </a:r>
-                    </a:p>
-                  </a:txBody>
-                  <a:tcPr marL="9525" marR="9525" marT="9525" marB="0" anchor="ctr"/>
-                </a:tc>
-                <a:tc>
-                  <a:txBody>
-                    <a:bodyPr/>
-                    <a:lstStyle/>
-                    <a:p>
-                      <a:pPr algn="ctr" fontAlgn="b"/>
-                      <a:r>
-                        <a:rPr lang="en-US" dirty="0"/>
-                        <a:t>0.00</a:t>
-                      </a:r>
-                    </a:p>
-                  </a:txBody>
-                  <a:tcPr marL="9525" marR="9525" marT="9525" marB="0" anchor="ctr"/>
-                </a:tc>
-                <a:tc>
-                  <a:txBody>
-                    <a:bodyPr/>
-                    <a:lstStyle/>
-                    <a:p>
-                      <a:pPr algn="ctr" fontAlgn="b"/>
-                      <a:r>
-                        <a:rPr lang="en-US"/>
-                        <a:t>525.7</a:t>
-                      </a:r>
-                    </a:p>
-                  </a:txBody>
-                  <a:tcPr marL="9525" marR="9525" marT="9525" marB="0" anchor="ctr"/>
-                </a:tc>
-              </a:tr>
-              <a:tr h="273050">
-                <a:tc>
-                  <a:txBody>
-                    <a:bodyPr/>
-                    <a:lstStyle/>
-                    <a:p>
-                      <a:pPr algn="ctr"/>
-                      <a:r>
-                        <a:rPr lang="en-US" sz="1800" dirty="0" smtClean="0"/>
-                        <a:t> -10</a:t>
-                      </a:r>
-                      <a:r>
-                        <a:rPr lang="en-US" sz="1800" dirty="0" smtClean="0"/>
-                        <a:t>% C</a:t>
-                      </a:r>
-                      <a:r>
-                        <a:rPr lang="en-US" sz="1800" baseline="-25000" dirty="0" smtClean="0"/>
-                        <a:t>D</a:t>
-                      </a:r>
-                      <a:endParaRPr lang="en-US" sz="1800" baseline="-25000" dirty="0"/>
-                    </a:p>
-                  </a:txBody>
-                  <a:tcPr anchor="ctr"/>
-                </a:tc>
-                <a:tc>
-                  <a:txBody>
-                    <a:bodyPr/>
-                    <a:lstStyle/>
-                    <a:p>
-                      <a:pPr algn="ctr" fontAlgn="b"/>
-                      <a:r>
-                        <a:rPr lang="en-US" dirty="0"/>
-                        <a:t>19.98</a:t>
-                      </a:r>
-                    </a:p>
-                  </a:txBody>
-                  <a:tcPr marL="9525" marR="9525" marT="9525" marB="0" anchor="ctr"/>
-                </a:tc>
-                <a:tc>
-                  <a:txBody>
-                    <a:bodyPr/>
-                    <a:lstStyle/>
-                    <a:p>
-                      <a:pPr algn="ctr" fontAlgn="b"/>
-                      <a:r>
-                        <a:rPr lang="en-US" dirty="0">
-                          <a:solidFill>
-                            <a:srgbClr val="FF0000"/>
-                          </a:solidFill>
-                        </a:rPr>
-                        <a:t>1.92</a:t>
-                      </a:r>
-                    </a:p>
-                  </a:txBody>
-                  <a:tcPr marL="9525" marR="9525" marT="9525" marB="0" anchor="ctr"/>
-                </a:tc>
-                <a:tc>
-                  <a:txBody>
-                    <a:bodyPr/>
-                    <a:lstStyle/>
-                    <a:p>
-                      <a:pPr algn="ctr" fontAlgn="b"/>
-                      <a:r>
-                        <a:rPr lang="en-US"/>
-                        <a:t>550.6</a:t>
-                      </a:r>
-                    </a:p>
-                  </a:txBody>
-                  <a:tcPr marL="9525" marR="9525" marT="9525" marB="0" anchor="ctr"/>
-                </a:tc>
-              </a:tr>
-              <a:tr h="180340">
-                <a:tc>
-                  <a:txBody>
-                    <a:bodyPr/>
-                    <a:lstStyle/>
-                    <a:p>
-                      <a:pPr marL="0" marR="0" indent="0" algn="ctr" defTabSz="914400" rtl="0" eaLnBrk="1" fontAlgn="auto" latinLnBrk="0" hangingPunct="1">
-                        <a:lnSpc>
-                          <a:spcPct val="100000"/>
-                        </a:lnSpc>
-                        <a:spcBef>
-                          <a:spcPts val="0"/>
-                        </a:spcBef>
-                        <a:spcAft>
-                          <a:spcPts val="0"/>
-                        </a:spcAft>
-                        <a:buClrTx/>
-                        <a:buSzTx/>
-                        <a:buFontTx/>
-                        <a:buNone/>
-                        <a:tabLst/>
-                        <a:defRPr/>
-                      </a:pPr>
-                      <a:r>
-                        <a:rPr lang="en-US" sz="1800" dirty="0" smtClean="0"/>
-                        <a:t>+10</a:t>
-                      </a:r>
-                      <a:r>
-                        <a:rPr lang="en-US" sz="1800" dirty="0" smtClean="0"/>
-                        <a:t>% C</a:t>
-                      </a:r>
-                      <a:r>
-                        <a:rPr lang="en-US" sz="1800" baseline="-25000" dirty="0" smtClean="0"/>
-                        <a:t>D</a:t>
-                      </a:r>
-                    </a:p>
-                  </a:txBody>
-                  <a:tcPr anchor="ctr"/>
-                </a:tc>
-                <a:tc>
-                  <a:txBody>
-                    <a:bodyPr/>
-                    <a:lstStyle/>
-                    <a:p>
-                      <a:pPr algn="ctr" fontAlgn="b"/>
-                      <a:r>
-                        <a:rPr lang="en-US" dirty="0"/>
-                        <a:t>17.25</a:t>
-                      </a:r>
-                    </a:p>
-                  </a:txBody>
-                  <a:tcPr marL="9525" marR="9525" marT="9525" marB="0" anchor="ctr"/>
-                </a:tc>
-                <a:tc>
-                  <a:txBody>
-                    <a:bodyPr/>
-                    <a:lstStyle/>
-                    <a:p>
-                      <a:pPr algn="ctr" fontAlgn="b"/>
-                      <a:r>
-                        <a:rPr lang="en-US" dirty="0"/>
-                        <a:t>-0.81</a:t>
-                      </a:r>
-                    </a:p>
-                  </a:txBody>
-                  <a:tcPr marL="9525" marR="9525" marT="9525" marB="0" anchor="ctr"/>
-                </a:tc>
-                <a:tc>
-                  <a:txBody>
-                    <a:bodyPr/>
-                    <a:lstStyle/>
-                    <a:p>
-                      <a:pPr algn="ctr" fontAlgn="b"/>
-                      <a:r>
-                        <a:rPr lang="en-US"/>
-                        <a:t>494.6</a:t>
-                      </a:r>
-                    </a:p>
-                  </a:txBody>
-                  <a:tcPr marL="9525" marR="9525" marT="9525" marB="0" anchor="ctr"/>
-                </a:tc>
-              </a:tr>
-              <a:tr h="0">
-                <a:tc>
-                  <a:txBody>
-                    <a:bodyPr/>
-                    <a:lstStyle/>
-                    <a:p>
-                      <a:pPr marL="0" marR="0" indent="0" algn="ctr" defTabSz="914400" rtl="0" eaLnBrk="1" fontAlgn="auto" latinLnBrk="0" hangingPunct="1">
-                        <a:lnSpc>
-                          <a:spcPct val="100000"/>
-                        </a:lnSpc>
-                        <a:spcBef>
-                          <a:spcPts val="0"/>
-                        </a:spcBef>
-                        <a:spcAft>
-                          <a:spcPts val="0"/>
-                        </a:spcAft>
-                        <a:buClrTx/>
-                        <a:buSzTx/>
-                        <a:buFontTx/>
-                        <a:buNone/>
-                        <a:tabLst/>
-                        <a:defRPr/>
-                      </a:pPr>
-                      <a:r>
-                        <a:rPr lang="en-US" sz="1800" dirty="0" smtClean="0"/>
-                        <a:t> -10</a:t>
-                      </a:r>
-                      <a:r>
-                        <a:rPr lang="en-US" sz="1800" dirty="0" smtClean="0"/>
-                        <a:t>% C</a:t>
-                      </a:r>
-                      <a:r>
-                        <a:rPr lang="en-US" sz="1800" baseline="-25000" dirty="0" smtClean="0"/>
-                        <a:t>L</a:t>
-                      </a:r>
-                    </a:p>
-                  </a:txBody>
-                  <a:tcPr anchor="ctr"/>
-                </a:tc>
-                <a:tc>
-                  <a:txBody>
-                    <a:bodyPr/>
-                    <a:lstStyle/>
-                    <a:p>
-                      <a:pPr algn="ctr" fontAlgn="b"/>
-                      <a:r>
-                        <a:rPr lang="en-US" dirty="0"/>
-                        <a:t>18.16</a:t>
-                      </a:r>
-                    </a:p>
-                  </a:txBody>
-                  <a:tcPr marL="9525" marR="9525" marT="9525" marB="0" anchor="ctr"/>
-                </a:tc>
-                <a:tc>
-                  <a:txBody>
-                    <a:bodyPr/>
-                    <a:lstStyle/>
-                    <a:p>
-                      <a:pPr algn="ctr" fontAlgn="b"/>
-                      <a:r>
-                        <a:rPr lang="en-US" dirty="0">
-                          <a:solidFill>
-                            <a:srgbClr val="FF0000"/>
-                          </a:solidFill>
-                        </a:rPr>
-                        <a:t>0.09</a:t>
-                      </a:r>
-                    </a:p>
-                  </a:txBody>
-                  <a:tcPr marL="9525" marR="9525" marT="9525" marB="0" anchor="ctr"/>
-                </a:tc>
-                <a:tc>
-                  <a:txBody>
-                    <a:bodyPr/>
-                    <a:lstStyle/>
-                    <a:p>
-                      <a:pPr algn="ctr" fontAlgn="b"/>
-                      <a:r>
-                        <a:rPr lang="en-US"/>
-                        <a:t>516.7</a:t>
-                      </a:r>
-                    </a:p>
-                  </a:txBody>
-                  <a:tcPr marL="9525" marR="9525" marT="9525" marB="0" anchor="ctr"/>
-                </a:tc>
-              </a:tr>
-              <a:tr h="292608">
-                <a:tc>
-                  <a:txBody>
-                    <a:bodyPr/>
-                    <a:lstStyle/>
-                    <a:p>
-                      <a:pPr marL="0" marR="0" indent="0" algn="ctr" defTabSz="914400" rtl="0" eaLnBrk="1" fontAlgn="auto" latinLnBrk="0" hangingPunct="1">
-                        <a:lnSpc>
-                          <a:spcPct val="100000"/>
-                        </a:lnSpc>
-                        <a:spcBef>
-                          <a:spcPts val="0"/>
-                        </a:spcBef>
-                        <a:spcAft>
-                          <a:spcPts val="0"/>
-                        </a:spcAft>
-                        <a:buClrTx/>
-                        <a:buSzTx/>
-                        <a:buFontTx/>
-                        <a:buNone/>
-                        <a:tabLst/>
-                        <a:defRPr/>
-                      </a:pPr>
-                      <a:r>
-                        <a:rPr lang="en-US" sz="1800" dirty="0" smtClean="0"/>
-                        <a:t>+10</a:t>
-                      </a:r>
-                      <a:r>
-                        <a:rPr lang="en-US" sz="1800" dirty="0" smtClean="0"/>
-                        <a:t>% C</a:t>
-                      </a:r>
-                      <a:r>
-                        <a:rPr lang="en-US" sz="1800" baseline="-25000" dirty="0" smtClean="0"/>
-                        <a:t>L</a:t>
-                      </a:r>
-                    </a:p>
-                  </a:txBody>
-                  <a:tcPr anchor="ctr"/>
-                </a:tc>
-                <a:tc>
-                  <a:txBody>
-                    <a:bodyPr/>
-                    <a:lstStyle/>
-                    <a:p>
-                      <a:pPr algn="ctr" fontAlgn="b"/>
-                      <a:r>
-                        <a:rPr lang="en-US" dirty="0"/>
-                        <a:t>17.97</a:t>
-                      </a:r>
-                    </a:p>
-                  </a:txBody>
-                  <a:tcPr marL="9525" marR="9525" marT="9525" marB="0" anchor="ctr"/>
-                </a:tc>
-                <a:tc>
-                  <a:txBody>
-                    <a:bodyPr/>
-                    <a:lstStyle/>
-                    <a:p>
-                      <a:pPr algn="ctr" fontAlgn="b"/>
-                      <a:r>
-                        <a:rPr lang="en-US" dirty="0"/>
-                        <a:t>-0.10</a:t>
-                      </a:r>
-                    </a:p>
-                  </a:txBody>
-                  <a:tcPr marL="9525" marR="9525" marT="9525" marB="0" anchor="ctr"/>
-                </a:tc>
-                <a:tc>
-                  <a:txBody>
-                    <a:bodyPr/>
-                    <a:lstStyle/>
-                    <a:p>
-                      <a:pPr algn="ctr" fontAlgn="b"/>
-                      <a:r>
-                        <a:rPr lang="en-US"/>
-                        <a:t>526.9</a:t>
-                      </a:r>
-                    </a:p>
-                  </a:txBody>
-                  <a:tcPr marL="9525" marR="9525" marT="9525" marB="0" anchor="ctr"/>
-                </a:tc>
-              </a:tr>
-              <a:tr h="219456">
-                <a:tc>
-                  <a:txBody>
-                    <a:bodyPr/>
-                    <a:lstStyle/>
-                    <a:p>
-                      <a:pPr algn="ctr"/>
-                      <a:r>
-                        <a:rPr lang="en-US" sz="1800" dirty="0" smtClean="0"/>
-                        <a:t> -10% </a:t>
-                      </a:r>
-                      <a:r>
-                        <a:rPr lang="el-GR" sz="1800" dirty="0" smtClean="0"/>
-                        <a:t>ρ</a:t>
-                      </a:r>
-                      <a:endParaRPr lang="en-US" sz="1800" dirty="0"/>
-                    </a:p>
-                  </a:txBody>
-                  <a:tcPr anchor="ctr"/>
-                </a:tc>
-                <a:tc>
-                  <a:txBody>
-                    <a:bodyPr/>
-                    <a:lstStyle/>
-                    <a:p>
-                      <a:pPr algn="ctr" fontAlgn="b"/>
-                      <a:r>
-                        <a:rPr lang="en-US" dirty="0"/>
-                        <a:t>18.94</a:t>
-                      </a:r>
-                    </a:p>
-                  </a:txBody>
-                  <a:tcPr marL="9525" marR="9525" marT="9525" marB="0" anchor="ctr"/>
-                </a:tc>
-                <a:tc>
-                  <a:txBody>
-                    <a:bodyPr/>
-                    <a:lstStyle/>
-                    <a:p>
-                      <a:pPr algn="ctr" fontAlgn="b"/>
-                      <a:r>
-                        <a:rPr lang="en-US" dirty="0">
-                          <a:solidFill>
-                            <a:srgbClr val="FF0000"/>
-                          </a:solidFill>
-                        </a:rPr>
-                        <a:t>0.88</a:t>
-                      </a:r>
-                    </a:p>
-                  </a:txBody>
-                  <a:tcPr marL="9525" marR="9525" marT="9525" marB="0" anchor="ctr"/>
-                </a:tc>
-                <a:tc>
-                  <a:txBody>
-                    <a:bodyPr/>
-                    <a:lstStyle/>
-                    <a:p>
-                      <a:pPr algn="ctr" fontAlgn="b"/>
-                      <a:r>
-                        <a:rPr lang="en-US"/>
-                        <a:t>548.7</a:t>
-                      </a:r>
-                    </a:p>
-                  </a:txBody>
-                  <a:tcPr marL="9525" marR="9525" marT="9525" marB="0" anchor="ctr"/>
-                </a:tc>
-              </a:tr>
-              <a:tr h="146304">
-                <a:tc>
-                  <a:txBody>
-                    <a:bodyPr/>
-                    <a:lstStyle/>
-                    <a:p>
-                      <a:pPr marL="0" marR="0" indent="0" algn="ctr" defTabSz="914400" rtl="0" eaLnBrk="1" fontAlgn="auto" latinLnBrk="0" hangingPunct="1">
-                        <a:lnSpc>
-                          <a:spcPct val="100000"/>
-                        </a:lnSpc>
-                        <a:spcBef>
-                          <a:spcPts val="0"/>
-                        </a:spcBef>
-                        <a:spcAft>
-                          <a:spcPts val="0"/>
-                        </a:spcAft>
-                        <a:buClrTx/>
-                        <a:buSzTx/>
-                        <a:buFontTx/>
-                        <a:buNone/>
-                        <a:tabLst/>
-                        <a:defRPr/>
-                      </a:pPr>
-                      <a:r>
-                        <a:rPr lang="en-US" sz="1800" dirty="0" smtClean="0"/>
-                        <a:t>+10% </a:t>
-                      </a:r>
-                      <a:r>
-                        <a:rPr lang="el-GR" sz="1800" dirty="0" smtClean="0"/>
-                        <a:t>ρ</a:t>
-                      </a:r>
-                      <a:endParaRPr lang="en-US" sz="1800" dirty="0" smtClean="0"/>
-                    </a:p>
-                  </a:txBody>
-                  <a:tcPr anchor="ctr"/>
-                </a:tc>
-                <a:tc>
-                  <a:txBody>
-                    <a:bodyPr/>
-                    <a:lstStyle/>
-                    <a:p>
-                      <a:pPr algn="ctr" fontAlgn="b"/>
-                      <a:r>
-                        <a:rPr lang="en-US" dirty="0"/>
-                        <a:t>17.74</a:t>
-                      </a:r>
-                    </a:p>
-                  </a:txBody>
-                  <a:tcPr marL="9525" marR="9525" marT="9525" marB="0" anchor="ctr"/>
-                </a:tc>
-                <a:tc>
-                  <a:txBody>
-                    <a:bodyPr/>
-                    <a:lstStyle/>
-                    <a:p>
-                      <a:pPr algn="ctr" fontAlgn="b"/>
-                      <a:r>
-                        <a:rPr lang="en-US" dirty="0"/>
-                        <a:t>-0.33</a:t>
-                      </a:r>
-                    </a:p>
-                  </a:txBody>
-                  <a:tcPr marL="9525" marR="9525" marT="9525" marB="0" anchor="ctr"/>
-                </a:tc>
-                <a:tc>
-                  <a:txBody>
-                    <a:bodyPr/>
-                    <a:lstStyle/>
-                    <a:p>
-                      <a:pPr algn="ctr" fontAlgn="b"/>
-                      <a:r>
-                        <a:rPr lang="en-US"/>
-                        <a:t>501.8</a:t>
-                      </a:r>
-                    </a:p>
-                  </a:txBody>
-                  <a:tcPr marL="9525" marR="9525" marT="9525" marB="0" anchor="ctr"/>
-                </a:tc>
-              </a:tr>
-              <a:tr h="182880">
-                <a:tc>
-                  <a:txBody>
-                    <a:bodyPr/>
-                    <a:lstStyle/>
-                    <a:p>
-                      <a:pPr algn="ctr"/>
-                      <a:r>
-                        <a:rPr lang="en-US" sz="1800" dirty="0" smtClean="0"/>
-                        <a:t> -10% h</a:t>
-                      </a:r>
-                      <a:r>
-                        <a:rPr lang="en-US" sz="1800" baseline="-25000" dirty="0" smtClean="0"/>
-                        <a:t>s</a:t>
-                      </a:r>
-                      <a:endParaRPr lang="en-US" sz="1800" baseline="-25000" dirty="0"/>
-                    </a:p>
-                  </a:txBody>
-                  <a:tcPr anchor="ctr"/>
-                </a:tc>
-                <a:tc>
-                  <a:txBody>
-                    <a:bodyPr/>
-                    <a:lstStyle/>
-                    <a:p>
-                      <a:pPr algn="ctr" fontAlgn="b"/>
-                      <a:r>
-                        <a:rPr lang="en-US" dirty="0"/>
-                        <a:t>18.92</a:t>
-                      </a:r>
-                    </a:p>
-                  </a:txBody>
-                  <a:tcPr marL="9525" marR="9525" marT="9525" marB="0" anchor="ctr"/>
-                </a:tc>
-                <a:tc>
-                  <a:txBody>
-                    <a:bodyPr/>
-                    <a:lstStyle/>
-                    <a:p>
-                      <a:pPr algn="ctr" fontAlgn="b"/>
-                      <a:r>
-                        <a:rPr lang="en-US" dirty="0">
-                          <a:solidFill>
-                            <a:srgbClr val="FF0000"/>
-                          </a:solidFill>
-                        </a:rPr>
-                        <a:t>0.86</a:t>
-                      </a:r>
-                    </a:p>
-                  </a:txBody>
-                  <a:tcPr marL="9525" marR="9525" marT="9525" marB="0" anchor="ctr"/>
-                </a:tc>
-                <a:tc>
-                  <a:txBody>
-                    <a:bodyPr/>
-                    <a:lstStyle/>
-                    <a:p>
-                      <a:pPr algn="ctr" fontAlgn="b"/>
-                      <a:r>
-                        <a:rPr lang="en-US"/>
-                        <a:t>531.6</a:t>
-                      </a:r>
-                    </a:p>
-                  </a:txBody>
-                  <a:tcPr marL="9525" marR="9525" marT="9525" marB="0" anchor="ctr"/>
-                </a:tc>
-              </a:tr>
-              <a:tr h="182880">
-                <a:tc>
-                  <a:txBody>
-                    <a:bodyPr/>
-                    <a:lstStyle/>
-                    <a:p>
-                      <a:pPr marL="0" marR="0" indent="0" algn="ctr" defTabSz="914400" rtl="0" eaLnBrk="1" fontAlgn="auto" latinLnBrk="0" hangingPunct="1">
-                        <a:lnSpc>
-                          <a:spcPct val="100000"/>
-                        </a:lnSpc>
-                        <a:spcBef>
-                          <a:spcPts val="0"/>
-                        </a:spcBef>
-                        <a:spcAft>
-                          <a:spcPts val="0"/>
-                        </a:spcAft>
-                        <a:buClrTx/>
-                        <a:buSzTx/>
-                        <a:buFontTx/>
-                        <a:buNone/>
-                        <a:tabLst/>
-                        <a:defRPr/>
-                      </a:pPr>
-                      <a:r>
-                        <a:rPr lang="en-US" sz="1800" dirty="0" smtClean="0"/>
-                        <a:t>+10% h</a:t>
-                      </a:r>
-                      <a:r>
-                        <a:rPr lang="en-US" sz="1800" baseline="-25000" dirty="0" smtClean="0"/>
-                        <a:t>s</a:t>
-                      </a:r>
-                    </a:p>
-                  </a:txBody>
-                  <a:tcPr anchor="ctr"/>
-                </a:tc>
-                <a:tc>
-                  <a:txBody>
-                    <a:bodyPr/>
-                    <a:lstStyle/>
-                    <a:p>
-                      <a:pPr algn="ctr" fontAlgn="b"/>
-                      <a:r>
-                        <a:rPr lang="en-US" dirty="0"/>
-                        <a:t>17.82</a:t>
-                      </a:r>
-                    </a:p>
-                  </a:txBody>
-                  <a:tcPr marL="9525" marR="9525" marT="9525" marB="0" anchor="ctr"/>
-                </a:tc>
-                <a:tc>
-                  <a:txBody>
-                    <a:bodyPr/>
-                    <a:lstStyle/>
-                    <a:p>
-                      <a:pPr algn="ctr" fontAlgn="b"/>
-                      <a:r>
-                        <a:rPr lang="en-US" dirty="0"/>
-                        <a:t>-0.24</a:t>
-                      </a:r>
-                    </a:p>
-                  </a:txBody>
-                  <a:tcPr marL="9525" marR="9525" marT="9525" marB="0" anchor="ctr"/>
-                </a:tc>
-                <a:tc>
-                  <a:txBody>
-                    <a:bodyPr/>
-                    <a:lstStyle/>
-                    <a:p>
-                      <a:pPr algn="ctr" fontAlgn="b"/>
-                      <a:r>
-                        <a:rPr lang="en-US" dirty="0"/>
-                        <a:t>506.1</a:t>
-                      </a:r>
-                    </a:p>
-                  </a:txBody>
-                  <a:tcPr marL="9525" marR="9525" marT="9525" marB="0" anchor="ctr"/>
-                </a:tc>
-              </a:tr>
-            </a:tbl>
-          </a:graphicData>
-        </a:graphic>
-      </p:graphicFrame>
       <p:sp>
         <p:nvSpPr>
-          <p:cNvPr id="3" name="TextBox 2"/>
+          <p:cNvPr id="13" name="TextBox 12"/>
           <p:cNvSpPr txBox="1"/>
           <p:nvPr/>
         </p:nvSpPr>
         <p:spPr>
           <a:xfrm>
-            <a:off x="1988288" y="5762847"/>
-            <a:ext cx="7325833" cy="646331"/>
+            <a:off x="6885947" y="5806249"/>
+            <a:ext cx="1911485" cy="369332"/>
+          </a:xfrm>
+          <a:prstGeom prst="rect">
+            <a:avLst/>
+          </a:prstGeom>
+          <a:noFill/>
+        </p:spPr>
+        <p:txBody>
+          <a:bodyPr wrap="none" rtlCol="0">
+            <a:spAutoFit/>
+          </a:bodyPr>
+          <a:lstStyle/>
+          <a:p>
+            <a:r>
+              <a:rPr lang="en-US" dirty="0" smtClean="0"/>
+              <a:t>Feasible trajectory</a:t>
+            </a:r>
+            <a:endParaRPr lang="en-US" dirty="0"/>
+          </a:p>
+        </p:txBody>
+      </p:sp>
+      <p:grpSp>
+        <p:nvGrpSpPr>
+          <p:cNvPr id="24" name="Group 23"/>
+          <p:cNvGrpSpPr/>
+          <p:nvPr/>
+        </p:nvGrpSpPr>
+        <p:grpSpPr>
+          <a:xfrm rot="18469771">
+            <a:off x="10434889" y="5902389"/>
+            <a:ext cx="922246" cy="576545"/>
+            <a:chOff x="7413242" y="1765933"/>
+            <a:chExt cx="922246" cy="576545"/>
+          </a:xfrm>
+          <a:gradFill>
+            <a:gsLst>
+              <a:gs pos="0">
+                <a:schemeClr val="accent1">
+                  <a:lumMod val="5000"/>
+                  <a:lumOff val="95000"/>
+                </a:schemeClr>
+              </a:gs>
+              <a:gs pos="74000">
+                <a:schemeClr val="accent1">
+                  <a:lumMod val="45000"/>
+                  <a:lumOff val="55000"/>
+                </a:schemeClr>
+              </a:gs>
+              <a:gs pos="83000">
+                <a:schemeClr val="accent1">
+                  <a:lumMod val="45000"/>
+                  <a:lumOff val="55000"/>
+                </a:schemeClr>
+              </a:gs>
+              <a:gs pos="100000">
+                <a:schemeClr val="accent1">
+                  <a:lumMod val="30000"/>
+                  <a:lumOff val="70000"/>
+                </a:schemeClr>
+              </a:gs>
+            </a:gsLst>
+            <a:lin ang="5400000" scaled="1"/>
+          </a:gradFill>
+        </p:grpSpPr>
+        <p:sp>
+          <p:nvSpPr>
+            <p:cNvPr id="25" name="Isosceles Triangle 24"/>
+            <p:cNvSpPr/>
+            <p:nvPr/>
+          </p:nvSpPr>
+          <p:spPr>
+            <a:xfrm>
+              <a:off x="7667516" y="1765933"/>
+              <a:ext cx="391992" cy="87345"/>
+            </a:xfrm>
+            <a:prstGeom prst="triangle">
+              <a:avLst/>
+            </a:prstGeom>
+            <a:grpFill/>
+            <a:ln w="25400">
+              <a:solidFill>
+                <a:schemeClr val="tx1"/>
+              </a:solidFill>
+            </a:ln>
+          </p:spPr>
+          <p:style>
+            <a:lnRef idx="2">
+              <a:schemeClr val="accent1">
+                <a:shade val="50000"/>
+              </a:schemeClr>
+            </a:lnRef>
+            <a:fillRef idx="1">
+              <a:schemeClr val="accent1"/>
+            </a:fillRef>
+            <a:effectRef idx="0">
+              <a:schemeClr val="accent1"/>
+            </a:effectRef>
+            <a:fontRef idx="minor">
+              <a:schemeClr val="lt1"/>
+            </a:fontRef>
+          </p:style>
+          <p:txBody>
+            <a:bodyPr rtlCol="0" anchor="ctr"/>
+            <a:lstStyle/>
+            <a:p>
+              <a:pPr algn="ctr"/>
+              <a:endParaRPr lang="en-US"/>
+            </a:p>
+          </p:txBody>
+        </p:sp>
+        <p:sp>
+          <p:nvSpPr>
+            <p:cNvPr id="26" name="Diagonal Stripe 25"/>
+            <p:cNvSpPr/>
+            <p:nvPr/>
+          </p:nvSpPr>
+          <p:spPr>
+            <a:xfrm rot="2698873">
+              <a:off x="7584809" y="1770365"/>
+              <a:ext cx="579280" cy="572113"/>
+            </a:xfrm>
+            <a:prstGeom prst="diagStripe">
+              <a:avLst/>
+            </a:prstGeom>
+            <a:grpFill/>
+            <a:ln w="25400">
+              <a:solidFill>
+                <a:schemeClr val="tx1"/>
+              </a:solidFill>
+            </a:ln>
+          </p:spPr>
+          <p:style>
+            <a:lnRef idx="2">
+              <a:schemeClr val="accent1">
+                <a:shade val="50000"/>
+              </a:schemeClr>
+            </a:lnRef>
+            <a:fillRef idx="1">
+              <a:schemeClr val="accent1"/>
+            </a:fillRef>
+            <a:effectRef idx="0">
+              <a:schemeClr val="accent1"/>
+            </a:effectRef>
+            <a:fontRef idx="minor">
+              <a:schemeClr val="lt1"/>
+            </a:fontRef>
+          </p:style>
+          <p:txBody>
+            <a:bodyPr rtlCol="0" anchor="ctr"/>
+            <a:lstStyle/>
+            <a:p>
+              <a:pPr algn="ctr"/>
+              <a:endParaRPr lang="en-US">
+                <a:solidFill>
+                  <a:schemeClr val="tx1"/>
+                </a:solidFill>
+              </a:endParaRPr>
+            </a:p>
+          </p:txBody>
+        </p:sp>
+        <p:sp>
+          <p:nvSpPr>
+            <p:cNvPr id="27" name="Isosceles Triangle 26"/>
+            <p:cNvSpPr/>
+            <p:nvPr/>
+          </p:nvSpPr>
+          <p:spPr>
+            <a:xfrm>
+              <a:off x="7813367" y="2074788"/>
+              <a:ext cx="122163" cy="148651"/>
+            </a:xfrm>
+            <a:prstGeom prst="triangle">
+              <a:avLst/>
+            </a:prstGeom>
+            <a:grpFill/>
+            <a:ln>
+              <a:solidFill>
+                <a:schemeClr val="tx1"/>
+              </a:solidFill>
+            </a:ln>
+          </p:spPr>
+          <p:style>
+            <a:lnRef idx="2">
+              <a:schemeClr val="accent1">
+                <a:shade val="50000"/>
+              </a:schemeClr>
+            </a:lnRef>
+            <a:fillRef idx="1">
+              <a:schemeClr val="accent1"/>
+            </a:fillRef>
+            <a:effectRef idx="0">
+              <a:schemeClr val="accent1"/>
+            </a:effectRef>
+            <a:fontRef idx="minor">
+              <a:schemeClr val="lt1"/>
+            </a:fontRef>
+          </p:style>
+          <p:txBody>
+            <a:bodyPr rtlCol="0" anchor="ctr"/>
+            <a:lstStyle/>
+            <a:p>
+              <a:pPr algn="ctr"/>
+              <a:endParaRPr lang="en-US"/>
+            </a:p>
+          </p:txBody>
+        </p:sp>
+        <p:sp>
+          <p:nvSpPr>
+            <p:cNvPr id="28" name="Isosceles Triangle 27"/>
+            <p:cNvSpPr/>
+            <p:nvPr/>
+          </p:nvSpPr>
+          <p:spPr>
+            <a:xfrm rot="1800000">
+              <a:off x="7413242" y="2058515"/>
+              <a:ext cx="122163" cy="148651"/>
+            </a:xfrm>
+            <a:prstGeom prst="triangle">
+              <a:avLst/>
+            </a:prstGeom>
+            <a:grpFill/>
+            <a:ln>
+              <a:solidFill>
+                <a:schemeClr val="tx1"/>
+              </a:solidFill>
+            </a:ln>
+          </p:spPr>
+          <p:style>
+            <a:lnRef idx="2">
+              <a:schemeClr val="accent1">
+                <a:shade val="50000"/>
+              </a:schemeClr>
+            </a:lnRef>
+            <a:fillRef idx="1">
+              <a:schemeClr val="accent1"/>
+            </a:fillRef>
+            <a:effectRef idx="0">
+              <a:schemeClr val="accent1"/>
+            </a:effectRef>
+            <a:fontRef idx="minor">
+              <a:schemeClr val="lt1"/>
+            </a:fontRef>
+          </p:style>
+          <p:txBody>
+            <a:bodyPr rtlCol="0" anchor="ctr"/>
+            <a:lstStyle/>
+            <a:p>
+              <a:pPr algn="ctr"/>
+              <a:endParaRPr lang="en-US"/>
+            </a:p>
+          </p:txBody>
+        </p:sp>
+        <p:sp>
+          <p:nvSpPr>
+            <p:cNvPr id="29" name="Isosceles Triangle 28"/>
+            <p:cNvSpPr/>
+            <p:nvPr/>
+          </p:nvSpPr>
+          <p:spPr>
+            <a:xfrm rot="19800000">
+              <a:off x="8213325" y="2054205"/>
+              <a:ext cx="122163" cy="148651"/>
+            </a:xfrm>
+            <a:prstGeom prst="triangle">
+              <a:avLst/>
+            </a:prstGeom>
+            <a:grpFill/>
+            <a:ln>
+              <a:solidFill>
+                <a:schemeClr val="tx1"/>
+              </a:solidFill>
+            </a:ln>
+          </p:spPr>
+          <p:style>
+            <a:lnRef idx="2">
+              <a:schemeClr val="accent1">
+                <a:shade val="50000"/>
+              </a:schemeClr>
+            </a:lnRef>
+            <a:fillRef idx="1">
+              <a:schemeClr val="accent1"/>
+            </a:fillRef>
+            <a:effectRef idx="0">
+              <a:schemeClr val="accent1"/>
+            </a:effectRef>
+            <a:fontRef idx="minor">
+              <a:schemeClr val="lt1"/>
+            </a:fontRef>
+          </p:style>
+          <p:txBody>
+            <a:bodyPr rtlCol="0" anchor="ctr"/>
+            <a:lstStyle/>
+            <a:p>
+              <a:pPr algn="ctr"/>
+              <a:endParaRPr lang="en-US"/>
+            </a:p>
+          </p:txBody>
+        </p:sp>
+      </p:grpSp>
+      <p:sp>
+        <p:nvSpPr>
+          <p:cNvPr id="64" name="TextBox 63"/>
+          <p:cNvSpPr txBox="1"/>
+          <p:nvPr/>
+        </p:nvSpPr>
+        <p:spPr>
+          <a:xfrm>
+            <a:off x="687012" y="6106118"/>
+            <a:ext cx="5424837" cy="646331"/>
           </a:xfrm>
           <a:prstGeom prst="rect">
             <a:avLst/>
@@ -7106,16 +6623,1514 @@
           <a:p>
             <a:r>
               <a:rPr lang="en-US" dirty="0" smtClean="0"/>
-              <a:t>-10p and -10CD should have similar impacts – somehow Cd is worse. Note the almost identical ignition velocities </a:t>
+              <a:t>The infeasible trajectory is a part of the entry reachable set that does not intersect the powered feasible set</a:t>
             </a:r>
             <a:endParaRPr lang="en-US" dirty="0"/>
           </a:p>
         </p:txBody>
       </p:sp>
+      <p:sp>
+        <p:nvSpPr>
+          <p:cNvPr id="51" name="Rectangle 50"/>
+          <p:cNvSpPr/>
+          <p:nvPr/>
+        </p:nvSpPr>
+        <p:spPr>
+          <a:xfrm>
+            <a:off x="6733276" y="2164000"/>
+            <a:ext cx="2005099" cy="566729"/>
+          </a:xfrm>
+          <a:prstGeom prst="rect">
+            <a:avLst/>
+          </a:prstGeom>
+          <a:solidFill>
+            <a:schemeClr val="accent1">
+              <a:alpha val="62000"/>
+            </a:schemeClr>
+          </a:solidFill>
+          <a:ln>
+            <a:noFill/>
+          </a:ln>
+        </p:spPr>
+        <p:style>
+          <a:lnRef idx="2">
+            <a:schemeClr val="accent1">
+              <a:shade val="50000"/>
+            </a:schemeClr>
+          </a:lnRef>
+          <a:fillRef idx="1">
+            <a:schemeClr val="accent1"/>
+          </a:fillRef>
+          <a:effectRef idx="0">
+            <a:schemeClr val="accent1"/>
+          </a:effectRef>
+          <a:fontRef idx="minor">
+            <a:schemeClr val="lt1"/>
+          </a:fontRef>
+        </p:style>
+        <p:txBody>
+          <a:bodyPr rtlCol="0" anchor="ctr"/>
+          <a:lstStyle/>
+          <a:p>
+            <a:pPr algn="ctr"/>
+            <a:endParaRPr lang="en-US"/>
+          </a:p>
+        </p:txBody>
+      </p:sp>
+      <p:sp>
+        <p:nvSpPr>
+          <p:cNvPr id="52" name="Right Triangle 51"/>
+          <p:cNvSpPr/>
+          <p:nvPr/>
+        </p:nvSpPr>
+        <p:spPr>
+          <a:xfrm rot="16200000">
+            <a:off x="7232738" y="651365"/>
+            <a:ext cx="1006180" cy="2005100"/>
+          </a:xfrm>
+          <a:prstGeom prst="rtTriangle">
+            <a:avLst/>
+          </a:prstGeom>
+          <a:solidFill>
+            <a:schemeClr val="accent1">
+              <a:alpha val="62000"/>
+            </a:schemeClr>
+          </a:solidFill>
+          <a:ln>
+            <a:noFill/>
+          </a:ln>
+        </p:spPr>
+        <p:style>
+          <a:lnRef idx="2">
+            <a:schemeClr val="accent1">
+              <a:shade val="50000"/>
+            </a:schemeClr>
+          </a:lnRef>
+          <a:fillRef idx="1">
+            <a:schemeClr val="accent1"/>
+          </a:fillRef>
+          <a:effectRef idx="0">
+            <a:schemeClr val="accent1"/>
+          </a:effectRef>
+          <a:fontRef idx="minor">
+            <a:schemeClr val="lt1"/>
+          </a:fontRef>
+        </p:style>
+        <p:txBody>
+          <a:bodyPr rtlCol="0" anchor="ctr"/>
+          <a:lstStyle/>
+          <a:p>
+            <a:pPr algn="ctr"/>
+            <a:endParaRPr lang="en-US" dirty="0"/>
+          </a:p>
+        </p:txBody>
+      </p:sp>
+      <p:grpSp>
+        <p:nvGrpSpPr>
+          <p:cNvPr id="31" name="Group 30"/>
+          <p:cNvGrpSpPr/>
+          <p:nvPr/>
+        </p:nvGrpSpPr>
+        <p:grpSpPr>
+          <a:xfrm>
+            <a:off x="-260351" y="248264"/>
+            <a:ext cx="9594599" cy="7126292"/>
+            <a:chOff x="-260351" y="248264"/>
+            <a:chExt cx="9594599" cy="7126292"/>
+          </a:xfrm>
+        </p:grpSpPr>
+        <p:grpSp>
+          <p:nvGrpSpPr>
+            <p:cNvPr id="3" name="Group 2"/>
+            <p:cNvGrpSpPr/>
+            <p:nvPr/>
+          </p:nvGrpSpPr>
+          <p:grpSpPr>
+            <a:xfrm rot="18187660">
+              <a:off x="1137936" y="1441466"/>
+              <a:ext cx="823735" cy="576545"/>
+              <a:chOff x="8966577" y="4136717"/>
+              <a:chExt cx="1713015" cy="1198967"/>
+            </a:xfrm>
+            <a:gradFill>
+              <a:gsLst>
+                <a:gs pos="0">
+                  <a:schemeClr val="accent1">
+                    <a:lumMod val="5000"/>
+                    <a:lumOff val="95000"/>
+                  </a:schemeClr>
+                </a:gs>
+                <a:gs pos="74000">
+                  <a:schemeClr val="accent1">
+                    <a:lumMod val="45000"/>
+                    <a:lumOff val="55000"/>
+                  </a:schemeClr>
+                </a:gs>
+                <a:gs pos="83000">
+                  <a:schemeClr val="accent1">
+                    <a:lumMod val="45000"/>
+                    <a:lumOff val="55000"/>
+                  </a:schemeClr>
+                </a:gs>
+                <a:gs pos="100000">
+                  <a:schemeClr val="accent1">
+                    <a:lumMod val="30000"/>
+                    <a:lumOff val="70000"/>
+                  </a:schemeClr>
+                </a:gs>
+              </a:gsLst>
+              <a:lin ang="5400000" scaled="1"/>
+            </a:gradFill>
+          </p:grpSpPr>
+          <p:sp>
+            <p:nvSpPr>
+              <p:cNvPr id="4" name="Isosceles Triangle 3"/>
+              <p:cNvSpPr/>
+              <p:nvPr/>
+            </p:nvSpPr>
+            <p:spPr>
+              <a:xfrm>
+                <a:off x="9413823" y="4136717"/>
+                <a:ext cx="815174" cy="181640"/>
+              </a:xfrm>
+              <a:prstGeom prst="triangle">
+                <a:avLst/>
+              </a:prstGeom>
+              <a:grpFill/>
+              <a:ln w="25400">
+                <a:solidFill>
+                  <a:schemeClr val="tx1"/>
+                </a:solidFill>
+              </a:ln>
+            </p:spPr>
+            <p:style>
+              <a:lnRef idx="2">
+                <a:schemeClr val="accent1">
+                  <a:shade val="50000"/>
+                </a:schemeClr>
+              </a:lnRef>
+              <a:fillRef idx="1">
+                <a:schemeClr val="accent1"/>
+              </a:fillRef>
+              <a:effectRef idx="0">
+                <a:schemeClr val="accent1"/>
+              </a:effectRef>
+              <a:fontRef idx="minor">
+                <a:schemeClr val="lt1"/>
+              </a:fontRef>
+            </p:style>
+            <p:txBody>
+              <a:bodyPr rtlCol="0" anchor="ctr"/>
+              <a:lstStyle/>
+              <a:p>
+                <a:pPr algn="ctr"/>
+                <a:endParaRPr lang="en-US"/>
+              </a:p>
+            </p:txBody>
+          </p:sp>
+          <p:sp>
+            <p:nvSpPr>
+              <p:cNvPr id="5" name="Flowchart: Delay 4"/>
+              <p:cNvSpPr/>
+              <p:nvPr/>
+            </p:nvSpPr>
+            <p:spPr>
+              <a:xfrm rot="5400000">
+                <a:off x="9700276" y="4002117"/>
+                <a:ext cx="245617" cy="1713015"/>
+              </a:xfrm>
+              <a:prstGeom prst="flowChartDelay">
+                <a:avLst/>
+              </a:prstGeom>
+              <a:grpFill/>
+              <a:ln w="22225">
+                <a:solidFill>
+                  <a:schemeClr val="tx1"/>
+                </a:solidFill>
+              </a:ln>
+            </p:spPr>
+            <p:style>
+              <a:lnRef idx="2">
+                <a:schemeClr val="accent1">
+                  <a:shade val="50000"/>
+                </a:schemeClr>
+              </a:lnRef>
+              <a:fillRef idx="1">
+                <a:schemeClr val="accent1"/>
+              </a:fillRef>
+              <a:effectRef idx="0">
+                <a:schemeClr val="accent1"/>
+              </a:effectRef>
+              <a:fontRef idx="minor">
+                <a:schemeClr val="lt1"/>
+              </a:fontRef>
+            </p:style>
+            <p:txBody>
+              <a:bodyPr rtlCol="0" anchor="ctr"/>
+              <a:lstStyle/>
+              <a:p>
+                <a:pPr algn="ctr"/>
+                <a:endParaRPr lang="en-US"/>
+              </a:p>
+            </p:txBody>
+          </p:sp>
+          <p:sp>
+            <p:nvSpPr>
+              <p:cNvPr id="6" name="Diagonal Stripe 5"/>
+              <p:cNvSpPr/>
+              <p:nvPr/>
+            </p:nvSpPr>
+            <p:spPr>
+              <a:xfrm rot="2698873">
+                <a:off x="9223890" y="4145934"/>
+                <a:ext cx="1204654" cy="1189750"/>
+              </a:xfrm>
+              <a:prstGeom prst="diagStripe">
+                <a:avLst/>
+              </a:prstGeom>
+              <a:grpFill/>
+              <a:ln w="25400">
+                <a:solidFill>
+                  <a:schemeClr val="tx1"/>
+                </a:solidFill>
+              </a:ln>
+            </p:spPr>
+            <p:style>
+              <a:lnRef idx="2">
+                <a:schemeClr val="accent1">
+                  <a:shade val="50000"/>
+                </a:schemeClr>
+              </a:lnRef>
+              <a:fillRef idx="1">
+                <a:schemeClr val="accent1"/>
+              </a:fillRef>
+              <a:effectRef idx="0">
+                <a:schemeClr val="accent1"/>
+              </a:effectRef>
+              <a:fontRef idx="minor">
+                <a:schemeClr val="lt1"/>
+              </a:fontRef>
+            </p:style>
+            <p:txBody>
+              <a:bodyPr rtlCol="0" anchor="ctr"/>
+              <a:lstStyle/>
+              <a:p>
+                <a:pPr algn="ctr"/>
+                <a:endParaRPr lang="en-US">
+                  <a:solidFill>
+                    <a:schemeClr val="tx1"/>
+                  </a:solidFill>
+                </a:endParaRPr>
+              </a:p>
+            </p:txBody>
+          </p:sp>
+        </p:grpSp>
+        <p:sp>
+          <p:nvSpPr>
+            <p:cNvPr id="14" name="TextBox 13"/>
+            <p:cNvSpPr txBox="1"/>
+            <p:nvPr/>
+          </p:nvSpPr>
+          <p:spPr>
+            <a:xfrm>
+              <a:off x="7807337" y="2033479"/>
+              <a:ext cx="1526911" cy="1015663"/>
+            </a:xfrm>
+            <a:prstGeom prst="rect">
+              <a:avLst/>
+            </a:prstGeom>
+            <a:noFill/>
+          </p:spPr>
+          <p:txBody>
+            <a:bodyPr wrap="square" rtlCol="0">
+              <a:spAutoFit/>
+            </a:bodyPr>
+            <a:lstStyle/>
+            <a:p>
+              <a:r>
+                <a:rPr lang="en-US" sz="2000" dirty="0" smtClean="0"/>
+                <a:t>Optimal ignition </a:t>
+              </a:r>
+              <a:r>
+                <a:rPr lang="en-US" sz="2000" dirty="0" smtClean="0"/>
+                <a:t>point</a:t>
+              </a:r>
+              <a:endParaRPr lang="en-US" sz="2000" dirty="0"/>
+            </a:p>
+          </p:txBody>
+        </p:sp>
+        <p:sp>
+          <p:nvSpPr>
+            <p:cNvPr id="32" name="Rectangle 31"/>
+            <p:cNvSpPr/>
+            <p:nvPr/>
+          </p:nvSpPr>
+          <p:spPr>
+            <a:xfrm>
+              <a:off x="1167727" y="730846"/>
+              <a:ext cx="7570440" cy="3063285"/>
+            </a:xfrm>
+            <a:prstGeom prst="rect">
+              <a:avLst/>
+            </a:prstGeom>
+            <a:noFill/>
+            <a:ln w="15875">
+              <a:solidFill>
+                <a:schemeClr val="tx1"/>
+              </a:solidFill>
+            </a:ln>
+          </p:spPr>
+          <p:style>
+            <a:lnRef idx="2">
+              <a:schemeClr val="accent1">
+                <a:shade val="50000"/>
+              </a:schemeClr>
+            </a:lnRef>
+            <a:fillRef idx="1">
+              <a:schemeClr val="accent1"/>
+            </a:fillRef>
+            <a:effectRef idx="0">
+              <a:schemeClr val="accent1"/>
+            </a:effectRef>
+            <a:fontRef idx="minor">
+              <a:schemeClr val="lt1"/>
+            </a:fontRef>
+          </p:style>
+          <p:txBody>
+            <a:bodyPr rtlCol="0" anchor="ctr"/>
+            <a:lstStyle/>
+            <a:p>
+              <a:pPr algn="ctr"/>
+              <a:endParaRPr lang="en-US"/>
+            </a:p>
+          </p:txBody>
+        </p:sp>
+        <p:cxnSp>
+          <p:nvCxnSpPr>
+            <p:cNvPr id="16" name="Straight Connector 15"/>
+            <p:cNvCxnSpPr/>
+            <p:nvPr/>
+          </p:nvCxnSpPr>
+          <p:spPr>
+            <a:xfrm>
+              <a:off x="4688269" y="2726300"/>
+              <a:ext cx="4049898" cy="20479"/>
+            </a:xfrm>
+            <a:prstGeom prst="line">
+              <a:avLst/>
+            </a:prstGeom>
+            <a:ln w="25400">
+              <a:solidFill>
+                <a:srgbClr val="225827"/>
+              </a:solidFill>
+            </a:ln>
+          </p:spPr>
+          <p:style>
+            <a:lnRef idx="1">
+              <a:schemeClr val="accent1"/>
+            </a:lnRef>
+            <a:fillRef idx="0">
+              <a:schemeClr val="accent1"/>
+            </a:fillRef>
+            <a:effectRef idx="0">
+              <a:schemeClr val="accent1"/>
+            </a:effectRef>
+            <a:fontRef idx="minor">
+              <a:schemeClr val="tx1"/>
+            </a:fontRef>
+          </p:style>
+        </p:cxnSp>
+        <p:sp>
+          <p:nvSpPr>
+            <p:cNvPr id="18" name="TextBox 17"/>
+            <p:cNvSpPr txBox="1"/>
+            <p:nvPr/>
+          </p:nvSpPr>
+          <p:spPr>
+            <a:xfrm>
+              <a:off x="4141891" y="3810729"/>
+              <a:ext cx="1622111" cy="461665"/>
+            </a:xfrm>
+            <a:prstGeom prst="rect">
+              <a:avLst/>
+            </a:prstGeom>
+            <a:noFill/>
+          </p:spPr>
+          <p:txBody>
+            <a:bodyPr wrap="none" rtlCol="0">
+              <a:spAutoFit/>
+            </a:bodyPr>
+            <a:lstStyle/>
+            <a:p>
+              <a:r>
+                <a:rPr lang="en-US" sz="2400" dirty="0" smtClean="0"/>
+                <a:t>Downrange</a:t>
+              </a:r>
+              <a:endParaRPr lang="en-US" sz="2400" dirty="0"/>
+            </a:p>
+          </p:txBody>
+        </p:sp>
+        <p:sp>
+          <p:nvSpPr>
+            <p:cNvPr id="19" name="TextBox 18"/>
+            <p:cNvSpPr txBox="1"/>
+            <p:nvPr/>
+          </p:nvSpPr>
+          <p:spPr>
+            <a:xfrm rot="16200000">
+              <a:off x="273933" y="2314701"/>
+              <a:ext cx="1186543" cy="461665"/>
+            </a:xfrm>
+            <a:prstGeom prst="rect">
+              <a:avLst/>
+            </a:prstGeom>
+            <a:noFill/>
+          </p:spPr>
+          <p:txBody>
+            <a:bodyPr wrap="none" rtlCol="0">
+              <a:spAutoFit/>
+            </a:bodyPr>
+            <a:lstStyle/>
+            <a:p>
+              <a:r>
+                <a:rPr lang="en-US" sz="2400" dirty="0" smtClean="0"/>
+                <a:t>Altitude</a:t>
+              </a:r>
+              <a:endParaRPr lang="en-US" sz="2400" dirty="0"/>
+            </a:p>
+          </p:txBody>
+        </p:sp>
+        <p:sp>
+          <p:nvSpPr>
+            <p:cNvPr id="30" name="TextBox 29"/>
+            <p:cNvSpPr txBox="1"/>
+            <p:nvPr/>
+          </p:nvSpPr>
+          <p:spPr>
+            <a:xfrm>
+              <a:off x="4819078" y="2695199"/>
+              <a:ext cx="1903021" cy="707886"/>
+            </a:xfrm>
+            <a:prstGeom prst="rect">
+              <a:avLst/>
+            </a:prstGeom>
+            <a:noFill/>
+          </p:spPr>
+          <p:txBody>
+            <a:bodyPr wrap="square" rtlCol="0">
+              <a:spAutoFit/>
+            </a:bodyPr>
+            <a:lstStyle/>
+            <a:p>
+              <a:r>
+                <a:rPr lang="en-US" sz="2000" dirty="0" smtClean="0">
+                  <a:solidFill>
+                    <a:srgbClr val="225827"/>
+                  </a:solidFill>
+                </a:rPr>
+                <a:t>Minimum ignition altitude</a:t>
+              </a:r>
+              <a:endParaRPr lang="en-US" sz="2000" dirty="0">
+                <a:solidFill>
+                  <a:srgbClr val="225827"/>
+                </a:solidFill>
+              </a:endParaRPr>
+            </a:p>
+          </p:txBody>
+        </p:sp>
+        <p:sp>
+          <p:nvSpPr>
+            <p:cNvPr id="39" name="TextBox 38"/>
+            <p:cNvSpPr txBox="1"/>
+            <p:nvPr/>
+          </p:nvSpPr>
+          <p:spPr>
+            <a:xfrm>
+              <a:off x="7607852" y="3422161"/>
+              <a:ext cx="830868" cy="400110"/>
+            </a:xfrm>
+            <a:prstGeom prst="rect">
+              <a:avLst/>
+            </a:prstGeom>
+            <a:noFill/>
+          </p:spPr>
+          <p:txBody>
+            <a:bodyPr wrap="none" rtlCol="0">
+              <a:spAutoFit/>
+            </a:bodyPr>
+            <a:lstStyle/>
+            <a:p>
+              <a:r>
+                <a:rPr lang="en-US" sz="2000" dirty="0" smtClean="0"/>
+                <a:t>Target</a:t>
+              </a:r>
+              <a:endParaRPr lang="en-US" sz="2000" dirty="0"/>
+            </a:p>
+          </p:txBody>
+        </p:sp>
+        <p:sp>
+          <p:nvSpPr>
+            <p:cNvPr id="40" name="Multiply 39"/>
+            <p:cNvSpPr/>
+            <p:nvPr/>
+          </p:nvSpPr>
+          <p:spPr>
+            <a:xfrm>
+              <a:off x="8350604" y="3404777"/>
+              <a:ext cx="382137" cy="382137"/>
+            </a:xfrm>
+            <a:prstGeom prst="mathMultiply">
+              <a:avLst/>
+            </a:prstGeom>
+            <a:solidFill>
+              <a:srgbClr val="002060"/>
+            </a:solidFill>
+            <a:ln>
+              <a:solidFill>
+                <a:schemeClr val="tx1"/>
+              </a:solidFill>
+            </a:ln>
+          </p:spPr>
+          <p:style>
+            <a:lnRef idx="2">
+              <a:schemeClr val="accent1">
+                <a:shade val="50000"/>
+              </a:schemeClr>
+            </a:lnRef>
+            <a:fillRef idx="1">
+              <a:schemeClr val="accent1"/>
+            </a:fillRef>
+            <a:effectRef idx="0">
+              <a:schemeClr val="accent1"/>
+            </a:effectRef>
+            <a:fontRef idx="minor">
+              <a:schemeClr val="lt1"/>
+            </a:fontRef>
+          </p:style>
+          <p:txBody>
+            <a:bodyPr rtlCol="0" anchor="ctr"/>
+            <a:lstStyle/>
+            <a:p>
+              <a:pPr algn="ctr"/>
+              <a:endParaRPr lang="en-US">
+                <a:solidFill>
+                  <a:schemeClr val="tx1"/>
+                </a:solidFill>
+              </a:endParaRPr>
+            </a:p>
+          </p:txBody>
+        </p:sp>
+        <p:sp>
+          <p:nvSpPr>
+            <p:cNvPr id="41" name="Arc 40"/>
+            <p:cNvSpPr/>
+            <p:nvPr/>
+          </p:nvSpPr>
+          <p:spPr>
+            <a:xfrm rot="19485709">
+              <a:off x="2416988" y="248264"/>
+              <a:ext cx="4048943" cy="3826163"/>
+            </a:xfrm>
+            <a:custGeom>
+              <a:avLst/>
+              <a:gdLst>
+                <a:gd name="connsiteX0" fmla="*/ 3758508 w 7517016"/>
+                <a:gd name="connsiteY0" fmla="*/ 0 h 7008053"/>
+                <a:gd name="connsiteX1" fmla="*/ 7517016 w 7517016"/>
+                <a:gd name="connsiteY1" fmla="*/ 3504027 h 7008053"/>
+                <a:gd name="connsiteX2" fmla="*/ 3758508 w 7517016"/>
+                <a:gd name="connsiteY2" fmla="*/ 3504027 h 7008053"/>
+                <a:gd name="connsiteX3" fmla="*/ 3758508 w 7517016"/>
+                <a:gd name="connsiteY3" fmla="*/ 0 h 7008053"/>
+                <a:gd name="connsiteX0" fmla="*/ 3758508 w 7517016"/>
+                <a:gd name="connsiteY0" fmla="*/ 0 h 7008053"/>
+                <a:gd name="connsiteX1" fmla="*/ 7517016 w 7517016"/>
+                <a:gd name="connsiteY1" fmla="*/ 3504027 h 7008053"/>
+                <a:gd name="connsiteX0" fmla="*/ 0 w 4048943"/>
+                <a:gd name="connsiteY0" fmla="*/ 0 h 3826163"/>
+                <a:gd name="connsiteX1" fmla="*/ 3758508 w 4048943"/>
+                <a:gd name="connsiteY1" fmla="*/ 3504027 h 3826163"/>
+                <a:gd name="connsiteX2" fmla="*/ 0 w 4048943"/>
+                <a:gd name="connsiteY2" fmla="*/ 3504027 h 3826163"/>
+                <a:gd name="connsiteX3" fmla="*/ 0 w 4048943"/>
+                <a:gd name="connsiteY3" fmla="*/ 0 h 3826163"/>
+                <a:gd name="connsiteX0" fmla="*/ 0 w 4048943"/>
+                <a:gd name="connsiteY0" fmla="*/ 0 h 3826163"/>
+                <a:gd name="connsiteX1" fmla="*/ 4048943 w 4048943"/>
+                <a:gd name="connsiteY1" fmla="*/ 3826163 h 3826163"/>
+              </a:gdLst>
+              <a:ahLst/>
+              <a:cxnLst>
+                <a:cxn ang="0">
+                  <a:pos x="connsiteX0" y="connsiteY0"/>
+                </a:cxn>
+                <a:cxn ang="0">
+                  <a:pos x="connsiteX1" y="connsiteY1"/>
+                </a:cxn>
+              </a:cxnLst>
+              <a:rect l="l" t="t" r="r" b="b"/>
+              <a:pathLst>
+                <a:path w="4048943" h="3826163" stroke="0" extrusionOk="0">
+                  <a:moveTo>
+                    <a:pt x="0" y="0"/>
+                  </a:moveTo>
+                  <a:cubicBezTo>
+                    <a:pt x="2075767" y="0"/>
+                    <a:pt x="3758508" y="1568806"/>
+                    <a:pt x="3758508" y="3504027"/>
+                  </a:cubicBezTo>
+                  <a:lnTo>
+                    <a:pt x="0" y="3504027"/>
+                  </a:lnTo>
+                  <a:lnTo>
+                    <a:pt x="0" y="0"/>
+                  </a:lnTo>
+                  <a:close/>
+                </a:path>
+                <a:path w="4048943" h="3826163" fill="none">
+                  <a:moveTo>
+                    <a:pt x="0" y="0"/>
+                  </a:moveTo>
+                  <a:cubicBezTo>
+                    <a:pt x="2075767" y="0"/>
+                    <a:pt x="4048943" y="1890942"/>
+                    <a:pt x="4048943" y="3826163"/>
+                  </a:cubicBezTo>
+                </a:path>
+              </a:pathLst>
+            </a:custGeom>
+            <a:ln w="22225">
+              <a:solidFill>
+                <a:schemeClr val="tx1"/>
+              </a:solidFill>
+              <a:prstDash val="solid"/>
+            </a:ln>
+          </p:spPr>
+          <p:style>
+            <a:lnRef idx="1">
+              <a:schemeClr val="accent1"/>
+            </a:lnRef>
+            <a:fillRef idx="0">
+              <a:schemeClr val="accent1"/>
+            </a:fillRef>
+            <a:effectRef idx="0">
+              <a:schemeClr val="accent1"/>
+            </a:effectRef>
+            <a:fontRef idx="minor">
+              <a:schemeClr val="tx1"/>
+            </a:fontRef>
+          </p:style>
+          <p:txBody>
+            <a:bodyPr rtlCol="0" anchor="ctr"/>
+            <a:lstStyle/>
+            <a:p>
+              <a:pPr algn="ctr"/>
+              <a:endParaRPr lang="en-US"/>
+            </a:p>
+          </p:txBody>
+        </p:sp>
+        <p:sp>
+          <p:nvSpPr>
+            <p:cNvPr id="42" name="Arc 41"/>
+            <p:cNvSpPr/>
+            <p:nvPr/>
+          </p:nvSpPr>
+          <p:spPr>
+            <a:xfrm rot="19861880">
+              <a:off x="-260351" y="1401302"/>
+              <a:ext cx="6804021" cy="5973254"/>
+            </a:xfrm>
+            <a:prstGeom prst="arc">
+              <a:avLst/>
+            </a:prstGeom>
+            <a:ln w="22225">
+              <a:solidFill>
+                <a:schemeClr val="tx1"/>
+              </a:solidFill>
+              <a:prstDash val="dashDot"/>
+            </a:ln>
+          </p:spPr>
+          <p:style>
+            <a:lnRef idx="1">
+              <a:schemeClr val="accent1"/>
+            </a:lnRef>
+            <a:fillRef idx="0">
+              <a:schemeClr val="accent1"/>
+            </a:fillRef>
+            <a:effectRef idx="0">
+              <a:schemeClr val="accent1"/>
+            </a:effectRef>
+            <a:fontRef idx="minor">
+              <a:schemeClr val="tx1"/>
+            </a:fontRef>
+          </p:style>
+          <p:txBody>
+            <a:bodyPr rtlCol="0" anchor="ctr"/>
+            <a:lstStyle/>
+            <a:p>
+              <a:pPr algn="ctr"/>
+              <a:endParaRPr lang="en-US"/>
+            </a:p>
+          </p:txBody>
+        </p:sp>
+        <p:sp>
+          <p:nvSpPr>
+            <p:cNvPr id="43" name="Arc 42"/>
+            <p:cNvSpPr/>
+            <p:nvPr/>
+          </p:nvSpPr>
+          <p:spPr>
+            <a:xfrm rot="20234920">
+              <a:off x="2078366" y="449132"/>
+              <a:ext cx="5186557" cy="3436514"/>
+            </a:xfrm>
+            <a:custGeom>
+              <a:avLst/>
+              <a:gdLst>
+                <a:gd name="connsiteX0" fmla="*/ 4521532 w 9043065"/>
+                <a:gd name="connsiteY0" fmla="*/ 0 h 6872192"/>
+                <a:gd name="connsiteX1" fmla="*/ 9043065 w 9043065"/>
+                <a:gd name="connsiteY1" fmla="*/ 3436096 h 6872192"/>
+                <a:gd name="connsiteX2" fmla="*/ 4521533 w 9043065"/>
+                <a:gd name="connsiteY2" fmla="*/ 3436096 h 6872192"/>
+                <a:gd name="connsiteX3" fmla="*/ 4521532 w 9043065"/>
+                <a:gd name="connsiteY3" fmla="*/ 0 h 6872192"/>
+                <a:gd name="connsiteX0" fmla="*/ 4521532 w 9043065"/>
+                <a:gd name="connsiteY0" fmla="*/ 0 h 6872192"/>
+                <a:gd name="connsiteX1" fmla="*/ 9043065 w 9043065"/>
+                <a:gd name="connsiteY1" fmla="*/ 3436096 h 6872192"/>
+                <a:gd name="connsiteX0" fmla="*/ 665024 w 5186557"/>
+                <a:gd name="connsiteY0" fmla="*/ 0 h 3436096"/>
+                <a:gd name="connsiteX1" fmla="*/ 5186557 w 5186557"/>
+                <a:gd name="connsiteY1" fmla="*/ 3436096 h 3436096"/>
+                <a:gd name="connsiteX2" fmla="*/ 665025 w 5186557"/>
+                <a:gd name="connsiteY2" fmla="*/ 3436096 h 3436096"/>
+                <a:gd name="connsiteX3" fmla="*/ 665024 w 5186557"/>
+                <a:gd name="connsiteY3" fmla="*/ 0 h 3436096"/>
+                <a:gd name="connsiteX0" fmla="*/ 0 w 5186557"/>
+                <a:gd name="connsiteY0" fmla="*/ 209490 h 3436096"/>
+                <a:gd name="connsiteX1" fmla="*/ 5186557 w 5186557"/>
+                <a:gd name="connsiteY1" fmla="*/ 3436096 h 3436096"/>
+                <a:gd name="connsiteX0" fmla="*/ 665024 w 5186557"/>
+                <a:gd name="connsiteY0" fmla="*/ 418 h 3436514"/>
+                <a:gd name="connsiteX1" fmla="*/ 5186557 w 5186557"/>
+                <a:gd name="connsiteY1" fmla="*/ 3436514 h 3436514"/>
+                <a:gd name="connsiteX2" fmla="*/ 665025 w 5186557"/>
+                <a:gd name="connsiteY2" fmla="*/ 3436514 h 3436514"/>
+                <a:gd name="connsiteX3" fmla="*/ 665024 w 5186557"/>
+                <a:gd name="connsiteY3" fmla="*/ 418 h 3436514"/>
+                <a:gd name="connsiteX0" fmla="*/ 0 w 5186557"/>
+                <a:gd name="connsiteY0" fmla="*/ 209908 h 3436514"/>
+                <a:gd name="connsiteX1" fmla="*/ 5186557 w 5186557"/>
+                <a:gd name="connsiteY1" fmla="*/ 3436514 h 3436514"/>
+              </a:gdLst>
+              <a:ahLst/>
+              <a:cxnLst>
+                <a:cxn ang="0">
+                  <a:pos x="connsiteX0" y="connsiteY0"/>
+                </a:cxn>
+                <a:cxn ang="0">
+                  <a:pos x="connsiteX1" y="connsiteY1"/>
+                </a:cxn>
+              </a:cxnLst>
+              <a:rect l="l" t="t" r="r" b="b"/>
+              <a:pathLst>
+                <a:path w="5186557" h="3436514" stroke="0" extrusionOk="0">
+                  <a:moveTo>
+                    <a:pt x="665024" y="418"/>
+                  </a:moveTo>
+                  <a:cubicBezTo>
+                    <a:pt x="3162198" y="418"/>
+                    <a:pt x="5186557" y="1538811"/>
+                    <a:pt x="5186557" y="3436514"/>
+                  </a:cubicBezTo>
+                  <a:lnTo>
+                    <a:pt x="665025" y="3436514"/>
+                  </a:lnTo>
+                  <a:cubicBezTo>
+                    <a:pt x="665025" y="2291149"/>
+                    <a:pt x="665024" y="1145783"/>
+                    <a:pt x="665024" y="418"/>
+                  </a:cubicBezTo>
+                  <a:close/>
+                </a:path>
+                <a:path w="5186557" h="3436514" fill="none">
+                  <a:moveTo>
+                    <a:pt x="0" y="209908"/>
+                  </a:moveTo>
+                  <a:cubicBezTo>
+                    <a:pt x="2228410" y="-701961"/>
+                    <a:pt x="5186557" y="1538811"/>
+                    <a:pt x="5186557" y="3436514"/>
+                  </a:cubicBezTo>
+                </a:path>
+              </a:pathLst>
+            </a:custGeom>
+            <a:ln w="22225">
+              <a:solidFill>
+                <a:schemeClr val="tx1"/>
+              </a:solidFill>
+              <a:prstDash val="dashDot"/>
+            </a:ln>
+          </p:spPr>
+          <p:style>
+            <a:lnRef idx="1">
+              <a:schemeClr val="accent1"/>
+            </a:lnRef>
+            <a:fillRef idx="0">
+              <a:schemeClr val="accent1"/>
+            </a:fillRef>
+            <a:effectRef idx="0">
+              <a:schemeClr val="accent1"/>
+            </a:effectRef>
+            <a:fontRef idx="minor">
+              <a:schemeClr val="tx1"/>
+            </a:fontRef>
+          </p:style>
+          <p:txBody>
+            <a:bodyPr rtlCol="0" anchor="ctr"/>
+            <a:lstStyle/>
+            <a:p>
+              <a:pPr algn="ctr"/>
+              <a:endParaRPr lang="en-US"/>
+            </a:p>
+          </p:txBody>
+        </p:sp>
+        <p:sp>
+          <p:nvSpPr>
+            <p:cNvPr id="44" name="Arc 40"/>
+            <p:cNvSpPr/>
+            <p:nvPr/>
+          </p:nvSpPr>
+          <p:spPr>
+            <a:xfrm rot="19485709">
+              <a:off x="2617298" y="376324"/>
+              <a:ext cx="3291370" cy="3627447"/>
+            </a:xfrm>
+            <a:custGeom>
+              <a:avLst/>
+              <a:gdLst>
+                <a:gd name="connsiteX0" fmla="*/ 3758508 w 7517016"/>
+                <a:gd name="connsiteY0" fmla="*/ 0 h 7008053"/>
+                <a:gd name="connsiteX1" fmla="*/ 7517016 w 7517016"/>
+                <a:gd name="connsiteY1" fmla="*/ 3504027 h 7008053"/>
+                <a:gd name="connsiteX2" fmla="*/ 3758508 w 7517016"/>
+                <a:gd name="connsiteY2" fmla="*/ 3504027 h 7008053"/>
+                <a:gd name="connsiteX3" fmla="*/ 3758508 w 7517016"/>
+                <a:gd name="connsiteY3" fmla="*/ 0 h 7008053"/>
+                <a:gd name="connsiteX0" fmla="*/ 3758508 w 7517016"/>
+                <a:gd name="connsiteY0" fmla="*/ 0 h 7008053"/>
+                <a:gd name="connsiteX1" fmla="*/ 7517016 w 7517016"/>
+                <a:gd name="connsiteY1" fmla="*/ 3504027 h 7008053"/>
+                <a:gd name="connsiteX0" fmla="*/ 0 w 4048943"/>
+                <a:gd name="connsiteY0" fmla="*/ 0 h 3826163"/>
+                <a:gd name="connsiteX1" fmla="*/ 3758508 w 4048943"/>
+                <a:gd name="connsiteY1" fmla="*/ 3504027 h 3826163"/>
+                <a:gd name="connsiteX2" fmla="*/ 0 w 4048943"/>
+                <a:gd name="connsiteY2" fmla="*/ 3504027 h 3826163"/>
+                <a:gd name="connsiteX3" fmla="*/ 0 w 4048943"/>
+                <a:gd name="connsiteY3" fmla="*/ 0 h 3826163"/>
+                <a:gd name="connsiteX0" fmla="*/ 0 w 4048943"/>
+                <a:gd name="connsiteY0" fmla="*/ 0 h 3826163"/>
+                <a:gd name="connsiteX1" fmla="*/ 4048943 w 4048943"/>
+                <a:gd name="connsiteY1" fmla="*/ 3826163 h 3826163"/>
+                <a:gd name="connsiteX0" fmla="*/ 0 w 4199181"/>
+                <a:gd name="connsiteY0" fmla="*/ 0 h 3826163"/>
+                <a:gd name="connsiteX1" fmla="*/ 3758508 w 4199181"/>
+                <a:gd name="connsiteY1" fmla="*/ 3504027 h 3826163"/>
+                <a:gd name="connsiteX2" fmla="*/ 0 w 4199181"/>
+                <a:gd name="connsiteY2" fmla="*/ 3504027 h 3826163"/>
+                <a:gd name="connsiteX3" fmla="*/ 0 w 4199181"/>
+                <a:gd name="connsiteY3" fmla="*/ 0 h 3826163"/>
+                <a:gd name="connsiteX0" fmla="*/ 0 w 4199181"/>
+                <a:gd name="connsiteY0" fmla="*/ 0 h 3826163"/>
+                <a:gd name="connsiteX1" fmla="*/ 4048943 w 4199181"/>
+                <a:gd name="connsiteY1" fmla="*/ 3826163 h 3826163"/>
+                <a:gd name="connsiteX0" fmla="*/ 0 w 4199181"/>
+                <a:gd name="connsiteY0" fmla="*/ 8380 h 3834543"/>
+                <a:gd name="connsiteX1" fmla="*/ 3758508 w 4199181"/>
+                <a:gd name="connsiteY1" fmla="*/ 3512407 h 3834543"/>
+                <a:gd name="connsiteX2" fmla="*/ 0 w 4199181"/>
+                <a:gd name="connsiteY2" fmla="*/ 3512407 h 3834543"/>
+                <a:gd name="connsiteX3" fmla="*/ 0 w 4199181"/>
+                <a:gd name="connsiteY3" fmla="*/ 8380 h 3834543"/>
+                <a:gd name="connsiteX0" fmla="*/ 0 w 4199181"/>
+                <a:gd name="connsiteY0" fmla="*/ 8380 h 3834543"/>
+                <a:gd name="connsiteX1" fmla="*/ 4048943 w 4199181"/>
+                <a:gd name="connsiteY1" fmla="*/ 3834543 h 3834543"/>
+                <a:gd name="connsiteX0" fmla="*/ 0 w 4266032"/>
+                <a:gd name="connsiteY0" fmla="*/ 8380 h 3877295"/>
+                <a:gd name="connsiteX1" fmla="*/ 3758508 w 4266032"/>
+                <a:gd name="connsiteY1" fmla="*/ 3512407 h 3877295"/>
+                <a:gd name="connsiteX2" fmla="*/ 0 w 4266032"/>
+                <a:gd name="connsiteY2" fmla="*/ 3512407 h 3877295"/>
+                <a:gd name="connsiteX3" fmla="*/ 0 w 4266032"/>
+                <a:gd name="connsiteY3" fmla="*/ 8380 h 3877295"/>
+                <a:gd name="connsiteX0" fmla="*/ 0 w 4266032"/>
+                <a:gd name="connsiteY0" fmla="*/ 8380 h 3877295"/>
+                <a:gd name="connsiteX1" fmla="*/ 4118672 w 4266032"/>
+                <a:gd name="connsiteY1" fmla="*/ 3877295 h 3877295"/>
+                <a:gd name="connsiteX0" fmla="*/ 0 w 4260509"/>
+                <a:gd name="connsiteY0" fmla="*/ 8380 h 3910053"/>
+                <a:gd name="connsiteX1" fmla="*/ 3758508 w 4260509"/>
+                <a:gd name="connsiteY1" fmla="*/ 3512407 h 3910053"/>
+                <a:gd name="connsiteX2" fmla="*/ 0 w 4260509"/>
+                <a:gd name="connsiteY2" fmla="*/ 3512407 h 3910053"/>
+                <a:gd name="connsiteX3" fmla="*/ 0 w 4260509"/>
+                <a:gd name="connsiteY3" fmla="*/ 8380 h 3910053"/>
+                <a:gd name="connsiteX0" fmla="*/ 0 w 4260509"/>
+                <a:gd name="connsiteY0" fmla="*/ 8380 h 3910053"/>
+                <a:gd name="connsiteX1" fmla="*/ 4112915 w 4260509"/>
+                <a:gd name="connsiteY1" fmla="*/ 3910053 h 3910053"/>
+                <a:gd name="connsiteX0" fmla="*/ 0 w 4146097"/>
+                <a:gd name="connsiteY0" fmla="*/ 8380 h 3910053"/>
+                <a:gd name="connsiteX1" fmla="*/ 3758508 w 4146097"/>
+                <a:gd name="connsiteY1" fmla="*/ 3512407 h 3910053"/>
+                <a:gd name="connsiteX2" fmla="*/ 0 w 4146097"/>
+                <a:gd name="connsiteY2" fmla="*/ 3512407 h 3910053"/>
+                <a:gd name="connsiteX3" fmla="*/ 0 w 4146097"/>
+                <a:gd name="connsiteY3" fmla="*/ 8380 h 3910053"/>
+                <a:gd name="connsiteX0" fmla="*/ 0 w 4146097"/>
+                <a:gd name="connsiteY0" fmla="*/ 8380 h 3910053"/>
+                <a:gd name="connsiteX1" fmla="*/ 4112915 w 4146097"/>
+                <a:gd name="connsiteY1" fmla="*/ 3910053 h 3910053"/>
+                <a:gd name="connsiteX0" fmla="*/ 0 w 4146096"/>
+                <a:gd name="connsiteY0" fmla="*/ 0 h 3901673"/>
+                <a:gd name="connsiteX1" fmla="*/ 3758508 w 4146096"/>
+                <a:gd name="connsiteY1" fmla="*/ 3504027 h 3901673"/>
+                <a:gd name="connsiteX2" fmla="*/ 0 w 4146096"/>
+                <a:gd name="connsiteY2" fmla="*/ 3504027 h 3901673"/>
+                <a:gd name="connsiteX3" fmla="*/ 0 w 4146096"/>
+                <a:gd name="connsiteY3" fmla="*/ 0 h 3901673"/>
+                <a:gd name="connsiteX0" fmla="*/ 0 w 4146096"/>
+                <a:gd name="connsiteY0" fmla="*/ 0 h 3901673"/>
+                <a:gd name="connsiteX1" fmla="*/ 4112915 w 4146096"/>
+                <a:gd name="connsiteY1" fmla="*/ 3901673 h 3901673"/>
+                <a:gd name="connsiteX0" fmla="*/ 0 w 4181527"/>
+                <a:gd name="connsiteY0" fmla="*/ 0 h 3901673"/>
+                <a:gd name="connsiteX1" fmla="*/ 3758508 w 4181527"/>
+                <a:gd name="connsiteY1" fmla="*/ 3504027 h 3901673"/>
+                <a:gd name="connsiteX2" fmla="*/ 0 w 4181527"/>
+                <a:gd name="connsiteY2" fmla="*/ 3504027 h 3901673"/>
+                <a:gd name="connsiteX3" fmla="*/ 0 w 4181527"/>
+                <a:gd name="connsiteY3" fmla="*/ 0 h 3901673"/>
+                <a:gd name="connsiteX0" fmla="*/ 0 w 4181527"/>
+                <a:gd name="connsiteY0" fmla="*/ 0 h 3901673"/>
+                <a:gd name="connsiteX1" fmla="*/ 4112915 w 4181527"/>
+                <a:gd name="connsiteY1" fmla="*/ 3901673 h 3901673"/>
+              </a:gdLst>
+              <a:ahLst/>
+              <a:cxnLst>
+                <a:cxn ang="0">
+                  <a:pos x="connsiteX0" y="connsiteY0"/>
+                </a:cxn>
+                <a:cxn ang="0">
+                  <a:pos x="connsiteX1" y="connsiteY1"/>
+                </a:cxn>
+              </a:cxnLst>
+              <a:rect l="l" t="t" r="r" b="b"/>
+              <a:pathLst>
+                <a:path w="4181527" h="3901673" stroke="0" extrusionOk="0">
+                  <a:moveTo>
+                    <a:pt x="0" y="0"/>
+                  </a:moveTo>
+                  <a:cubicBezTo>
+                    <a:pt x="3188981" y="609970"/>
+                    <a:pt x="3758508" y="1568806"/>
+                    <a:pt x="3758508" y="3504027"/>
+                  </a:cubicBezTo>
+                  <a:lnTo>
+                    <a:pt x="0" y="3504027"/>
+                  </a:lnTo>
+                  <a:lnTo>
+                    <a:pt x="0" y="0"/>
+                  </a:lnTo>
+                  <a:close/>
+                </a:path>
+                <a:path w="4181527" h="3901673" fill="none">
+                  <a:moveTo>
+                    <a:pt x="0" y="0"/>
+                  </a:moveTo>
+                  <a:cubicBezTo>
+                    <a:pt x="2075767" y="0"/>
+                    <a:pt x="4634657" y="2250061"/>
+                    <a:pt x="4112915" y="3901673"/>
+                  </a:cubicBezTo>
+                </a:path>
+              </a:pathLst>
+            </a:custGeom>
+            <a:ln w="31750">
+              <a:solidFill>
+                <a:srgbClr val="FF0000"/>
+              </a:solidFill>
+              <a:prstDash val="sysDot"/>
+            </a:ln>
+          </p:spPr>
+          <p:style>
+            <a:lnRef idx="1">
+              <a:schemeClr val="accent1"/>
+            </a:lnRef>
+            <a:fillRef idx="0">
+              <a:schemeClr val="accent1"/>
+            </a:fillRef>
+            <a:effectRef idx="0">
+              <a:schemeClr val="accent1"/>
+            </a:effectRef>
+            <a:fontRef idx="minor">
+              <a:schemeClr val="tx1"/>
+            </a:fontRef>
+          </p:style>
+          <p:txBody>
+            <a:bodyPr rtlCol="0" anchor="ctr"/>
+            <a:lstStyle/>
+            <a:p>
+              <a:pPr algn="ctr"/>
+              <a:endParaRPr lang="en-US"/>
+            </a:p>
+          </p:txBody>
+        </p:sp>
+        <p:sp>
+          <p:nvSpPr>
+            <p:cNvPr id="10" name="5-Point Star 9"/>
+            <p:cNvSpPr/>
+            <p:nvPr/>
+          </p:nvSpPr>
+          <p:spPr>
+            <a:xfrm>
+              <a:off x="7024472" y="2357121"/>
+              <a:ext cx="300041" cy="300041"/>
+            </a:xfrm>
+            <a:prstGeom prst="star5">
+              <a:avLst/>
+            </a:prstGeom>
+            <a:solidFill>
+              <a:srgbClr val="FFFF00"/>
+            </a:solidFill>
+            <a:ln>
+              <a:solidFill>
+                <a:schemeClr val="tx1"/>
+              </a:solidFill>
+            </a:ln>
+          </p:spPr>
+          <p:style>
+            <a:lnRef idx="2">
+              <a:schemeClr val="accent1">
+                <a:shade val="50000"/>
+              </a:schemeClr>
+            </a:lnRef>
+            <a:fillRef idx="1">
+              <a:schemeClr val="accent1"/>
+            </a:fillRef>
+            <a:effectRef idx="0">
+              <a:schemeClr val="accent1"/>
+            </a:effectRef>
+            <a:fontRef idx="minor">
+              <a:schemeClr val="lt1"/>
+            </a:fontRef>
+          </p:style>
+          <p:txBody>
+            <a:bodyPr rtlCol="0" anchor="ctr"/>
+            <a:lstStyle/>
+            <a:p>
+              <a:pPr algn="ctr"/>
+              <a:endParaRPr lang="en-US"/>
+            </a:p>
+          </p:txBody>
+        </p:sp>
+        <p:grpSp>
+          <p:nvGrpSpPr>
+            <p:cNvPr id="60" name="Group 59"/>
+            <p:cNvGrpSpPr/>
+            <p:nvPr/>
+          </p:nvGrpSpPr>
+          <p:grpSpPr>
+            <a:xfrm>
+              <a:off x="1174557" y="2718433"/>
+              <a:ext cx="3779580" cy="1076352"/>
+              <a:chOff x="1684147" y="5385950"/>
+              <a:chExt cx="3459730" cy="1002018"/>
+            </a:xfrm>
+          </p:grpSpPr>
+          <p:sp>
+            <p:nvSpPr>
+              <p:cNvPr id="48" name="Rectangle 47"/>
+              <p:cNvSpPr/>
+              <p:nvPr/>
+            </p:nvSpPr>
+            <p:spPr>
+              <a:xfrm>
+                <a:off x="1684147" y="5385950"/>
+                <a:ext cx="3210109" cy="995377"/>
+              </a:xfrm>
+              <a:prstGeom prst="rect">
+                <a:avLst/>
+              </a:prstGeom>
+              <a:gradFill flip="none" rotWithShape="1">
+                <a:gsLst>
+                  <a:gs pos="0">
+                    <a:schemeClr val="accent3">
+                      <a:lumMod val="5000"/>
+                      <a:lumOff val="95000"/>
+                    </a:schemeClr>
+                  </a:gs>
+                  <a:gs pos="74000">
+                    <a:schemeClr val="accent3">
+                      <a:lumMod val="45000"/>
+                      <a:lumOff val="55000"/>
+                    </a:schemeClr>
+                  </a:gs>
+                  <a:gs pos="83000">
+                    <a:schemeClr val="accent3">
+                      <a:lumMod val="45000"/>
+                      <a:lumOff val="55000"/>
+                    </a:schemeClr>
+                  </a:gs>
+                  <a:gs pos="100000">
+                    <a:schemeClr val="accent3">
+                      <a:lumMod val="30000"/>
+                      <a:lumOff val="70000"/>
+                    </a:schemeClr>
+                  </a:gs>
+                </a:gsLst>
+                <a:lin ang="5400000" scaled="1"/>
+                <a:tileRect/>
+              </a:gradFill>
+              <a:ln>
+                <a:solidFill>
+                  <a:schemeClr val="tx1"/>
+                </a:solidFill>
+              </a:ln>
+            </p:spPr>
+            <p:style>
+              <a:lnRef idx="2">
+                <a:schemeClr val="accent1">
+                  <a:shade val="50000"/>
+                </a:schemeClr>
+              </a:lnRef>
+              <a:fillRef idx="1">
+                <a:schemeClr val="accent1"/>
+              </a:fillRef>
+              <a:effectRef idx="0">
+                <a:schemeClr val="accent1"/>
+              </a:effectRef>
+              <a:fontRef idx="minor">
+                <a:schemeClr val="lt1"/>
+              </a:fontRef>
+            </p:style>
+            <p:txBody>
+              <a:bodyPr rtlCol="0" anchor="ctr"/>
+              <a:lstStyle/>
+              <a:p>
+                <a:pPr algn="ctr"/>
+                <a:endParaRPr lang="en-US"/>
+              </a:p>
+            </p:txBody>
+          </p:sp>
+          <p:sp>
+            <p:nvSpPr>
+              <p:cNvPr id="12" name="TextBox 11"/>
+              <p:cNvSpPr txBox="1"/>
+              <p:nvPr/>
+            </p:nvSpPr>
+            <p:spPr>
+              <a:xfrm>
+                <a:off x="2446526" y="6011995"/>
+                <a:ext cx="2097434" cy="375973"/>
+              </a:xfrm>
+              <a:prstGeom prst="rect">
+                <a:avLst/>
+              </a:prstGeom>
+              <a:noFill/>
+            </p:spPr>
+            <p:txBody>
+              <a:bodyPr wrap="none" rtlCol="0">
+                <a:spAutoFit/>
+              </a:bodyPr>
+              <a:lstStyle/>
+              <a:p>
+                <a:r>
+                  <a:rPr lang="en-US" sz="2000" dirty="0" smtClean="0"/>
+                  <a:t>Optimal trajectory</a:t>
+                </a:r>
+                <a:endParaRPr lang="en-US" sz="2000" dirty="0"/>
+              </a:p>
+            </p:txBody>
+          </p:sp>
+          <p:sp>
+            <p:nvSpPr>
+              <p:cNvPr id="45" name="TextBox 44"/>
+              <p:cNvSpPr txBox="1"/>
+              <p:nvPr/>
+            </p:nvSpPr>
+            <p:spPr>
+              <a:xfrm>
+                <a:off x="2446526" y="5693820"/>
+                <a:ext cx="2263825" cy="375973"/>
+              </a:xfrm>
+              <a:prstGeom prst="rect">
+                <a:avLst/>
+              </a:prstGeom>
+              <a:noFill/>
+            </p:spPr>
+            <p:txBody>
+              <a:bodyPr wrap="none" rtlCol="0">
+                <a:spAutoFit/>
+              </a:bodyPr>
+              <a:lstStyle/>
+              <a:p>
+                <a:r>
+                  <a:rPr lang="en-US" sz="2000" dirty="0" smtClean="0"/>
+                  <a:t>Infeasible trajectory</a:t>
+                </a:r>
+                <a:endParaRPr lang="en-US" sz="2000" dirty="0"/>
+              </a:p>
+            </p:txBody>
+          </p:sp>
+          <p:cxnSp>
+            <p:nvCxnSpPr>
+              <p:cNvPr id="50" name="Straight Connector 49"/>
+              <p:cNvCxnSpPr/>
+              <p:nvPr/>
+            </p:nvCxnSpPr>
+            <p:spPr>
+              <a:xfrm>
+                <a:off x="1804136" y="5888137"/>
+                <a:ext cx="541091" cy="0"/>
+              </a:xfrm>
+              <a:prstGeom prst="line">
+                <a:avLst/>
+              </a:prstGeom>
+              <a:ln w="38100">
+                <a:solidFill>
+                  <a:srgbClr val="FF0000"/>
+                </a:solidFill>
+                <a:prstDash val="sysDot"/>
+              </a:ln>
+            </p:spPr>
+            <p:style>
+              <a:lnRef idx="1">
+                <a:schemeClr val="accent1"/>
+              </a:lnRef>
+              <a:fillRef idx="0">
+                <a:schemeClr val="accent1"/>
+              </a:fillRef>
+              <a:effectRef idx="0">
+                <a:schemeClr val="accent1"/>
+              </a:effectRef>
+              <a:fontRef idx="minor">
+                <a:schemeClr val="tx1"/>
+              </a:fontRef>
+            </p:style>
+          </p:cxnSp>
+          <p:cxnSp>
+            <p:nvCxnSpPr>
+              <p:cNvPr id="53" name="Straight Connector 52"/>
+              <p:cNvCxnSpPr/>
+              <p:nvPr/>
+            </p:nvCxnSpPr>
+            <p:spPr>
+              <a:xfrm>
+                <a:off x="1804136" y="6199708"/>
+                <a:ext cx="527443" cy="0"/>
+              </a:xfrm>
+              <a:prstGeom prst="line">
+                <a:avLst/>
+              </a:prstGeom>
+              <a:ln w="34925">
+                <a:solidFill>
+                  <a:schemeClr val="tx1"/>
+                </a:solidFill>
+              </a:ln>
+            </p:spPr>
+            <p:style>
+              <a:lnRef idx="1">
+                <a:schemeClr val="accent1"/>
+              </a:lnRef>
+              <a:fillRef idx="0">
+                <a:schemeClr val="accent1"/>
+              </a:fillRef>
+              <a:effectRef idx="0">
+                <a:schemeClr val="accent1"/>
+              </a:effectRef>
+              <a:fontRef idx="minor">
+                <a:schemeClr val="tx1"/>
+              </a:fontRef>
+            </p:style>
+          </p:cxnSp>
+          <p:cxnSp>
+            <p:nvCxnSpPr>
+              <p:cNvPr id="56" name="Straight Connector 55"/>
+              <p:cNvCxnSpPr/>
+              <p:nvPr/>
+            </p:nvCxnSpPr>
+            <p:spPr>
+              <a:xfrm>
+                <a:off x="1810589" y="5575832"/>
+                <a:ext cx="532896" cy="8336"/>
+              </a:xfrm>
+              <a:prstGeom prst="line">
+                <a:avLst/>
+              </a:prstGeom>
+              <a:ln w="34925">
+                <a:solidFill>
+                  <a:schemeClr val="tx1"/>
+                </a:solidFill>
+                <a:prstDash val="dashDot"/>
+              </a:ln>
+            </p:spPr>
+            <p:style>
+              <a:lnRef idx="1">
+                <a:schemeClr val="accent1"/>
+              </a:lnRef>
+              <a:fillRef idx="0">
+                <a:schemeClr val="accent1"/>
+              </a:fillRef>
+              <a:effectRef idx="0">
+                <a:schemeClr val="accent1"/>
+              </a:effectRef>
+              <a:fontRef idx="minor">
+                <a:schemeClr val="tx1"/>
+              </a:fontRef>
+            </p:style>
+          </p:cxnSp>
+          <p:sp>
+            <p:nvSpPr>
+              <p:cNvPr id="57" name="TextBox 56"/>
+              <p:cNvSpPr txBox="1"/>
+              <p:nvPr/>
+            </p:nvSpPr>
+            <p:spPr>
+              <a:xfrm>
+                <a:off x="2450254" y="5385950"/>
+                <a:ext cx="2693623" cy="375973"/>
+              </a:xfrm>
+              <a:prstGeom prst="rect">
+                <a:avLst/>
+              </a:prstGeom>
+              <a:noFill/>
+            </p:spPr>
+            <p:txBody>
+              <a:bodyPr wrap="none" rtlCol="0">
+                <a:spAutoFit/>
+              </a:bodyPr>
+              <a:lstStyle/>
+              <a:p>
+                <a:r>
+                  <a:rPr lang="en-US" sz="2000" dirty="0" smtClean="0"/>
+                  <a:t>Reachable set boundary</a:t>
+                </a:r>
+                <a:endParaRPr lang="en-US" sz="2000" dirty="0"/>
+              </a:p>
+            </p:txBody>
+          </p:sp>
+        </p:grpSp>
+        <p:cxnSp>
+          <p:nvCxnSpPr>
+            <p:cNvPr id="7" name="Straight Arrow Connector 6"/>
+            <p:cNvCxnSpPr/>
+            <p:nvPr/>
+          </p:nvCxnSpPr>
+          <p:spPr>
+            <a:xfrm flipH="1" flipV="1">
+              <a:off x="7324513" y="2541310"/>
+              <a:ext cx="493236" cy="4223"/>
+            </a:xfrm>
+            <a:prstGeom prst="straightConnector1">
+              <a:avLst/>
+            </a:prstGeom>
+            <a:ln w="22225">
+              <a:solidFill>
+                <a:schemeClr val="tx1"/>
+              </a:solidFill>
+              <a:tailEnd type="triangle"/>
+            </a:ln>
+          </p:spPr>
+          <p:style>
+            <a:lnRef idx="1">
+              <a:schemeClr val="accent1"/>
+            </a:lnRef>
+            <a:fillRef idx="0">
+              <a:schemeClr val="accent1"/>
+            </a:fillRef>
+            <a:effectRef idx="0">
+              <a:schemeClr val="accent1"/>
+            </a:effectRef>
+            <a:fontRef idx="minor">
+              <a:schemeClr val="tx1"/>
+            </a:fontRef>
+          </p:style>
+        </p:cxnSp>
+      </p:grpSp>
+      <p:sp>
+        <p:nvSpPr>
+          <p:cNvPr id="35" name="TextBox 34"/>
+          <p:cNvSpPr txBox="1"/>
+          <p:nvPr/>
+        </p:nvSpPr>
+        <p:spPr>
+          <a:xfrm>
+            <a:off x="6930600" y="691978"/>
+            <a:ext cx="1926171" cy="707886"/>
+          </a:xfrm>
+          <a:prstGeom prst="rect">
+            <a:avLst/>
+          </a:prstGeom>
+          <a:noFill/>
+        </p:spPr>
+        <p:txBody>
+          <a:bodyPr wrap="square" rtlCol="0">
+            <a:spAutoFit/>
+          </a:bodyPr>
+          <a:lstStyle/>
+          <a:p>
+            <a:r>
+              <a:rPr lang="en-US" sz="2000" dirty="0" smtClean="0"/>
+              <a:t>Feasible Ignition Subset</a:t>
+            </a:r>
+            <a:endParaRPr lang="en-US" sz="2000" dirty="0"/>
+          </a:p>
+        </p:txBody>
+      </p:sp>
+      <p:cxnSp>
+        <p:nvCxnSpPr>
+          <p:cNvPr id="55" name="Straight Arrow Connector 54"/>
+          <p:cNvCxnSpPr/>
+          <p:nvPr/>
+        </p:nvCxnSpPr>
+        <p:spPr>
+          <a:xfrm>
+            <a:off x="7881296" y="1164987"/>
+            <a:ext cx="177543" cy="258998"/>
+          </a:xfrm>
+          <a:prstGeom prst="straightConnector1">
+            <a:avLst/>
+          </a:prstGeom>
+          <a:ln w="12700">
+            <a:solidFill>
+              <a:schemeClr val="tx1"/>
+            </a:solidFill>
+            <a:tailEnd type="triangle"/>
+          </a:ln>
+        </p:spPr>
+        <p:style>
+          <a:lnRef idx="1">
+            <a:schemeClr val="accent1"/>
+          </a:lnRef>
+          <a:fillRef idx="0">
+            <a:schemeClr val="accent1"/>
+          </a:fillRef>
+          <a:effectRef idx="0">
+            <a:schemeClr val="accent1"/>
+          </a:effectRef>
+          <a:fontRef idx="minor">
+            <a:schemeClr val="tx1"/>
+          </a:fontRef>
+        </p:style>
+      </p:cxnSp>
     </p:spTree>
     <p:extLst>
       <p:ext uri="{BB962C8B-B14F-4D97-AF65-F5344CB8AC3E}">
-        <p14:creationId xmlns:p14="http://schemas.microsoft.com/office/powerpoint/2010/main" val="635343981"/>
+        <p14:creationId xmlns:p14="http://schemas.microsoft.com/office/powerpoint/2010/main" val="1462372447"/>
       </p:ext>
     </p:extLst>
   </p:cSld>
@@ -7151,14 +8166,14 @@
           <p:nvPr>
             <p:extLst>
               <p:ext uri="{D42A27DB-BD31-4B8C-83A1-F6EECF244321}">
-                <p14:modId xmlns:p14="http://schemas.microsoft.com/office/powerpoint/2010/main" val="1372218026"/>
+                <p14:modId xmlns:p14="http://schemas.microsoft.com/office/powerpoint/2010/main" val="1289893512"/>
               </p:ext>
             </p:extLst>
           </p:nvPr>
         </p:nvGraphicFramePr>
         <p:xfrm>
-          <a:off x="264960" y="322223"/>
-          <a:ext cx="8906338" cy="4206240"/>
+          <a:off x="1152063" y="1072850"/>
+          <a:ext cx="8346780" cy="3662680"/>
         </p:xfrm>
         <a:graphic>
           <a:graphicData uri="http://schemas.openxmlformats.org/drawingml/2006/table">
@@ -7167,13 +8182,10 @@
                 <a:tableStyleId>{D7AC3CCA-C797-4891-BE02-D94E43425B78}</a:tableStyleId>
               </a:tblPr>
               <a:tblGrid>
-                <a:gridCol w="1272334"/>
-                <a:gridCol w="1272334"/>
-                <a:gridCol w="1272334"/>
-                <a:gridCol w="1272334"/>
-                <a:gridCol w="1272334"/>
-                <a:gridCol w="1272334"/>
-                <a:gridCol w="1272334"/>
+                <a:gridCol w="1865113"/>
+                <a:gridCol w="1430533"/>
+                <a:gridCol w="2412878"/>
+                <a:gridCol w="2638256"/>
               </a:tblGrid>
               <a:tr h="370840">
                 <a:tc>
@@ -7199,7 +8211,11 @@
                       <a:pPr algn="ctr"/>
                       <a:r>
                         <a:rPr lang="en-US" sz="1800" dirty="0" smtClean="0"/>
-                        <a:t>PMF (%)</a:t>
+                        <a:t>PMF</a:t>
+                      </a:r>
+                      <a:r>
+                        <a:rPr lang="en-US" sz="1800" baseline="0" dirty="0" smtClean="0"/>
+                        <a:t> (%)</a:t>
                       </a:r>
                       <a:endParaRPr lang="en-US" sz="1800" dirty="0"/>
                     </a:p>
@@ -7214,18 +8230,11 @@
                       <a:pPr algn="ctr"/>
                       <a:r>
                         <a:rPr lang="en-US" sz="1800" dirty="0" smtClean="0"/>
-                        <a:t>Downrange</a:t>
+                        <a:t>PMF-Nominal</a:t>
                       </a:r>
                       <a:r>
                         <a:rPr lang="en-US" sz="1800" baseline="0" dirty="0" smtClean="0"/>
-                        <a:t> to Target</a:t>
-                      </a:r>
-                    </a:p>
-                    <a:p>
-                      <a:pPr algn="ctr"/>
-                      <a:r>
-                        <a:rPr lang="en-US" sz="1800" baseline="0" dirty="0" smtClean="0"/>
-                        <a:t>(m)</a:t>
+                        <a:t> (%)</a:t>
                       </a:r>
                       <a:endParaRPr lang="en-US" sz="1800" dirty="0"/>
                     </a:p>
@@ -7240,63 +8249,7 @@
                       <a:pPr algn="ctr"/>
                       <a:r>
                         <a:rPr lang="en-US" sz="1800" dirty="0" smtClean="0"/>
-                        <a:t>Crossrange to Target (m)</a:t>
-                      </a:r>
-                      <a:endParaRPr lang="en-US" sz="1800" dirty="0"/>
-                    </a:p>
-                  </a:txBody>
-                  <a:tcPr anchor="ctr"/>
-                </a:tc>
-                <a:tc>
-                  <a:txBody>
-                    <a:bodyPr/>
-                    <a:lstStyle/>
-                    <a:p>
-                      <a:pPr algn="ctr"/>
-                      <a:r>
-                        <a:rPr lang="en-US" sz="1800" dirty="0" smtClean="0"/>
-                        <a:t>Altitude (m)</a:t>
-                      </a:r>
-                      <a:endParaRPr lang="en-US" sz="1800" dirty="0"/>
-                    </a:p>
-                  </a:txBody>
-                  <a:tcPr anchor="ctr"/>
-                </a:tc>
-                <a:tc>
-                  <a:txBody>
-                    <a:bodyPr/>
-                    <a:lstStyle/>
-                    <a:p>
-                      <a:pPr algn="ctr"/>
-                      <a:r>
-                        <a:rPr lang="en-US" sz="1800" dirty="0" smtClean="0"/>
-                        <a:t>Horizontal</a:t>
-                      </a:r>
-                      <a:r>
-                        <a:rPr lang="en-US" sz="1800" baseline="0" dirty="0" smtClean="0"/>
-                        <a:t> Velocity (m/s)</a:t>
-                      </a:r>
-                      <a:endParaRPr lang="en-US" sz="1800" dirty="0"/>
-                    </a:p>
-                  </a:txBody>
-                  <a:tcPr anchor="ctr"/>
-                </a:tc>
-                <a:tc>
-                  <a:txBody>
-                    <a:bodyPr/>
-                    <a:lstStyle/>
-                    <a:p>
-                      <a:pPr algn="ctr"/>
-                      <a:r>
-                        <a:rPr lang="en-US" sz="1800" dirty="0" smtClean="0"/>
-                        <a:t>Vertical Velocity</a:t>
-                      </a:r>
-                    </a:p>
-                    <a:p>
-                      <a:pPr algn="ctr"/>
-                      <a:r>
-                        <a:rPr lang="en-US" sz="1800" dirty="0" smtClean="0"/>
-                        <a:t>(m/s)</a:t>
+                        <a:t>Ignition Velocity (m/s)</a:t>
                       </a:r>
                       <a:endParaRPr lang="en-US" sz="1800" dirty="0"/>
                     </a:p>
@@ -7342,7 +8295,7 @@
                       <a:pPr algn="ctr" fontAlgn="b"/>
                       <a:r>
                         <a:rPr lang="en-US" dirty="0"/>
-                        <a:t>10390.75</a:t>
+                        <a:t>0.00</a:t>
                       </a:r>
                     </a:p>
                   </a:txBody>
@@ -7356,49 +8309,7 @@
                       <a:pPr algn="ctr" fontAlgn="b"/>
                       <a:r>
                         <a:rPr lang="en-US"/>
-                        <a:t>473.1</a:t>
-                      </a:r>
-                    </a:p>
-                  </a:txBody>
-                  <a:tcPr marL="9525" marR="9525" marT="9525" marB="0" anchor="ctr"/>
-                </a:tc>
-                <a:tc>
-                  <a:txBody>
-                    <a:bodyPr/>
-                    <a:lstStyle/>
-                    <a:p>
-                      <a:pPr algn="ctr" fontAlgn="b"/>
-                      <a:r>
-                        <a:rPr lang="en-US"/>
-                        <a:t>3111.9</a:t>
-                      </a:r>
-                    </a:p>
-                  </a:txBody>
-                  <a:tcPr marL="9525" marR="9525" marT="9525" marB="0" anchor="ctr"/>
-                </a:tc>
-                <a:tc>
-                  <a:txBody>
-                    <a:bodyPr/>
-                    <a:lstStyle/>
-                    <a:p>
-                      <a:pPr algn="ctr" fontAlgn="b"/>
-                      <a:r>
-                        <a:rPr lang="en-US"/>
-                        <a:t>-501.3</a:t>
-                      </a:r>
-                    </a:p>
-                  </a:txBody>
-                  <a:tcPr marL="9525" marR="9525" marT="9525" marB="0" anchor="ctr"/>
-                </a:tc>
-                <a:tc>
-                  <a:txBody>
-                    <a:bodyPr/>
-                    <a:lstStyle/>
-                    <a:p>
-                      <a:pPr algn="ctr" fontAlgn="b"/>
-                      <a:r>
-                        <a:rPr lang="en-US"/>
-                        <a:t>-135.0</a:t>
+                        <a:t>525.7</a:t>
                       </a:r>
                     </a:p>
                   </a:txBody>
@@ -7413,18 +8324,26 @@
                     <a:p>
                       <a:pPr algn="ctr"/>
                       <a:r>
-                        <a:rPr lang="en-US" sz="1800" dirty="0" smtClean="0"/>
-                        <a:t> -10</a:t>
-                      </a:r>
-                      <a:r>
-                        <a:rPr lang="en-US" sz="1800" dirty="0" smtClean="0"/>
-                        <a:t>% C</a:t>
-                      </a:r>
-                      <a:r>
-                        <a:rPr lang="en-US" sz="1800" baseline="-25000" dirty="0" smtClean="0"/>
+                        <a:rPr lang="en-US" sz="1800" dirty="0" smtClean="0">
+                          <a:solidFill>
+                            <a:srgbClr val="FF0000"/>
+                          </a:solidFill>
+                        </a:rPr>
+                        <a:t> -10% C</a:t>
+                      </a:r>
+                      <a:r>
+                        <a:rPr lang="en-US" sz="1800" baseline="-25000" dirty="0" smtClean="0">
+                          <a:solidFill>
+                            <a:srgbClr val="FF0000"/>
+                          </a:solidFill>
+                        </a:rPr>
                         <a:t>D</a:t>
                       </a:r>
-                      <a:endParaRPr lang="en-US" sz="1800" baseline="-25000" dirty="0"/>
+                      <a:endParaRPr lang="en-US" sz="1800" baseline="-25000" dirty="0">
+                        <a:solidFill>
+                          <a:srgbClr val="FF0000"/>
+                        </a:solidFill>
+                      </a:endParaRPr>
                     </a:p>
                   </a:txBody>
                   <a:tcPr anchor="ctr"/>
@@ -7436,7 +8355,11 @@
                     <a:p>
                       <a:pPr algn="ctr" fontAlgn="b"/>
                       <a:r>
-                        <a:rPr lang="en-US" dirty="0"/>
+                        <a:rPr lang="en-US" dirty="0">
+                          <a:solidFill>
+                            <a:srgbClr val="FF0000"/>
+                          </a:solidFill>
+                        </a:rPr>
                         <a:t>19.98</a:t>
                       </a:r>
                     </a:p>
@@ -7450,8 +8373,12 @@
                     <a:p>
                       <a:pPr algn="ctr" fontAlgn="b"/>
                       <a:r>
-                        <a:rPr lang="en-US"/>
-                        <a:t>14328.9</a:t>
+                        <a:rPr lang="en-US" dirty="0">
+                          <a:solidFill>
+                            <a:srgbClr val="FF0000"/>
+                          </a:solidFill>
+                        </a:rPr>
+                        <a:t>1.92</a:t>
                       </a:r>
                     </a:p>
                   </a:txBody>
@@ -7464,50 +8391,12 @@
                     <a:p>
                       <a:pPr algn="ctr" fontAlgn="b"/>
                       <a:r>
-                        <a:rPr lang="en-US"/>
-                        <a:t>450.2</a:t>
-                      </a:r>
-                    </a:p>
-                  </a:txBody>
-                  <a:tcPr marL="9525" marR="9525" marT="9525" marB="0" anchor="ctr"/>
-                </a:tc>
-                <a:tc>
-                  <a:txBody>
-                    <a:bodyPr/>
-                    <a:lstStyle/>
-                    <a:p>
-                      <a:pPr algn="ctr" fontAlgn="b"/>
-                      <a:r>
-                        <a:rPr lang="en-US"/>
-                        <a:t>3588.4</a:t>
-                      </a:r>
-                    </a:p>
-                  </a:txBody>
-                  <a:tcPr marL="9525" marR="9525" marT="9525" marB="0" anchor="ctr"/>
-                </a:tc>
-                <a:tc>
-                  <a:txBody>
-                    <a:bodyPr/>
-                    <a:lstStyle/>
-                    <a:p>
-                      <a:pPr algn="ctr" fontAlgn="b"/>
-                      <a:r>
-                        <a:rPr lang="en-US"/>
-                        <a:t>-532.5</a:t>
-                      </a:r>
-                    </a:p>
-                  </a:txBody>
-                  <a:tcPr marL="9525" marR="9525" marT="9525" marB="0" anchor="ctr"/>
-                </a:tc>
-                <a:tc>
-                  <a:txBody>
-                    <a:bodyPr/>
-                    <a:lstStyle/>
-                    <a:p>
-                      <a:pPr algn="ctr" fontAlgn="b"/>
-                      <a:r>
-                        <a:rPr lang="en-US"/>
-                        <a:t>-136.4</a:t>
+                        <a:rPr lang="en-US" dirty="0">
+                          <a:solidFill>
+                            <a:srgbClr val="FF0000"/>
+                          </a:solidFill>
+                        </a:rPr>
+                        <a:t>550.6</a:t>
                       </a:r>
                     </a:p>
                   </a:txBody>
@@ -7539,11 +8428,7 @@
                       </a:pPr>
                       <a:r>
                         <a:rPr lang="en-US" sz="1800" dirty="0" smtClean="0"/>
-                        <a:t>+10</a:t>
-                      </a:r>
-                      <a:r>
-                        <a:rPr lang="en-US" sz="1800" dirty="0" smtClean="0"/>
-                        <a:t>% C</a:t>
+                        <a:t>+10% C</a:t>
                       </a:r>
                       <a:r>
                         <a:rPr lang="en-US" sz="1800" baseline="-25000" dirty="0" smtClean="0"/>
@@ -7574,8 +8459,8 @@
                     <a:p>
                       <a:pPr algn="ctr" fontAlgn="b"/>
                       <a:r>
-                        <a:rPr lang="en-US"/>
-                        <a:t>10391.2</a:t>
+                        <a:rPr lang="en-US" dirty="0"/>
+                        <a:t>-0.81</a:t>
                       </a:r>
                     </a:p>
                   </a:txBody>
@@ -7589,49 +8474,7 @@
                       <a:pPr algn="ctr" fontAlgn="b"/>
                       <a:r>
                         <a:rPr lang="en-US"/>
-                        <a:t>492.1</a:t>
-                      </a:r>
-                    </a:p>
-                  </a:txBody>
-                  <a:tcPr marL="9525" marR="9525" marT="9525" marB="0" anchor="ctr"/>
-                </a:tc>
-                <a:tc>
-                  <a:txBody>
-                    <a:bodyPr/>
-                    <a:lstStyle/>
-                    <a:p>
-                      <a:pPr algn="ctr" fontAlgn="b"/>
-                      <a:r>
-                        <a:rPr lang="en-US"/>
-                        <a:t>3091.6</a:t>
-                      </a:r>
-                    </a:p>
-                  </a:txBody>
-                  <a:tcPr marL="9525" marR="9525" marT="9525" marB="0" anchor="ctr"/>
-                </a:tc>
-                <a:tc>
-                  <a:txBody>
-                    <a:bodyPr/>
-                    <a:lstStyle/>
-                    <a:p>
-                      <a:pPr algn="ctr" fontAlgn="b"/>
-                      <a:r>
-                        <a:rPr lang="en-US"/>
-                        <a:t>-464.1</a:t>
-                      </a:r>
-                    </a:p>
-                  </a:txBody>
-                  <a:tcPr marL="9525" marR="9525" marT="9525" marB="0" anchor="ctr"/>
-                </a:tc>
-                <a:tc>
-                  <a:txBody>
-                    <a:bodyPr/>
-                    <a:lstStyle/>
-                    <a:p>
-                      <a:pPr algn="ctr" fontAlgn="b"/>
-                      <a:r>
-                        <a:rPr lang="en-US"/>
-                        <a:t>-157.5</a:t>
+                        <a:t>494.6</a:t>
                       </a:r>
                     </a:p>
                   </a:txBody>
@@ -7663,11 +8506,7 @@
                       </a:pPr>
                       <a:r>
                         <a:rPr lang="en-US" sz="1800" dirty="0" smtClean="0"/>
-                        <a:t> -10</a:t>
-                      </a:r>
-                      <a:r>
-                        <a:rPr lang="en-US" sz="1800" dirty="0" smtClean="0"/>
-                        <a:t>% C</a:t>
+                        <a:t> -10% C</a:t>
                       </a:r>
                       <a:r>
                         <a:rPr lang="en-US" sz="1800" baseline="-25000" dirty="0" smtClean="0"/>
@@ -7698,8 +8537,8 @@
                     <a:p>
                       <a:pPr algn="ctr" fontAlgn="b"/>
                       <a:r>
-                        <a:rPr lang="en-US"/>
-                        <a:t>13313.1</a:t>
+                        <a:rPr lang="en-US" dirty="0"/>
+                        <a:t>0.09</a:t>
                       </a:r>
                     </a:p>
                   </a:txBody>
@@ -7713,49 +8552,7 @@
                       <a:pPr algn="ctr" fontAlgn="b"/>
                       <a:r>
                         <a:rPr lang="en-US"/>
-                        <a:t>422.5</a:t>
-                      </a:r>
-                    </a:p>
-                  </a:txBody>
-                  <a:tcPr marL="9525" marR="9525" marT="9525" marB="0" anchor="ctr"/>
-                </a:tc>
-                <a:tc>
-                  <a:txBody>
-                    <a:bodyPr/>
-                    <a:lstStyle/>
-                    <a:p>
-                      <a:pPr algn="ctr" fontAlgn="b"/>
-                      <a:r>
-                        <a:rPr lang="en-US"/>
-                        <a:t>4172.7</a:t>
-                      </a:r>
-                    </a:p>
-                  </a:txBody>
-                  <a:tcPr marL="9525" marR="9525" marT="9525" marB="0" anchor="ctr"/>
-                </a:tc>
-                <a:tc>
-                  <a:txBody>
-                    <a:bodyPr/>
-                    <a:lstStyle/>
-                    <a:p>
-                      <a:pPr algn="ctr" fontAlgn="b"/>
-                      <a:r>
-                        <a:rPr lang="en-US"/>
-                        <a:t>-518.1</a:t>
-                      </a:r>
-                    </a:p>
-                  </a:txBody>
-                  <a:tcPr marL="9525" marR="9525" marT="9525" marB="0" anchor="ctr"/>
-                </a:tc>
-                <a:tc>
-                  <a:txBody>
-                    <a:bodyPr/>
-                    <a:lstStyle/>
-                    <a:p>
-                      <a:pPr algn="ctr" fontAlgn="b"/>
-                      <a:r>
-                        <a:rPr lang="en-US"/>
-                        <a:t>-142.5</a:t>
+                        <a:t>516.7</a:t>
                       </a:r>
                     </a:p>
                   </a:txBody>
@@ -7787,11 +8584,7 @@
                       </a:pPr>
                       <a:r>
                         <a:rPr lang="en-US" sz="1800" dirty="0" smtClean="0"/>
-                        <a:t>+10</a:t>
-                      </a:r>
-                      <a:r>
-                        <a:rPr lang="en-US" sz="1800" dirty="0" smtClean="0"/>
-                        <a:t>% C</a:t>
+                        <a:t>+10% C</a:t>
                       </a:r>
                       <a:r>
                         <a:rPr lang="en-US" sz="1800" baseline="-25000" dirty="0" smtClean="0"/>
@@ -7822,8 +8615,8 @@
                     <a:p>
                       <a:pPr algn="ctr" fontAlgn="b"/>
                       <a:r>
-                        <a:rPr lang="en-US"/>
-                        <a:t>14170.4</a:t>
+                        <a:rPr lang="en-US" dirty="0"/>
+                        <a:t>-0.10</a:t>
                       </a:r>
                     </a:p>
                   </a:txBody>
@@ -7836,50 +8629,8 @@
                     <a:p>
                       <a:pPr algn="ctr" fontAlgn="b"/>
                       <a:r>
-                        <a:rPr lang="en-US"/>
-                        <a:t>900.4</a:t>
-                      </a:r>
-                    </a:p>
-                  </a:txBody>
-                  <a:tcPr marL="9525" marR="9525" marT="9525" marB="0" anchor="ctr"/>
-                </a:tc>
-                <a:tc>
-                  <a:txBody>
-                    <a:bodyPr/>
-                    <a:lstStyle/>
-                    <a:p>
-                      <a:pPr algn="ctr" fontAlgn="b"/>
-                      <a:r>
-                        <a:rPr lang="en-US"/>
-                        <a:t>3147.5</a:t>
-                      </a:r>
-                    </a:p>
-                  </a:txBody>
-                  <a:tcPr marL="9525" marR="9525" marT="9525" marB="0" anchor="ctr"/>
-                </a:tc>
-                <a:tc>
-                  <a:txBody>
-                    <a:bodyPr/>
-                    <a:lstStyle/>
-                    <a:p>
-                      <a:pPr algn="ctr" fontAlgn="b"/>
-                      <a:r>
-                        <a:rPr lang="en-US"/>
-                        <a:t>-492.8</a:t>
-                      </a:r>
-                    </a:p>
-                  </a:txBody>
-                  <a:tcPr marL="9525" marR="9525" marT="9525" marB="0" anchor="ctr"/>
-                </a:tc>
-                <a:tc>
-                  <a:txBody>
-                    <a:bodyPr/>
-                    <a:lstStyle/>
-                    <a:p>
-                      <a:pPr algn="ctr" fontAlgn="b"/>
-                      <a:r>
-                        <a:rPr lang="en-US"/>
-                        <a:t>-149.1</a:t>
+                        <a:rPr lang="en-US" dirty="0"/>
+                        <a:t>526.9</a:t>
                       </a:r>
                     </a:p>
                   </a:txBody>
@@ -7894,14 +8645,34 @@
                     <a:p>
                       <a:pPr algn="ctr"/>
                       <a:r>
-                        <a:rPr lang="en-US" sz="1800" dirty="0" smtClean="0"/>
+                        <a:rPr lang="en-US" sz="1800" dirty="0" smtClean="0">
+                          <a:solidFill>
+                            <a:srgbClr val="FF0000"/>
+                          </a:solidFill>
+                        </a:rPr>
                         <a:t> -10% </a:t>
                       </a:r>
                       <a:r>
-                        <a:rPr lang="el-GR" sz="1800" dirty="0" smtClean="0"/>
+                        <a:rPr lang="el-GR" sz="1800" dirty="0" smtClean="0">
+                          <a:solidFill>
+                            <a:srgbClr val="FF0000"/>
+                          </a:solidFill>
+                        </a:rPr>
                         <a:t>ρ</a:t>
                       </a:r>
-                      <a:endParaRPr lang="en-US" sz="1800" dirty="0"/>
+                      <a:r>
+                        <a:rPr lang="en-US" sz="1800" baseline="-25000" dirty="0" smtClean="0">
+                          <a:solidFill>
+                            <a:srgbClr val="FF0000"/>
+                          </a:solidFill>
+                        </a:rPr>
+                        <a:t>0</a:t>
+                      </a:r>
+                      <a:endParaRPr lang="en-US" sz="1800" dirty="0">
+                        <a:solidFill>
+                          <a:srgbClr val="FF0000"/>
+                        </a:solidFill>
+                      </a:endParaRPr>
                     </a:p>
                   </a:txBody>
                   <a:tcPr anchor="ctr"/>
@@ -7913,7 +8684,11 @@
                     <a:p>
                       <a:pPr algn="ctr" fontAlgn="b"/>
                       <a:r>
-                        <a:rPr lang="en-US" dirty="0"/>
+                        <a:rPr lang="en-US" dirty="0">
+                          <a:solidFill>
+                            <a:srgbClr val="FF0000"/>
+                          </a:solidFill>
+                        </a:rPr>
                         <a:t>18.94</a:t>
                       </a:r>
                     </a:p>
@@ -7927,8 +8702,12 @@
                     <a:p>
                       <a:pPr algn="ctr" fontAlgn="b"/>
                       <a:r>
-                        <a:rPr lang="en-US"/>
-                        <a:t>11381.3</a:t>
+                        <a:rPr lang="en-US" dirty="0">
+                          <a:solidFill>
+                            <a:srgbClr val="FF0000"/>
+                          </a:solidFill>
+                        </a:rPr>
+                        <a:t>0.88</a:t>
                       </a:r>
                     </a:p>
                   </a:txBody>
@@ -7941,50 +8720,12 @@
                     <a:p>
                       <a:pPr algn="ctr" fontAlgn="b"/>
                       <a:r>
-                        <a:rPr lang="en-US"/>
-                        <a:t>220.9</a:t>
-                      </a:r>
-                    </a:p>
-                  </a:txBody>
-                  <a:tcPr marL="9525" marR="9525" marT="9525" marB="0" anchor="ctr"/>
-                </a:tc>
-                <a:tc>
-                  <a:txBody>
-                    <a:bodyPr/>
-                    <a:lstStyle/>
-                    <a:p>
-                      <a:pPr algn="ctr" fontAlgn="b"/>
-                      <a:r>
-                        <a:rPr lang="en-US"/>
-                        <a:t>3115.0</a:t>
-                      </a:r>
-                    </a:p>
-                  </a:txBody>
-                  <a:tcPr marL="9525" marR="9525" marT="9525" marB="0" anchor="ctr"/>
-                </a:tc>
-                <a:tc>
-                  <a:txBody>
-                    <a:bodyPr/>
-                    <a:lstStyle/>
-                    <a:p>
-                      <a:pPr algn="ctr" fontAlgn="b"/>
-                      <a:r>
-                        <a:rPr lang="en-US"/>
-                        <a:t>-517.3</a:t>
-                      </a:r>
-                    </a:p>
-                  </a:txBody>
-                  <a:tcPr marL="9525" marR="9525" marT="9525" marB="0" anchor="ctr"/>
-                </a:tc>
-                <a:tc>
-                  <a:txBody>
-                    <a:bodyPr/>
-                    <a:lstStyle/>
-                    <a:p>
-                      <a:pPr algn="ctr" fontAlgn="b"/>
-                      <a:r>
-                        <a:rPr lang="en-US"/>
-                        <a:t>-140.8</a:t>
+                        <a:rPr lang="en-US" dirty="0">
+                          <a:solidFill>
+                            <a:srgbClr val="FF0000"/>
+                          </a:solidFill>
+                        </a:rPr>
+                        <a:t>548.7</a:t>
                       </a:r>
                     </a:p>
                   </a:txBody>
@@ -8022,6 +8763,10 @@
                         <a:rPr lang="el-GR" sz="1800" dirty="0" smtClean="0"/>
                         <a:t>ρ</a:t>
                       </a:r>
+                      <a:r>
+                        <a:rPr lang="en-US" sz="1800" baseline="-25000" dirty="0" smtClean="0"/>
+                        <a:t>0</a:t>
+                      </a:r>
                       <a:endParaRPr lang="en-US" sz="1800" dirty="0" smtClean="0"/>
                     </a:p>
                   </a:txBody>
@@ -8048,8 +8793,8 @@
                     <a:p>
                       <a:pPr algn="ctr" fontAlgn="b"/>
                       <a:r>
-                        <a:rPr lang="en-US"/>
-                        <a:t>10400.0</a:t>
+                        <a:rPr lang="en-US" dirty="0"/>
+                        <a:t>-0.33</a:t>
                       </a:r>
                     </a:p>
                   </a:txBody>
@@ -8062,50 +8807,8 @@
                     <a:p>
                       <a:pPr algn="ctr" fontAlgn="b"/>
                       <a:r>
-                        <a:rPr lang="en-US"/>
-                        <a:t>545.3</a:t>
-                      </a:r>
-                    </a:p>
-                  </a:txBody>
-                  <a:tcPr marL="9525" marR="9525" marT="9525" marB="0" anchor="ctr"/>
-                </a:tc>
-                <a:tc>
-                  <a:txBody>
-                    <a:bodyPr/>
-                    <a:lstStyle/>
-                    <a:p>
-                      <a:pPr algn="ctr" fontAlgn="b"/>
-                      <a:r>
-                        <a:rPr lang="en-US"/>
-                        <a:t>3069.1</a:t>
-                      </a:r>
-                    </a:p>
-                  </a:txBody>
-                  <a:tcPr marL="9525" marR="9525" marT="9525" marB="0" anchor="ctr"/>
-                </a:tc>
-                <a:tc>
-                  <a:txBody>
-                    <a:bodyPr/>
-                    <a:lstStyle/>
-                    <a:p>
-                      <a:pPr algn="ctr" fontAlgn="b"/>
-                      <a:r>
-                        <a:rPr lang="en-US"/>
-                        <a:t>-464.2</a:t>
-                      </a:r>
-                    </a:p>
-                  </a:txBody>
-                  <a:tcPr marL="9525" marR="9525" marT="9525" marB="0" anchor="ctr"/>
-                </a:tc>
-                <a:tc>
-                  <a:txBody>
-                    <a:bodyPr/>
-                    <a:lstStyle/>
-                    <a:p>
-                      <a:pPr algn="ctr" fontAlgn="b"/>
-                      <a:r>
-                        <a:rPr lang="en-US"/>
-                        <a:t>-158.2</a:t>
+                        <a:rPr lang="en-US" dirty="0"/>
+                        <a:t>501.8</a:t>
                       </a:r>
                     </a:p>
                   </a:txBody>
@@ -8120,14 +8823,26 @@
                     <a:p>
                       <a:pPr algn="ctr"/>
                       <a:r>
-                        <a:rPr lang="en-US" sz="1800" dirty="0" smtClean="0"/>
+                        <a:rPr lang="en-US" sz="1800" dirty="0" smtClean="0">
+                          <a:solidFill>
+                            <a:srgbClr val="FF0000"/>
+                          </a:solidFill>
+                        </a:rPr>
                         <a:t> -10% h</a:t>
                       </a:r>
                       <a:r>
-                        <a:rPr lang="en-US" sz="1800" baseline="-25000" dirty="0" smtClean="0"/>
+                        <a:rPr lang="en-US" sz="1800" baseline="-25000" dirty="0" smtClean="0">
+                          <a:solidFill>
+                            <a:srgbClr val="FF0000"/>
+                          </a:solidFill>
+                        </a:rPr>
                         <a:t>s</a:t>
                       </a:r>
-                      <a:endParaRPr lang="en-US" sz="1800" baseline="-25000" dirty="0"/>
+                      <a:endParaRPr lang="en-US" sz="1800" baseline="-25000" dirty="0">
+                        <a:solidFill>
+                          <a:srgbClr val="FF0000"/>
+                        </a:solidFill>
+                      </a:endParaRPr>
                     </a:p>
                   </a:txBody>
                   <a:tcPr anchor="ctr"/>
@@ -8139,7 +8854,11 @@
                     <a:p>
                       <a:pPr algn="ctr" fontAlgn="b"/>
                       <a:r>
-                        <a:rPr lang="en-US" dirty="0"/>
+                        <a:rPr lang="en-US" dirty="0">
+                          <a:solidFill>
+                            <a:srgbClr val="FF0000"/>
+                          </a:solidFill>
+                        </a:rPr>
                         <a:t>18.92</a:t>
                       </a:r>
                     </a:p>
@@ -8153,8 +8872,12 @@
                     <a:p>
                       <a:pPr algn="ctr" fontAlgn="b"/>
                       <a:r>
-                        <a:rPr lang="en-US" dirty="0"/>
-                        <a:t>15109.7</a:t>
+                        <a:rPr lang="en-US" dirty="0">
+                          <a:solidFill>
+                            <a:srgbClr val="FF0000"/>
+                          </a:solidFill>
+                        </a:rPr>
+                        <a:t>0.86</a:t>
                       </a:r>
                     </a:p>
                   </a:txBody>
@@ -8167,50 +8890,12 @@
                     <a:p>
                       <a:pPr algn="ctr" fontAlgn="b"/>
                       <a:r>
-                        <a:rPr lang="en-US"/>
-                        <a:t>257.1</a:t>
-                      </a:r>
-                    </a:p>
-                  </a:txBody>
-                  <a:tcPr marL="9525" marR="9525" marT="9525" marB="0" anchor="ctr"/>
-                </a:tc>
-                <a:tc>
-                  <a:txBody>
-                    <a:bodyPr/>
-                    <a:lstStyle/>
-                    <a:p>
-                      <a:pPr algn="ctr" fontAlgn="b"/>
-                      <a:r>
-                        <a:rPr lang="en-US"/>
-                        <a:t>3257.2</a:t>
-                      </a:r>
-                    </a:p>
-                  </a:txBody>
-                  <a:tcPr marL="9525" marR="9525" marT="9525" marB="0" anchor="ctr"/>
-                </a:tc>
-                <a:tc>
-                  <a:txBody>
-                    <a:bodyPr/>
-                    <a:lstStyle/>
-                    <a:p>
-                      <a:pPr algn="ctr" fontAlgn="b"/>
-                      <a:r>
-                        <a:rPr lang="en-US"/>
-                        <a:t>-507.8</a:t>
-                      </a:r>
-                    </a:p>
-                  </a:txBody>
-                  <a:tcPr marL="9525" marR="9525" marT="9525" marB="0" anchor="ctr"/>
-                </a:tc>
-                <a:tc>
-                  <a:txBody>
-                    <a:bodyPr/>
-                    <a:lstStyle/>
-                    <a:p>
-                      <a:pPr algn="ctr" fontAlgn="b"/>
-                      <a:r>
-                        <a:rPr lang="en-US"/>
-                        <a:t>-143.5</a:t>
+                        <a:rPr lang="en-US" dirty="0">
+                          <a:solidFill>
+                            <a:srgbClr val="FF0000"/>
+                          </a:solidFill>
+                        </a:rPr>
+                        <a:t>531.6</a:t>
                       </a:r>
                     </a:p>
                   </a:txBody>
@@ -8273,8 +8958,8 @@
                     <a:p>
                       <a:pPr algn="ctr" fontAlgn="b"/>
                       <a:r>
-                        <a:rPr lang="en-US"/>
-                        <a:t>13247.8</a:t>
+                        <a:rPr lang="en-US" dirty="0"/>
+                        <a:t>-0.24</a:t>
                       </a:r>
                     </a:p>
                   </a:txBody>
@@ -8287,50 +8972,8 @@
                     <a:p>
                       <a:pPr algn="ctr" fontAlgn="b"/>
                       <a:r>
-                        <a:rPr lang="en-US"/>
-                        <a:t>536.4</a:t>
-                      </a:r>
-                    </a:p>
-                  </a:txBody>
-                  <a:tcPr marL="9525" marR="9525" marT="9525" marB="0" anchor="ctr"/>
-                </a:tc>
-                <a:tc>
-                  <a:txBody>
-                    <a:bodyPr/>
-                    <a:lstStyle/>
-                    <a:p>
-                      <a:pPr algn="ctr" fontAlgn="b"/>
-                      <a:r>
-                        <a:rPr lang="en-US"/>
-                        <a:t>5595.4</a:t>
-                      </a:r>
-                    </a:p>
-                  </a:txBody>
-                  <a:tcPr marL="9525" marR="9525" marT="9525" marB="0" anchor="ctr"/>
-                </a:tc>
-                <a:tc>
-                  <a:txBody>
-                    <a:bodyPr/>
-                    <a:lstStyle/>
-                    <a:p>
-                      <a:pPr algn="ctr" fontAlgn="b"/>
-                      <a:r>
-                        <a:rPr lang="en-US"/>
-                        <a:t>-542.1</a:t>
-                      </a:r>
-                    </a:p>
-                  </a:txBody>
-                  <a:tcPr marL="9525" marR="9525" marT="9525" marB="0" anchor="ctr"/>
-                </a:tc>
-                <a:tc>
-                  <a:txBody>
-                    <a:bodyPr/>
-                    <a:lstStyle/>
-                    <a:p>
-                      <a:pPr algn="ctr" fontAlgn="b"/>
-                      <a:r>
                         <a:rPr lang="en-US" dirty="0"/>
-                        <a:t>-140.1</a:t>
+                        <a:t>506.1</a:t>
                       </a:r>
                     </a:p>
                   </a:txBody>
@@ -8341,10 +8984,40 @@
           </a:graphicData>
         </a:graphic>
       </p:graphicFrame>
+      <p:sp>
+        <p:nvSpPr>
+          <p:cNvPr id="3" name="TextBox 2"/>
+          <p:cNvSpPr txBox="1"/>
+          <p:nvPr/>
+        </p:nvSpPr>
+        <p:spPr>
+          <a:xfrm>
+            <a:off x="1988288" y="5762847"/>
+            <a:ext cx="7325833" cy="646331"/>
+          </a:xfrm>
+          <a:prstGeom prst="rect">
+            <a:avLst/>
+          </a:prstGeom>
+          <a:noFill/>
+        </p:spPr>
+        <p:txBody>
+          <a:bodyPr wrap="square" rtlCol="0">
+            <a:spAutoFit/>
+          </a:bodyPr>
+          <a:lstStyle/>
+          <a:p>
+            <a:r>
+              <a:rPr lang="en-US" dirty="0" smtClean="0"/>
+              <a:t>-10p and -10CD should have similar impacts – somehow Cd is worse. Note the almost identical ignition velocities </a:t>
+            </a:r>
+            <a:endParaRPr lang="en-US" dirty="0"/>
+          </a:p>
+        </p:txBody>
+      </p:sp>
     </p:spTree>
     <p:extLst>
       <p:ext uri="{BB962C8B-B14F-4D97-AF65-F5344CB8AC3E}">
-        <p14:creationId xmlns:p14="http://schemas.microsoft.com/office/powerpoint/2010/main" val="3527119044"/>
+        <p14:creationId xmlns:p14="http://schemas.microsoft.com/office/powerpoint/2010/main" val="635343981"/>
       </p:ext>
     </p:extLst>
   </p:cSld>
@@ -8373,21 +9046,21 @@
       </p:grpSpPr>
       <p:graphicFrame>
         <p:nvGraphicFramePr>
-          <p:cNvPr id="3" name="Table 2"/>
+          <p:cNvPr id="2" name="Table 1"/>
           <p:cNvGraphicFramePr>
             <a:graphicFrameLocks noGrp="1"/>
           </p:cNvGraphicFramePr>
           <p:nvPr>
             <p:extLst>
               <p:ext uri="{D42A27DB-BD31-4B8C-83A1-F6EECF244321}">
-                <p14:modId xmlns:p14="http://schemas.microsoft.com/office/powerpoint/2010/main" val="2802832564"/>
+                <p14:modId xmlns:p14="http://schemas.microsoft.com/office/powerpoint/2010/main" val="2713576846"/>
               </p:ext>
             </p:extLst>
           </p:nvPr>
         </p:nvGraphicFramePr>
         <p:xfrm>
-          <a:off x="150037" y="145508"/>
-          <a:ext cx="8127999" cy="2225040"/>
+          <a:off x="606154" y="567883"/>
+          <a:ext cx="8906338" cy="4206240"/>
         </p:xfrm>
         <a:graphic>
           <a:graphicData uri="http://schemas.openxmlformats.org/drawingml/2006/table">
@@ -8396,11 +9069,1344 @@
                 <a:tableStyleId>{D7AC3CCA-C797-4891-BE02-D94E43425B78}</a:tableStyleId>
               </a:tblPr>
               <a:tblGrid>
-                <a:gridCol w="3395023"/>
-                <a:gridCol w="2023643"/>
-                <a:gridCol w="2709333"/>
+                <a:gridCol w="1272334"/>
+                <a:gridCol w="1272334"/>
+                <a:gridCol w="1272334"/>
+                <a:gridCol w="1272334"/>
+                <a:gridCol w="1272334"/>
+                <a:gridCol w="1272334"/>
+                <a:gridCol w="1272334"/>
               </a:tblGrid>
               <a:tr h="370840">
+                <a:tc>
+                  <a:txBody>
+                    <a:bodyPr/>
+                    <a:lstStyle/>
+                    <a:p>
+                      <a:pPr algn="ctr"/>
+                      <a:r>
+                        <a:rPr lang="en-US" sz="1800" dirty="0" smtClean="0"/>
+                        <a:t>Scenario</a:t>
+                      </a:r>
+                      <a:endParaRPr lang="en-US" sz="1800" dirty="0"/>
+                    </a:p>
+                  </a:txBody>
+                  <a:tcPr anchor="ctr"/>
+                </a:tc>
+                <a:tc>
+                  <a:txBody>
+                    <a:bodyPr/>
+                    <a:lstStyle/>
+                    <a:p>
+                      <a:pPr algn="ctr"/>
+                      <a:r>
+                        <a:rPr lang="en-US" sz="1800" dirty="0" smtClean="0"/>
+                        <a:t>PMF (%)</a:t>
+                      </a:r>
+                      <a:endParaRPr lang="en-US" sz="1800" dirty="0"/>
+                    </a:p>
+                  </a:txBody>
+                  <a:tcPr anchor="ctr"/>
+                </a:tc>
+                <a:tc>
+                  <a:txBody>
+                    <a:bodyPr/>
+                    <a:lstStyle/>
+                    <a:p>
+                      <a:pPr algn="ctr"/>
+                      <a:r>
+                        <a:rPr lang="en-US" sz="1800" dirty="0" smtClean="0"/>
+                        <a:t>Downrange</a:t>
+                      </a:r>
+                      <a:r>
+                        <a:rPr lang="en-US" sz="1800" baseline="0" dirty="0" smtClean="0"/>
+                        <a:t> to Target</a:t>
+                      </a:r>
+                    </a:p>
+                    <a:p>
+                      <a:pPr algn="ctr"/>
+                      <a:r>
+                        <a:rPr lang="en-US" sz="1800" baseline="0" dirty="0" smtClean="0"/>
+                        <a:t>(m)</a:t>
+                      </a:r>
+                      <a:endParaRPr lang="en-US" sz="1800" dirty="0"/>
+                    </a:p>
+                  </a:txBody>
+                  <a:tcPr anchor="ctr"/>
+                </a:tc>
+                <a:tc>
+                  <a:txBody>
+                    <a:bodyPr/>
+                    <a:lstStyle/>
+                    <a:p>
+                      <a:pPr algn="ctr"/>
+                      <a:r>
+                        <a:rPr lang="en-US" sz="1800" dirty="0" smtClean="0"/>
+                        <a:t>Crossrange to Target (m)</a:t>
+                      </a:r>
+                      <a:endParaRPr lang="en-US" sz="1800" dirty="0"/>
+                    </a:p>
+                  </a:txBody>
+                  <a:tcPr anchor="ctr"/>
+                </a:tc>
+                <a:tc>
+                  <a:txBody>
+                    <a:bodyPr/>
+                    <a:lstStyle/>
+                    <a:p>
+                      <a:pPr algn="ctr"/>
+                      <a:r>
+                        <a:rPr lang="en-US" sz="1800" dirty="0" smtClean="0"/>
+                        <a:t>Altitude (m)</a:t>
+                      </a:r>
+                      <a:endParaRPr lang="en-US" sz="1800" dirty="0"/>
+                    </a:p>
+                  </a:txBody>
+                  <a:tcPr anchor="ctr"/>
+                </a:tc>
+                <a:tc>
+                  <a:txBody>
+                    <a:bodyPr/>
+                    <a:lstStyle/>
+                    <a:p>
+                      <a:pPr algn="ctr"/>
+                      <a:r>
+                        <a:rPr lang="en-US" sz="1800" dirty="0" smtClean="0"/>
+                        <a:t>Horizontal</a:t>
+                      </a:r>
+                      <a:r>
+                        <a:rPr lang="en-US" sz="1800" baseline="0" dirty="0" smtClean="0"/>
+                        <a:t> Velocity (m/s)</a:t>
+                      </a:r>
+                      <a:endParaRPr lang="en-US" sz="1800" dirty="0"/>
+                    </a:p>
+                  </a:txBody>
+                  <a:tcPr anchor="ctr"/>
+                </a:tc>
+                <a:tc>
+                  <a:txBody>
+                    <a:bodyPr/>
+                    <a:lstStyle/>
+                    <a:p>
+                      <a:pPr algn="ctr"/>
+                      <a:r>
+                        <a:rPr lang="en-US" sz="1800" dirty="0" smtClean="0"/>
+                        <a:t>Vertical Velocity</a:t>
+                      </a:r>
+                    </a:p>
+                    <a:p>
+                      <a:pPr algn="ctr"/>
+                      <a:r>
+                        <a:rPr lang="en-US" sz="1800" dirty="0" smtClean="0"/>
+                        <a:t>(m/s)</a:t>
+                      </a:r>
+                      <a:endParaRPr lang="en-US" sz="1800" dirty="0"/>
+                    </a:p>
+                  </a:txBody>
+                  <a:tcPr anchor="ctr"/>
+                </a:tc>
+              </a:tr>
+              <a:tr h="0">
+                <a:tc>
+                  <a:txBody>
+                    <a:bodyPr/>
+                    <a:lstStyle/>
+                    <a:p>
+                      <a:pPr algn="ctr"/>
+                      <a:r>
+                        <a:rPr lang="en-US" sz="1800" dirty="0" smtClean="0"/>
+                        <a:t>Nominal</a:t>
+                      </a:r>
+                      <a:endParaRPr lang="en-US" sz="1800" dirty="0"/>
+                    </a:p>
+                  </a:txBody>
+                  <a:tcPr anchor="ctr"/>
+                </a:tc>
+                <a:tc>
+                  <a:txBody>
+                    <a:bodyPr/>
+                    <a:lstStyle/>
+                    <a:p>
+                      <a:pPr algn="ctr" fontAlgn="b"/>
+                      <a:r>
+                        <a:rPr lang="en-US" dirty="0"/>
+                        <a:t>18.07</a:t>
+                      </a:r>
+                    </a:p>
+                  </a:txBody>
+                  <a:tcPr marL="9525" marR="9525" marT="9525" marB="0" anchor="ctr"/>
+                </a:tc>
+                <a:tc>
+                  <a:txBody>
+                    <a:bodyPr/>
+                    <a:lstStyle/>
+                    <a:p>
+                      <a:pPr algn="ctr" fontAlgn="b"/>
+                      <a:r>
+                        <a:rPr lang="en-US" dirty="0"/>
+                        <a:t>10390.75</a:t>
+                      </a:r>
+                    </a:p>
+                  </a:txBody>
+                  <a:tcPr marL="9525" marR="9525" marT="9525" marB="0" anchor="ctr"/>
+                </a:tc>
+                <a:tc>
+                  <a:txBody>
+                    <a:bodyPr/>
+                    <a:lstStyle/>
+                    <a:p>
+                      <a:pPr algn="ctr" fontAlgn="b"/>
+                      <a:r>
+                        <a:rPr lang="en-US"/>
+                        <a:t>473.1</a:t>
+                      </a:r>
+                    </a:p>
+                  </a:txBody>
+                  <a:tcPr marL="9525" marR="9525" marT="9525" marB="0" anchor="ctr"/>
+                </a:tc>
+                <a:tc>
+                  <a:txBody>
+                    <a:bodyPr/>
+                    <a:lstStyle/>
+                    <a:p>
+                      <a:pPr algn="ctr" fontAlgn="b"/>
+                      <a:r>
+                        <a:rPr lang="en-US"/>
+                        <a:t>3111.9</a:t>
+                      </a:r>
+                    </a:p>
+                  </a:txBody>
+                  <a:tcPr marL="9525" marR="9525" marT="9525" marB="0" anchor="ctr"/>
+                </a:tc>
+                <a:tc>
+                  <a:txBody>
+                    <a:bodyPr/>
+                    <a:lstStyle/>
+                    <a:p>
+                      <a:pPr algn="ctr" fontAlgn="b"/>
+                      <a:r>
+                        <a:rPr lang="en-US"/>
+                        <a:t>-501.3</a:t>
+                      </a:r>
+                    </a:p>
+                  </a:txBody>
+                  <a:tcPr marL="9525" marR="9525" marT="9525" marB="0" anchor="ctr"/>
+                </a:tc>
+                <a:tc>
+                  <a:txBody>
+                    <a:bodyPr/>
+                    <a:lstStyle/>
+                    <a:p>
+                      <a:pPr algn="ctr" fontAlgn="b"/>
+                      <a:r>
+                        <a:rPr lang="en-US"/>
+                        <a:t>-135.0</a:t>
+                      </a:r>
+                    </a:p>
+                  </a:txBody>
+                  <a:tcPr marL="9525" marR="9525" marT="9525" marB="0" anchor="ctr"/>
+                </a:tc>
+              </a:tr>
+              <a:tr h="273050">
+                <a:tc>
+                  <a:txBody>
+                    <a:bodyPr/>
+                    <a:lstStyle/>
+                    <a:p>
+                      <a:pPr algn="ctr"/>
+                      <a:r>
+                        <a:rPr lang="en-US" sz="1800" dirty="0" smtClean="0">
+                          <a:solidFill>
+                            <a:srgbClr val="FF0000"/>
+                          </a:solidFill>
+                        </a:rPr>
+                        <a:t> -10% C</a:t>
+                      </a:r>
+                      <a:r>
+                        <a:rPr lang="en-US" sz="1800" baseline="-25000" dirty="0" smtClean="0">
+                          <a:solidFill>
+                            <a:srgbClr val="FF0000"/>
+                          </a:solidFill>
+                        </a:rPr>
+                        <a:t>D</a:t>
+                      </a:r>
+                      <a:endParaRPr lang="en-US" sz="1800" baseline="-25000" dirty="0">
+                        <a:solidFill>
+                          <a:srgbClr val="FF0000"/>
+                        </a:solidFill>
+                      </a:endParaRPr>
+                    </a:p>
+                  </a:txBody>
+                  <a:tcPr anchor="ctr"/>
+                </a:tc>
+                <a:tc>
+                  <a:txBody>
+                    <a:bodyPr/>
+                    <a:lstStyle/>
+                    <a:p>
+                      <a:pPr algn="ctr" fontAlgn="b"/>
+                      <a:r>
+                        <a:rPr lang="en-US" dirty="0">
+                          <a:solidFill>
+                            <a:srgbClr val="FF0000"/>
+                          </a:solidFill>
+                        </a:rPr>
+                        <a:t>19.98</a:t>
+                      </a:r>
+                    </a:p>
+                  </a:txBody>
+                  <a:tcPr marL="9525" marR="9525" marT="9525" marB="0" anchor="ctr"/>
+                </a:tc>
+                <a:tc>
+                  <a:txBody>
+                    <a:bodyPr/>
+                    <a:lstStyle/>
+                    <a:p>
+                      <a:pPr algn="ctr" fontAlgn="b"/>
+                      <a:r>
+                        <a:rPr lang="en-US">
+                          <a:solidFill>
+                            <a:srgbClr val="FF0000"/>
+                          </a:solidFill>
+                        </a:rPr>
+                        <a:t>15587.7</a:t>
+                      </a:r>
+                    </a:p>
+                  </a:txBody>
+                  <a:tcPr marL="9525" marR="9525" marT="9525" marB="0" anchor="ctr"/>
+                </a:tc>
+                <a:tc>
+                  <a:txBody>
+                    <a:bodyPr/>
+                    <a:lstStyle/>
+                    <a:p>
+                      <a:pPr algn="ctr" fontAlgn="b"/>
+                      <a:r>
+                        <a:rPr lang="en-US">
+                          <a:solidFill>
+                            <a:srgbClr val="FF0000"/>
+                          </a:solidFill>
+                        </a:rPr>
+                        <a:t>1125.3</a:t>
+                      </a:r>
+                    </a:p>
+                  </a:txBody>
+                  <a:tcPr marL="9525" marR="9525" marT="9525" marB="0" anchor="ctr"/>
+                </a:tc>
+                <a:tc>
+                  <a:txBody>
+                    <a:bodyPr/>
+                    <a:lstStyle/>
+                    <a:p>
+                      <a:pPr algn="ctr" fontAlgn="b"/>
+                      <a:r>
+                        <a:rPr lang="en-US">
+                          <a:solidFill>
+                            <a:srgbClr val="FF0000"/>
+                          </a:solidFill>
+                        </a:rPr>
+                        <a:t>3145.4</a:t>
+                      </a:r>
+                    </a:p>
+                  </a:txBody>
+                  <a:tcPr marL="9525" marR="9525" marT="9525" marB="0" anchor="ctr"/>
+                </a:tc>
+                <a:tc>
+                  <a:txBody>
+                    <a:bodyPr/>
+                    <a:lstStyle/>
+                    <a:p>
+                      <a:pPr algn="ctr" fontAlgn="b"/>
+                      <a:r>
+                        <a:rPr lang="en-US">
+                          <a:solidFill>
+                            <a:srgbClr val="FF0000"/>
+                          </a:solidFill>
+                        </a:rPr>
+                        <a:t>-534.2</a:t>
+                      </a:r>
+                    </a:p>
+                  </a:txBody>
+                  <a:tcPr marL="9525" marR="9525" marT="9525" marB="0" anchor="ctr"/>
+                </a:tc>
+                <a:tc>
+                  <a:txBody>
+                    <a:bodyPr/>
+                    <a:lstStyle/>
+                    <a:p>
+                      <a:pPr algn="ctr" fontAlgn="b"/>
+                      <a:r>
+                        <a:rPr lang="en-US" dirty="0">
+                          <a:solidFill>
+                            <a:srgbClr val="FF0000"/>
+                          </a:solidFill>
+                        </a:rPr>
+                        <a:t>-133.5</a:t>
+                      </a:r>
+                    </a:p>
+                  </a:txBody>
+                  <a:tcPr marL="9525" marR="9525" marT="9525" marB="0" anchor="ctr"/>
+                </a:tc>
+              </a:tr>
+              <a:tr h="180340">
+                <a:tc>
+                  <a:txBody>
+                    <a:bodyPr/>
+                    <a:lstStyle/>
+                    <a:p>
+                      <a:pPr marL="0" marR="0" indent="0" algn="ctr" defTabSz="914400" rtl="0" eaLnBrk="1" fontAlgn="auto" latinLnBrk="0" hangingPunct="1">
+                        <a:lnSpc>
+                          <a:spcPct val="100000"/>
+                        </a:lnSpc>
+                        <a:spcBef>
+                          <a:spcPts val="0"/>
+                        </a:spcBef>
+                        <a:spcAft>
+                          <a:spcPts val="0"/>
+                        </a:spcAft>
+                        <a:buClrTx/>
+                        <a:buSzTx/>
+                        <a:buFontTx/>
+                        <a:buNone/>
+                        <a:tabLst/>
+                        <a:defRPr/>
+                      </a:pPr>
+                      <a:r>
+                        <a:rPr lang="en-US" sz="1800" dirty="0" smtClean="0"/>
+                        <a:t>+10% C</a:t>
+                      </a:r>
+                      <a:r>
+                        <a:rPr lang="en-US" sz="1800" baseline="-25000" dirty="0" smtClean="0"/>
+                        <a:t>D</a:t>
+                      </a:r>
+                    </a:p>
+                  </a:txBody>
+                  <a:tcPr anchor="ctr"/>
+                </a:tc>
+                <a:tc>
+                  <a:txBody>
+                    <a:bodyPr/>
+                    <a:lstStyle/>
+                    <a:p>
+                      <a:pPr algn="ctr" fontAlgn="b"/>
+                      <a:r>
+                        <a:rPr lang="en-US" dirty="0"/>
+                        <a:t>17.25</a:t>
+                      </a:r>
+                    </a:p>
+                  </a:txBody>
+                  <a:tcPr marL="9525" marR="9525" marT="9525" marB="0" anchor="ctr"/>
+                </a:tc>
+                <a:tc>
+                  <a:txBody>
+                    <a:bodyPr/>
+                    <a:lstStyle/>
+                    <a:p>
+                      <a:pPr algn="ctr" fontAlgn="b"/>
+                      <a:r>
+                        <a:rPr lang="en-US"/>
+                        <a:t>10709.4</a:t>
+                      </a:r>
+                    </a:p>
+                  </a:txBody>
+                  <a:tcPr marL="9525" marR="9525" marT="9525" marB="0" anchor="ctr"/>
+                </a:tc>
+                <a:tc>
+                  <a:txBody>
+                    <a:bodyPr/>
+                    <a:lstStyle/>
+                    <a:p>
+                      <a:pPr algn="ctr" fontAlgn="b"/>
+                      <a:r>
+                        <a:rPr lang="en-US"/>
+                        <a:t>428.4</a:t>
+                      </a:r>
+                    </a:p>
+                  </a:txBody>
+                  <a:tcPr marL="9525" marR="9525" marT="9525" marB="0" anchor="ctr"/>
+                </a:tc>
+                <a:tc>
+                  <a:txBody>
+                    <a:bodyPr/>
+                    <a:lstStyle/>
+                    <a:p>
+                      <a:pPr algn="ctr" fontAlgn="b"/>
+                      <a:r>
+                        <a:rPr lang="en-US"/>
+                        <a:t>3363.0</a:t>
+                      </a:r>
+                    </a:p>
+                  </a:txBody>
+                  <a:tcPr marL="9525" marR="9525" marT="9525" marB="0" anchor="ctr"/>
+                </a:tc>
+                <a:tc>
+                  <a:txBody>
+                    <a:bodyPr/>
+                    <a:lstStyle/>
+                    <a:p>
+                      <a:pPr algn="ctr" fontAlgn="b"/>
+                      <a:r>
+                        <a:rPr lang="en-US"/>
+                        <a:t>-471.1</a:t>
+                      </a:r>
+                    </a:p>
+                  </a:txBody>
+                  <a:tcPr marL="9525" marR="9525" marT="9525" marB="0" anchor="ctr"/>
+                </a:tc>
+                <a:tc>
+                  <a:txBody>
+                    <a:bodyPr/>
+                    <a:lstStyle/>
+                    <a:p>
+                      <a:pPr algn="ctr" fontAlgn="b"/>
+                      <a:r>
+                        <a:rPr lang="en-US"/>
+                        <a:t>-150.5</a:t>
+                      </a:r>
+                    </a:p>
+                  </a:txBody>
+                  <a:tcPr marL="9525" marR="9525" marT="9525" marB="0" anchor="ctr"/>
+                </a:tc>
+              </a:tr>
+              <a:tr h="0">
+                <a:tc>
+                  <a:txBody>
+                    <a:bodyPr/>
+                    <a:lstStyle/>
+                    <a:p>
+                      <a:pPr marL="0" marR="0" indent="0" algn="ctr" defTabSz="914400" rtl="0" eaLnBrk="1" fontAlgn="auto" latinLnBrk="0" hangingPunct="1">
+                        <a:lnSpc>
+                          <a:spcPct val="100000"/>
+                        </a:lnSpc>
+                        <a:spcBef>
+                          <a:spcPts val="0"/>
+                        </a:spcBef>
+                        <a:spcAft>
+                          <a:spcPts val="0"/>
+                        </a:spcAft>
+                        <a:buClrTx/>
+                        <a:buSzTx/>
+                        <a:buFontTx/>
+                        <a:buNone/>
+                        <a:tabLst/>
+                        <a:defRPr/>
+                      </a:pPr>
+                      <a:r>
+                        <a:rPr lang="en-US" sz="1800" dirty="0" smtClean="0"/>
+                        <a:t> -10% C</a:t>
+                      </a:r>
+                      <a:r>
+                        <a:rPr lang="en-US" sz="1800" baseline="-25000" dirty="0" smtClean="0"/>
+                        <a:t>L</a:t>
+                      </a:r>
+                    </a:p>
+                  </a:txBody>
+                  <a:tcPr anchor="ctr"/>
+                </a:tc>
+                <a:tc>
+                  <a:txBody>
+                    <a:bodyPr/>
+                    <a:lstStyle/>
+                    <a:p>
+                      <a:pPr algn="ctr" fontAlgn="b"/>
+                      <a:r>
+                        <a:rPr lang="en-US" dirty="0"/>
+                        <a:t>18.16</a:t>
+                      </a:r>
+                    </a:p>
+                  </a:txBody>
+                  <a:tcPr marL="9525" marR="9525" marT="9525" marB="0" anchor="ctr"/>
+                </a:tc>
+                <a:tc>
+                  <a:txBody>
+                    <a:bodyPr/>
+                    <a:lstStyle/>
+                    <a:p>
+                      <a:pPr algn="ctr" fontAlgn="b"/>
+                      <a:r>
+                        <a:rPr lang="en-US"/>
+                        <a:t>11398.7</a:t>
+                      </a:r>
+                    </a:p>
+                  </a:txBody>
+                  <a:tcPr marL="9525" marR="9525" marT="9525" marB="0" anchor="ctr"/>
+                </a:tc>
+                <a:tc>
+                  <a:txBody>
+                    <a:bodyPr/>
+                    <a:lstStyle/>
+                    <a:p>
+                      <a:pPr algn="ctr" fontAlgn="b"/>
+                      <a:r>
+                        <a:rPr lang="en-US"/>
+                        <a:t>293.0</a:t>
+                      </a:r>
+                    </a:p>
+                  </a:txBody>
+                  <a:tcPr marL="9525" marR="9525" marT="9525" marB="0" anchor="ctr"/>
+                </a:tc>
+                <a:tc>
+                  <a:txBody>
+                    <a:bodyPr/>
+                    <a:lstStyle/>
+                    <a:p>
+                      <a:pPr algn="ctr" fontAlgn="b"/>
+                      <a:r>
+                        <a:rPr lang="en-US"/>
+                        <a:t>3246.1</a:t>
+                      </a:r>
+                    </a:p>
+                  </a:txBody>
+                  <a:tcPr marL="9525" marR="9525" marT="9525" marB="0" anchor="ctr"/>
+                </a:tc>
+                <a:tc>
+                  <a:txBody>
+                    <a:bodyPr/>
+                    <a:lstStyle/>
+                    <a:p>
+                      <a:pPr algn="ctr" fontAlgn="b"/>
+                      <a:r>
+                        <a:rPr lang="en-US"/>
+                        <a:t>-496.4</a:t>
+                      </a:r>
+                    </a:p>
+                  </a:txBody>
+                  <a:tcPr marL="9525" marR="9525" marT="9525" marB="0" anchor="ctr"/>
+                </a:tc>
+                <a:tc>
+                  <a:txBody>
+                    <a:bodyPr/>
+                    <a:lstStyle/>
+                    <a:p>
+                      <a:pPr algn="ctr" fontAlgn="b"/>
+                      <a:r>
+                        <a:rPr lang="en-US"/>
+                        <a:t>-143.3</a:t>
+                      </a:r>
+                    </a:p>
+                  </a:txBody>
+                  <a:tcPr marL="9525" marR="9525" marT="9525" marB="0" anchor="ctr"/>
+                </a:tc>
+              </a:tr>
+              <a:tr h="292608">
+                <a:tc>
+                  <a:txBody>
+                    <a:bodyPr/>
+                    <a:lstStyle/>
+                    <a:p>
+                      <a:pPr marL="0" marR="0" indent="0" algn="ctr" defTabSz="914400" rtl="0" eaLnBrk="1" fontAlgn="auto" latinLnBrk="0" hangingPunct="1">
+                        <a:lnSpc>
+                          <a:spcPct val="100000"/>
+                        </a:lnSpc>
+                        <a:spcBef>
+                          <a:spcPts val="0"/>
+                        </a:spcBef>
+                        <a:spcAft>
+                          <a:spcPts val="0"/>
+                        </a:spcAft>
+                        <a:buClrTx/>
+                        <a:buSzTx/>
+                        <a:buFontTx/>
+                        <a:buNone/>
+                        <a:tabLst/>
+                        <a:defRPr/>
+                      </a:pPr>
+                      <a:r>
+                        <a:rPr lang="en-US" sz="1800" dirty="0" smtClean="0"/>
+                        <a:t>+10% C</a:t>
+                      </a:r>
+                      <a:r>
+                        <a:rPr lang="en-US" sz="1800" baseline="-25000" dirty="0" smtClean="0"/>
+                        <a:t>L</a:t>
+                      </a:r>
+                    </a:p>
+                  </a:txBody>
+                  <a:tcPr anchor="ctr"/>
+                </a:tc>
+                <a:tc>
+                  <a:txBody>
+                    <a:bodyPr/>
+                    <a:lstStyle/>
+                    <a:p>
+                      <a:pPr algn="ctr" fontAlgn="b"/>
+                      <a:r>
+                        <a:rPr lang="en-US" dirty="0"/>
+                        <a:t>17.97</a:t>
+                      </a:r>
+                    </a:p>
+                  </a:txBody>
+                  <a:tcPr marL="9525" marR="9525" marT="9525" marB="0" anchor="ctr"/>
+                </a:tc>
+                <a:tc>
+                  <a:txBody>
+                    <a:bodyPr/>
+                    <a:lstStyle/>
+                    <a:p>
+                      <a:pPr algn="ctr" fontAlgn="b"/>
+                      <a:r>
+                        <a:rPr lang="en-US"/>
+                        <a:t>12897.7</a:t>
+                      </a:r>
+                    </a:p>
+                  </a:txBody>
+                  <a:tcPr marL="9525" marR="9525" marT="9525" marB="0" anchor="ctr"/>
+                </a:tc>
+                <a:tc>
+                  <a:txBody>
+                    <a:bodyPr/>
+                    <a:lstStyle/>
+                    <a:p>
+                      <a:pPr algn="ctr" fontAlgn="b"/>
+                      <a:r>
+                        <a:rPr lang="en-US"/>
+                        <a:t>532.2</a:t>
+                      </a:r>
+                    </a:p>
+                  </a:txBody>
+                  <a:tcPr marL="9525" marR="9525" marT="9525" marB="0" anchor="ctr"/>
+                </a:tc>
+                <a:tc>
+                  <a:txBody>
+                    <a:bodyPr/>
+                    <a:lstStyle/>
+                    <a:p>
+                      <a:pPr algn="ctr" fontAlgn="b"/>
+                      <a:r>
+                        <a:rPr lang="en-US"/>
+                        <a:t>3471.2</a:t>
+                      </a:r>
+                    </a:p>
+                  </a:txBody>
+                  <a:tcPr marL="9525" marR="9525" marT="9525" marB="0" anchor="ctr"/>
+                </a:tc>
+                <a:tc>
+                  <a:txBody>
+                    <a:bodyPr/>
+                    <a:lstStyle/>
+                    <a:p>
+                      <a:pPr algn="ctr" fontAlgn="b"/>
+                      <a:r>
+                        <a:rPr lang="en-US"/>
+                        <a:t>-506.9</a:t>
+                      </a:r>
+                    </a:p>
+                  </a:txBody>
+                  <a:tcPr marL="9525" marR="9525" marT="9525" marB="0" anchor="ctr"/>
+                </a:tc>
+                <a:tc>
+                  <a:txBody>
+                    <a:bodyPr/>
+                    <a:lstStyle/>
+                    <a:p>
+                      <a:pPr algn="ctr" fontAlgn="b"/>
+                      <a:r>
+                        <a:rPr lang="en-US"/>
+                        <a:t>-143.8</a:t>
+                      </a:r>
+                    </a:p>
+                  </a:txBody>
+                  <a:tcPr marL="9525" marR="9525" marT="9525" marB="0" anchor="ctr"/>
+                </a:tc>
+              </a:tr>
+              <a:tr h="219456">
+                <a:tc>
+                  <a:txBody>
+                    <a:bodyPr/>
+                    <a:lstStyle/>
+                    <a:p>
+                      <a:pPr algn="ctr"/>
+                      <a:r>
+                        <a:rPr lang="en-US" sz="1800" dirty="0" smtClean="0">
+                          <a:solidFill>
+                            <a:srgbClr val="FF0000"/>
+                          </a:solidFill>
+                        </a:rPr>
+                        <a:t> -10% </a:t>
+                      </a:r>
+                      <a:r>
+                        <a:rPr lang="el-GR" sz="1800" dirty="0" smtClean="0">
+                          <a:solidFill>
+                            <a:srgbClr val="FF0000"/>
+                          </a:solidFill>
+                        </a:rPr>
+                        <a:t>ρ</a:t>
+                      </a:r>
+                      <a:r>
+                        <a:rPr lang="en-US" sz="1800" baseline="-25000" dirty="0" smtClean="0">
+                          <a:solidFill>
+                            <a:srgbClr val="FF0000"/>
+                          </a:solidFill>
+                        </a:rPr>
+                        <a:t>0</a:t>
+                      </a:r>
+                      <a:endParaRPr lang="en-US" sz="1800" baseline="-25000" dirty="0">
+                        <a:solidFill>
+                          <a:srgbClr val="FF0000"/>
+                        </a:solidFill>
+                      </a:endParaRPr>
+                    </a:p>
+                  </a:txBody>
+                  <a:tcPr anchor="ctr"/>
+                </a:tc>
+                <a:tc>
+                  <a:txBody>
+                    <a:bodyPr/>
+                    <a:lstStyle/>
+                    <a:p>
+                      <a:pPr algn="ctr" fontAlgn="b"/>
+                      <a:r>
+                        <a:rPr lang="en-US" dirty="0">
+                          <a:solidFill>
+                            <a:srgbClr val="FF0000"/>
+                          </a:solidFill>
+                        </a:rPr>
+                        <a:t>18.94</a:t>
+                      </a:r>
+                    </a:p>
+                  </a:txBody>
+                  <a:tcPr marL="9525" marR="9525" marT="9525" marB="0" anchor="ctr"/>
+                </a:tc>
+                <a:tc>
+                  <a:txBody>
+                    <a:bodyPr/>
+                    <a:lstStyle/>
+                    <a:p>
+                      <a:pPr algn="ctr" fontAlgn="b"/>
+                      <a:r>
+                        <a:rPr lang="en-US">
+                          <a:solidFill>
+                            <a:srgbClr val="FF0000"/>
+                          </a:solidFill>
+                        </a:rPr>
+                        <a:t>12963.6</a:t>
+                      </a:r>
+                    </a:p>
+                  </a:txBody>
+                  <a:tcPr marL="9525" marR="9525" marT="9525" marB="0" anchor="ctr"/>
+                </a:tc>
+                <a:tc>
+                  <a:txBody>
+                    <a:bodyPr/>
+                    <a:lstStyle/>
+                    <a:p>
+                      <a:pPr algn="ctr" fontAlgn="b"/>
+                      <a:r>
+                        <a:rPr lang="en-US">
+                          <a:solidFill>
+                            <a:srgbClr val="FF0000"/>
+                          </a:solidFill>
+                        </a:rPr>
+                        <a:t>614.5</a:t>
+                      </a:r>
+                    </a:p>
+                  </a:txBody>
+                  <a:tcPr marL="9525" marR="9525" marT="9525" marB="0" anchor="ctr"/>
+                </a:tc>
+                <a:tc>
+                  <a:txBody>
+                    <a:bodyPr/>
+                    <a:lstStyle/>
+                    <a:p>
+                      <a:pPr algn="ctr" fontAlgn="b"/>
+                      <a:r>
+                        <a:rPr lang="en-US">
+                          <a:solidFill>
+                            <a:srgbClr val="FF0000"/>
+                          </a:solidFill>
+                        </a:rPr>
+                        <a:t>3355.4</a:t>
+                      </a:r>
+                    </a:p>
+                  </a:txBody>
+                  <a:tcPr marL="9525" marR="9525" marT="9525" marB="0" anchor="ctr"/>
+                </a:tc>
+                <a:tc>
+                  <a:txBody>
+                    <a:bodyPr/>
+                    <a:lstStyle/>
+                    <a:p>
+                      <a:pPr algn="ctr" fontAlgn="b"/>
+                      <a:r>
+                        <a:rPr lang="en-US">
+                          <a:solidFill>
+                            <a:srgbClr val="FF0000"/>
+                          </a:solidFill>
+                        </a:rPr>
+                        <a:t>-532.5</a:t>
+                      </a:r>
+                    </a:p>
+                  </a:txBody>
+                  <a:tcPr marL="9525" marR="9525" marT="9525" marB="0" anchor="ctr"/>
+                </a:tc>
+                <a:tc>
+                  <a:txBody>
+                    <a:bodyPr/>
+                    <a:lstStyle/>
+                    <a:p>
+                      <a:pPr algn="ctr" fontAlgn="b"/>
+                      <a:r>
+                        <a:rPr lang="en-US" dirty="0">
+                          <a:solidFill>
+                            <a:srgbClr val="FF0000"/>
+                          </a:solidFill>
+                        </a:rPr>
+                        <a:t>-132.1</a:t>
+                      </a:r>
+                    </a:p>
+                  </a:txBody>
+                  <a:tcPr marL="9525" marR="9525" marT="9525" marB="0" anchor="ctr"/>
+                </a:tc>
+              </a:tr>
+              <a:tr h="146304">
+                <a:tc>
+                  <a:txBody>
+                    <a:bodyPr/>
+                    <a:lstStyle/>
+                    <a:p>
+                      <a:pPr marL="0" marR="0" indent="0" algn="ctr" defTabSz="914400" rtl="0" eaLnBrk="1" fontAlgn="auto" latinLnBrk="0" hangingPunct="1">
+                        <a:lnSpc>
+                          <a:spcPct val="100000"/>
+                        </a:lnSpc>
+                        <a:spcBef>
+                          <a:spcPts val="0"/>
+                        </a:spcBef>
+                        <a:spcAft>
+                          <a:spcPts val="0"/>
+                        </a:spcAft>
+                        <a:buClrTx/>
+                        <a:buSzTx/>
+                        <a:buFontTx/>
+                        <a:buNone/>
+                        <a:tabLst/>
+                        <a:defRPr/>
+                      </a:pPr>
+                      <a:r>
+                        <a:rPr lang="en-US" sz="1800" dirty="0" smtClean="0"/>
+                        <a:t>+10% </a:t>
+                      </a:r>
+                      <a:r>
+                        <a:rPr lang="el-GR" sz="1800" dirty="0" smtClean="0"/>
+                        <a:t>ρ</a:t>
+                      </a:r>
+                      <a:r>
+                        <a:rPr lang="en-US" sz="1800" baseline="-25000" dirty="0" smtClean="0"/>
+                        <a:t>0</a:t>
+                      </a:r>
+                      <a:endParaRPr lang="en-US" sz="1800" dirty="0" smtClean="0"/>
+                    </a:p>
+                  </a:txBody>
+                  <a:tcPr anchor="ctr"/>
+                </a:tc>
+                <a:tc>
+                  <a:txBody>
+                    <a:bodyPr/>
+                    <a:lstStyle/>
+                    <a:p>
+                      <a:pPr algn="ctr" fontAlgn="b"/>
+                      <a:r>
+                        <a:rPr lang="en-US" dirty="0"/>
+                        <a:t>17.74</a:t>
+                      </a:r>
+                    </a:p>
+                  </a:txBody>
+                  <a:tcPr marL="9525" marR="9525" marT="9525" marB="0" anchor="ctr"/>
+                </a:tc>
+                <a:tc>
+                  <a:txBody>
+                    <a:bodyPr/>
+                    <a:lstStyle/>
+                    <a:p>
+                      <a:pPr algn="ctr" fontAlgn="b"/>
+                      <a:r>
+                        <a:rPr lang="en-US"/>
+                        <a:t>11790.4</a:t>
+                      </a:r>
+                    </a:p>
+                  </a:txBody>
+                  <a:tcPr marL="9525" marR="9525" marT="9525" marB="0" anchor="ctr"/>
+                </a:tc>
+                <a:tc>
+                  <a:txBody>
+                    <a:bodyPr/>
+                    <a:lstStyle/>
+                    <a:p>
+                      <a:pPr algn="ctr" fontAlgn="b"/>
+                      <a:r>
+                        <a:rPr lang="en-US"/>
+                        <a:t>198.7</a:t>
+                      </a:r>
+                    </a:p>
+                  </a:txBody>
+                  <a:tcPr marL="9525" marR="9525" marT="9525" marB="0" anchor="ctr"/>
+                </a:tc>
+                <a:tc>
+                  <a:txBody>
+                    <a:bodyPr/>
+                    <a:lstStyle/>
+                    <a:p>
+                      <a:pPr algn="ctr" fontAlgn="b"/>
+                      <a:r>
+                        <a:rPr lang="en-US"/>
+                        <a:t>3502.2</a:t>
+                      </a:r>
+                    </a:p>
+                  </a:txBody>
+                  <a:tcPr marL="9525" marR="9525" marT="9525" marB="0" anchor="ctr"/>
+                </a:tc>
+                <a:tc>
+                  <a:txBody>
+                    <a:bodyPr/>
+                    <a:lstStyle/>
+                    <a:p>
+                      <a:pPr algn="ctr" fontAlgn="b"/>
+                      <a:r>
+                        <a:rPr lang="en-US"/>
+                        <a:t>-478.6</a:t>
+                      </a:r>
+                    </a:p>
+                  </a:txBody>
+                  <a:tcPr marL="9525" marR="9525" marT="9525" marB="0" anchor="ctr"/>
+                </a:tc>
+                <a:tc>
+                  <a:txBody>
+                    <a:bodyPr/>
+                    <a:lstStyle/>
+                    <a:p>
+                      <a:pPr algn="ctr" fontAlgn="b"/>
+                      <a:r>
+                        <a:rPr lang="en-US"/>
+                        <a:t>-151.0</a:t>
+                      </a:r>
+                    </a:p>
+                  </a:txBody>
+                  <a:tcPr marL="9525" marR="9525" marT="9525" marB="0" anchor="ctr"/>
+                </a:tc>
+              </a:tr>
+              <a:tr h="182880">
+                <a:tc>
+                  <a:txBody>
+                    <a:bodyPr/>
+                    <a:lstStyle/>
+                    <a:p>
+                      <a:pPr algn="ctr"/>
+                      <a:r>
+                        <a:rPr lang="en-US" sz="1800" dirty="0" smtClean="0">
+                          <a:solidFill>
+                            <a:srgbClr val="FF0000"/>
+                          </a:solidFill>
+                        </a:rPr>
+                        <a:t> -10% h</a:t>
+                      </a:r>
+                      <a:r>
+                        <a:rPr lang="en-US" sz="1800" baseline="-25000" dirty="0" smtClean="0">
+                          <a:solidFill>
+                            <a:srgbClr val="FF0000"/>
+                          </a:solidFill>
+                        </a:rPr>
+                        <a:t>s</a:t>
+                      </a:r>
+                      <a:endParaRPr lang="en-US" sz="1800" baseline="-25000" dirty="0">
+                        <a:solidFill>
+                          <a:srgbClr val="FF0000"/>
+                        </a:solidFill>
+                      </a:endParaRPr>
+                    </a:p>
+                  </a:txBody>
+                  <a:tcPr anchor="ctr"/>
+                </a:tc>
+                <a:tc>
+                  <a:txBody>
+                    <a:bodyPr/>
+                    <a:lstStyle/>
+                    <a:p>
+                      <a:pPr algn="ctr" fontAlgn="b"/>
+                      <a:r>
+                        <a:rPr lang="en-US" dirty="0">
+                          <a:solidFill>
+                            <a:srgbClr val="FF0000"/>
+                          </a:solidFill>
+                        </a:rPr>
+                        <a:t>18.92</a:t>
+                      </a:r>
+                    </a:p>
+                  </a:txBody>
+                  <a:tcPr marL="9525" marR="9525" marT="9525" marB="0" anchor="ctr"/>
+                </a:tc>
+                <a:tc>
+                  <a:txBody>
+                    <a:bodyPr/>
+                    <a:lstStyle/>
+                    <a:p>
+                      <a:pPr algn="ctr" fontAlgn="b"/>
+                      <a:r>
+                        <a:rPr lang="en-US">
+                          <a:solidFill>
+                            <a:srgbClr val="FF0000"/>
+                          </a:solidFill>
+                        </a:rPr>
+                        <a:t>15130.6</a:t>
+                      </a:r>
+                    </a:p>
+                  </a:txBody>
+                  <a:tcPr marL="9525" marR="9525" marT="9525" marB="0" anchor="ctr"/>
+                </a:tc>
+                <a:tc>
+                  <a:txBody>
+                    <a:bodyPr/>
+                    <a:lstStyle/>
+                    <a:p>
+                      <a:pPr algn="ctr" fontAlgn="b"/>
+                      <a:r>
+                        <a:rPr lang="en-US">
+                          <a:solidFill>
+                            <a:srgbClr val="FF0000"/>
+                          </a:solidFill>
+                        </a:rPr>
+                        <a:t>265.2</a:t>
+                      </a:r>
+                    </a:p>
+                  </a:txBody>
+                  <a:tcPr marL="9525" marR="9525" marT="9525" marB="0" anchor="ctr"/>
+                </a:tc>
+                <a:tc>
+                  <a:txBody>
+                    <a:bodyPr/>
+                    <a:lstStyle/>
+                    <a:p>
+                      <a:pPr algn="ctr" fontAlgn="b"/>
+                      <a:r>
+                        <a:rPr lang="en-US">
+                          <a:solidFill>
+                            <a:srgbClr val="FF0000"/>
+                          </a:solidFill>
+                        </a:rPr>
+                        <a:t>3154.6</a:t>
+                      </a:r>
+                    </a:p>
+                  </a:txBody>
+                  <a:tcPr marL="9525" marR="9525" marT="9525" marB="0" anchor="ctr"/>
+                </a:tc>
+                <a:tc>
+                  <a:txBody>
+                    <a:bodyPr/>
+                    <a:lstStyle/>
+                    <a:p>
+                      <a:pPr algn="ctr" fontAlgn="b"/>
+                      <a:r>
+                        <a:rPr lang="en-US">
+                          <a:solidFill>
+                            <a:srgbClr val="FF0000"/>
+                          </a:solidFill>
+                        </a:rPr>
+                        <a:t>-513.4</a:t>
+                      </a:r>
+                    </a:p>
+                  </a:txBody>
+                  <a:tcPr marL="9525" marR="9525" marT="9525" marB="0" anchor="ctr"/>
+                </a:tc>
+                <a:tc>
+                  <a:txBody>
+                    <a:bodyPr/>
+                    <a:lstStyle/>
+                    <a:p>
+                      <a:pPr algn="ctr" fontAlgn="b"/>
+                      <a:r>
+                        <a:rPr lang="en-US" dirty="0">
+                          <a:solidFill>
+                            <a:srgbClr val="FF0000"/>
+                          </a:solidFill>
+                        </a:rPr>
+                        <a:t>-137.7</a:t>
+                      </a:r>
+                    </a:p>
+                  </a:txBody>
+                  <a:tcPr marL="9525" marR="9525" marT="9525" marB="0" anchor="ctr"/>
+                </a:tc>
+              </a:tr>
+              <a:tr h="182880">
+                <a:tc>
+                  <a:txBody>
+                    <a:bodyPr/>
+                    <a:lstStyle/>
+                    <a:p>
+                      <a:pPr marL="0" marR="0" indent="0" algn="ctr" defTabSz="914400" rtl="0" eaLnBrk="1" fontAlgn="auto" latinLnBrk="0" hangingPunct="1">
+                        <a:lnSpc>
+                          <a:spcPct val="100000"/>
+                        </a:lnSpc>
+                        <a:spcBef>
+                          <a:spcPts val="0"/>
+                        </a:spcBef>
+                        <a:spcAft>
+                          <a:spcPts val="0"/>
+                        </a:spcAft>
+                        <a:buClrTx/>
+                        <a:buSzTx/>
+                        <a:buFontTx/>
+                        <a:buNone/>
+                        <a:tabLst/>
+                        <a:defRPr/>
+                      </a:pPr>
+                      <a:r>
+                        <a:rPr lang="en-US" sz="1800" dirty="0" smtClean="0"/>
+                        <a:t>+10% h</a:t>
+                      </a:r>
+                      <a:r>
+                        <a:rPr lang="en-US" sz="1800" baseline="-25000" dirty="0" smtClean="0"/>
+                        <a:t>s</a:t>
+                      </a:r>
+                    </a:p>
+                  </a:txBody>
+                  <a:tcPr anchor="ctr"/>
+                </a:tc>
+                <a:tc>
+                  <a:txBody>
+                    <a:bodyPr/>
+                    <a:lstStyle/>
+                    <a:p>
+                      <a:pPr algn="ctr" fontAlgn="b"/>
+                      <a:r>
+                        <a:rPr lang="en-US" dirty="0"/>
+                        <a:t>17.82</a:t>
+                      </a:r>
+                    </a:p>
+                  </a:txBody>
+                  <a:tcPr marL="9525" marR="9525" marT="9525" marB="0" anchor="ctr"/>
+                </a:tc>
+                <a:tc>
+                  <a:txBody>
+                    <a:bodyPr/>
+                    <a:lstStyle/>
+                    <a:p>
+                      <a:pPr algn="ctr" fontAlgn="b"/>
+                      <a:r>
+                        <a:rPr lang="en-US"/>
+                        <a:t>10722.2</a:t>
+                      </a:r>
+                    </a:p>
+                  </a:txBody>
+                  <a:tcPr marL="9525" marR="9525" marT="9525" marB="0" anchor="ctr"/>
+                </a:tc>
+                <a:tc>
+                  <a:txBody>
+                    <a:bodyPr/>
+                    <a:lstStyle/>
+                    <a:p>
+                      <a:pPr algn="ctr" fontAlgn="b"/>
+                      <a:r>
+                        <a:rPr lang="en-US"/>
+                        <a:t>438.8</a:t>
+                      </a:r>
+                    </a:p>
+                  </a:txBody>
+                  <a:tcPr marL="9525" marR="9525" marT="9525" marB="0" anchor="ctr"/>
+                </a:tc>
+                <a:tc>
+                  <a:txBody>
+                    <a:bodyPr/>
+                    <a:lstStyle/>
+                    <a:p>
+                      <a:pPr algn="ctr" fontAlgn="b"/>
+                      <a:r>
+                        <a:rPr lang="en-US"/>
+                        <a:t>3330.6</a:t>
+                      </a:r>
+                    </a:p>
+                  </a:txBody>
+                  <a:tcPr marL="9525" marR="9525" marT="9525" marB="0" anchor="ctr"/>
+                </a:tc>
+                <a:tc>
+                  <a:txBody>
+                    <a:bodyPr/>
+                    <a:lstStyle/>
+                    <a:p>
+                      <a:pPr algn="ctr" fontAlgn="b"/>
+                      <a:r>
+                        <a:rPr lang="en-US"/>
+                        <a:t>-483.4</a:t>
+                      </a:r>
+                    </a:p>
+                  </a:txBody>
+                  <a:tcPr marL="9525" marR="9525" marT="9525" marB="0" anchor="ctr"/>
+                </a:tc>
+                <a:tc>
+                  <a:txBody>
+                    <a:bodyPr/>
+                    <a:lstStyle/>
+                    <a:p>
+                      <a:pPr algn="ctr" fontAlgn="b"/>
+                      <a:r>
+                        <a:rPr lang="en-US" dirty="0"/>
+                        <a:t>-149.7</a:t>
+                      </a:r>
+                    </a:p>
+                  </a:txBody>
+                  <a:tcPr marL="9525" marR="9525" marT="9525" marB="0" anchor="ctr"/>
+                </a:tc>
+              </a:tr>
+            </a:tbl>
+          </a:graphicData>
+        </a:graphic>
+      </p:graphicFrame>
+    </p:spTree>
+    <p:extLst>
+      <p:ext uri="{BB962C8B-B14F-4D97-AF65-F5344CB8AC3E}">
+        <p14:creationId xmlns:p14="http://schemas.microsoft.com/office/powerpoint/2010/main" val="3527119044"/>
+      </p:ext>
+    </p:extLst>
+  </p:cSld>
+  <p:clrMapOvr>
+    <a:masterClrMapping/>
+  </p:clrMapOvr>
+</p:sld>
+</file>
+
+<file path=ppt/slides/slide15.xml><?xml version="1.0" encoding="utf-8"?>
+<p:sld xmlns:a="http://schemas.openxmlformats.org/drawingml/2006/main" xmlns:r="http://schemas.openxmlformats.org/officeDocument/2006/relationships" xmlns:p="http://schemas.openxmlformats.org/presentationml/2006/main">
+  <p:cSld>
+    <p:spTree>
+      <p:nvGrpSpPr>
+        <p:cNvPr id="1" name=""/>
+        <p:cNvGrpSpPr/>
+        <p:nvPr/>
+      </p:nvGrpSpPr>
+      <p:grpSpPr>
+        <a:xfrm>
+          <a:off x="0" y="0"/>
+          <a:ext cx="0" cy="0"/>
+          <a:chOff x="0" y="0"/>
+          <a:chExt cx="0" cy="0"/>
+        </a:xfrm>
+      </p:grpSpPr>
+      <p:graphicFrame>
+        <p:nvGraphicFramePr>
+          <p:cNvPr id="3" name="Table 2"/>
+          <p:cNvGraphicFramePr>
+            <a:graphicFrameLocks noGrp="1"/>
+          </p:cNvGraphicFramePr>
+          <p:nvPr>
+            <p:extLst>
+              <p:ext uri="{D42A27DB-BD31-4B8C-83A1-F6EECF244321}">
+                <p14:modId xmlns:p14="http://schemas.microsoft.com/office/powerpoint/2010/main" val="3318900611"/>
+              </p:ext>
+            </p:extLst>
+          </p:nvPr>
+        </p:nvGraphicFramePr>
+        <p:xfrm>
+          <a:off x="320158" y="304996"/>
+          <a:ext cx="5655340" cy="2565400"/>
+        </p:xfrm>
+        <a:graphic>
+          <a:graphicData uri="http://schemas.openxmlformats.org/drawingml/2006/table">
+            <a:tbl>
+              <a:tblPr firstRow="1" bandRow="1">
+                <a:tableStyleId>{D7AC3CCA-C797-4891-BE02-D94E43425B78}</a:tableStyleId>
+              </a:tblPr>
+              <a:tblGrid>
+                <a:gridCol w="3071628"/>
+                <a:gridCol w="1318438"/>
+                <a:gridCol w="1265274"/>
+              </a:tblGrid>
+              <a:tr h="185420">
                 <a:tc>
                   <a:txBody>
                     <a:bodyPr/>
@@ -8440,6 +10446,159 @@
                       <a:r>
                         <a:rPr lang="en-US" dirty="0" smtClean="0"/>
                         <a:t>Units</a:t>
+                      </a:r>
+                      <a:endParaRPr lang="en-US" dirty="0"/>
+                    </a:p>
+                  </a:txBody>
+                  <a:tcPr/>
+                </a:tc>
+              </a:tr>
+              <a:tr h="185420">
+                <a:tc>
+                  <a:txBody>
+                    <a:bodyPr/>
+                    <a:lstStyle/>
+                    <a:p>
+                      <a:pPr algn="ctr"/>
+                      <a:r>
+                        <a:rPr lang="en-US" dirty="0" smtClean="0"/>
+                        <a:t>Ballistic </a:t>
+                      </a:r>
+                      <a:r>
+                        <a:rPr lang="en-US" dirty="0" smtClean="0"/>
+                        <a:t>coefficient</a:t>
+                      </a:r>
+                      <a:endParaRPr lang="en-US" dirty="0"/>
+                    </a:p>
+                  </a:txBody>
+                  <a:tcPr/>
+                </a:tc>
+                <a:tc>
+                  <a:txBody>
+                    <a:bodyPr/>
+                    <a:lstStyle/>
+                    <a:p>
+                      <a:pPr algn="ctr"/>
+                      <a:r>
+                        <a:rPr lang="en-US" dirty="0" smtClean="0"/>
+                        <a:t>310</a:t>
+                      </a:r>
+                      <a:endParaRPr lang="en-US" dirty="0"/>
+                    </a:p>
+                  </a:txBody>
+                  <a:tcPr/>
+                </a:tc>
+                <a:tc>
+                  <a:txBody>
+                    <a:bodyPr/>
+                    <a:lstStyle/>
+                    <a:p>
+                      <a:pPr algn="ctr"/>
+                      <a:r>
+                        <a:rPr lang="en-US" dirty="0" smtClean="0"/>
+                        <a:t>kg/m</a:t>
+                      </a:r>
+                      <a:r>
+                        <a:rPr lang="en-US" baseline="30000" dirty="0" smtClean="0"/>
+                        <a:t>2</a:t>
+                      </a:r>
+                      <a:endParaRPr lang="en-US" baseline="30000" dirty="0"/>
+                    </a:p>
+                  </a:txBody>
+                  <a:tcPr/>
+                </a:tc>
+              </a:tr>
+              <a:tr h="185420">
+                <a:tc>
+                  <a:txBody>
+                    <a:bodyPr/>
+                    <a:lstStyle/>
+                    <a:p>
+                      <a:pPr algn="ctr"/>
+                      <a:r>
+                        <a:rPr lang="en-US" dirty="0" smtClean="0"/>
+                        <a:t>Lift</a:t>
+                      </a:r>
+                      <a:r>
+                        <a:rPr lang="en-US" baseline="0" dirty="0" smtClean="0"/>
+                        <a:t> to drag ratio</a:t>
+                      </a:r>
+                      <a:endParaRPr lang="en-US" dirty="0"/>
+                    </a:p>
+                  </a:txBody>
+                  <a:tcPr/>
+                </a:tc>
+                <a:tc>
+                  <a:txBody>
+                    <a:bodyPr/>
+                    <a:lstStyle/>
+                    <a:p>
+                      <a:pPr algn="ctr"/>
+                      <a:r>
+                        <a:rPr lang="en-US" dirty="0" smtClean="0"/>
+                        <a:t>0.24</a:t>
+                      </a:r>
+                      <a:endParaRPr lang="en-US" dirty="0"/>
+                    </a:p>
+                  </a:txBody>
+                  <a:tcPr/>
+                </a:tc>
+                <a:tc>
+                  <a:txBody>
+                    <a:bodyPr/>
+                    <a:lstStyle/>
+                    <a:p>
+                      <a:pPr algn="ctr"/>
+                      <a:r>
+                        <a:rPr lang="en-US" dirty="0" smtClean="0"/>
+                        <a:t>-</a:t>
+                      </a:r>
+                      <a:endParaRPr lang="en-US" dirty="0"/>
+                    </a:p>
+                  </a:txBody>
+                  <a:tcPr/>
+                </a:tc>
+              </a:tr>
+              <a:tr h="185420">
+                <a:tc>
+                  <a:txBody>
+                    <a:bodyPr/>
+                    <a:lstStyle/>
+                    <a:p>
+                      <a:pPr algn="ctr"/>
+                      <a:r>
+                        <a:rPr lang="en-US" dirty="0" smtClean="0"/>
+                        <a:t>Bank angle magnitude limit</a:t>
+                      </a:r>
+                      <a:endParaRPr lang="en-US" dirty="0"/>
+                    </a:p>
+                  </a:txBody>
+                  <a:tcPr/>
+                </a:tc>
+                <a:tc>
+                  <a:txBody>
+                    <a:bodyPr/>
+                    <a:lstStyle/>
+                    <a:p>
+                      <a:pPr algn="ctr"/>
+                      <a:r>
+                        <a:rPr lang="en-US" dirty="0" smtClean="0"/>
+                        <a:t>90</a:t>
+                      </a:r>
+                      <a:endParaRPr lang="en-US" dirty="0"/>
+                    </a:p>
+                  </a:txBody>
+                  <a:tcPr/>
+                </a:tc>
+                <a:tc>
+                  <a:txBody>
+                    <a:bodyPr/>
+                    <a:lstStyle/>
+                    <a:p>
+                      <a:pPr algn="ctr"/>
+                      <a:r>
+                        <a:rPr lang="en-US" dirty="0" smtClean="0"/>
+                        <a:t>deg</a:t>
                       </a:r>
                       <a:endParaRPr lang="en-US" dirty="0"/>
                     </a:p>
@@ -8456,7 +10615,7 @@
                       <a:pPr algn="ctr"/>
                       <a:r>
                         <a:rPr lang="en-US" dirty="0" smtClean="0"/>
-                        <a:t>Ballistic Coefficient</a:t>
+                        <a:t>Bank angle rate limit</a:t>
                       </a:r>
                       <a:endParaRPr lang="en-US" dirty="0"/>
                     </a:p>
@@ -8471,7 +10630,7 @@
                       <a:pPr algn="ctr"/>
                       <a:r>
                         <a:rPr lang="en-US" dirty="0" smtClean="0"/>
-                        <a:t>310</a:t>
+                        <a:t>10</a:t>
                       </a:r>
                       <a:endParaRPr lang="en-US" dirty="0"/>
                     </a:p>
@@ -8486,19 +10645,15 @@
                       <a:pPr algn="ctr"/>
                       <a:r>
                         <a:rPr lang="en-US" dirty="0" smtClean="0"/>
-                        <a:t>kg/m</a:t>
-                      </a:r>
-                      <a:r>
-                        <a:rPr lang="en-US" baseline="30000" dirty="0" smtClean="0"/>
-                        <a:t>2</a:t>
-                      </a:r>
-                      <a:endParaRPr lang="en-US" baseline="30000" dirty="0"/>
+                        <a:t>deg/s</a:t>
+                      </a:r>
+                      <a:endParaRPr lang="en-US" dirty="0"/>
                     </a:p>
                   </a:txBody>
                   <a:tcPr/>
                 </a:tc>
               </a:tr>
-              <a:tr h="370840">
+              <a:tr h="185420">
                 <a:tc>
                   <a:txBody>
                     <a:bodyPr/>
@@ -8507,11 +10662,11 @@
                       <a:pPr algn="ctr"/>
                       <a:r>
                         <a:rPr lang="en-US" dirty="0" smtClean="0"/>
-                        <a:t>Lift</a:t>
+                        <a:t>Initial thrust</a:t>
                       </a:r>
                       <a:r>
                         <a:rPr lang="en-US" baseline="0" dirty="0" smtClean="0"/>
-                        <a:t> to drag ratio</a:t>
+                        <a:t> to weight ratio</a:t>
                       </a:r>
                       <a:endParaRPr lang="en-US" dirty="0"/>
                     </a:p>
@@ -8526,7 +10681,7 @@
                       <a:pPr algn="ctr"/>
                       <a:r>
                         <a:rPr lang="en-US" dirty="0" smtClean="0"/>
-                        <a:t>0.24</a:t>
+                        <a:t>4</a:t>
                       </a:r>
                       <a:endParaRPr lang="en-US" dirty="0"/>
                     </a:p>
@@ -8549,7 +10704,7 @@
                   <a:tcPr/>
                 </a:tc>
               </a:tr>
-              <a:tr h="370840">
+              <a:tr h="185420">
                 <a:tc>
                   <a:txBody>
                     <a:bodyPr/>
@@ -8558,11 +10713,7 @@
                       <a:pPr algn="ctr"/>
                       <a:r>
                         <a:rPr lang="en-US" dirty="0" smtClean="0"/>
-                        <a:t>Initial thrust</a:t>
-                      </a:r>
-                      <a:r>
-                        <a:rPr lang="en-US" baseline="0" dirty="0" smtClean="0"/>
-                        <a:t> to weight ratio</a:t>
+                        <a:t>Specific Impulse</a:t>
                       </a:r>
                       <a:endParaRPr lang="en-US" dirty="0"/>
                     </a:p>
@@ -8577,7 +10728,7 @@
                       <a:pPr algn="ctr"/>
                       <a:r>
                         <a:rPr lang="en-US" dirty="0" smtClean="0"/>
-                        <a:t>4</a:t>
+                        <a:t>295</a:t>
                       </a:r>
                       <a:endParaRPr lang="en-US" dirty="0"/>
                     </a:p>
@@ -8592,78 +10743,8 @@
                       <a:pPr algn="ctr"/>
                       <a:r>
                         <a:rPr lang="en-US" dirty="0" smtClean="0"/>
-                        <a:t>-</a:t>
-                      </a:r>
-                      <a:endParaRPr lang="en-US" dirty="0"/>
-                    </a:p>
-                  </a:txBody>
-                  <a:tcPr/>
-                </a:tc>
-              </a:tr>
-              <a:tr h="370840">
-                <a:tc>
-                  <a:txBody>
-                    <a:bodyPr/>
-                    <a:lstStyle/>
-                    <a:p>
-                      <a:pPr algn="ctr"/>
-                      <a:endParaRPr lang="en-US" dirty="0"/>
-                    </a:p>
-                  </a:txBody>
-                  <a:tcPr/>
-                </a:tc>
-                <a:tc>
-                  <a:txBody>
-                    <a:bodyPr/>
-                    <a:lstStyle/>
-                    <a:p>
-                      <a:pPr algn="ctr"/>
-                      <a:endParaRPr lang="en-US" dirty="0"/>
-                    </a:p>
-                  </a:txBody>
-                  <a:tcPr/>
-                </a:tc>
-                <a:tc>
-                  <a:txBody>
-                    <a:bodyPr/>
-                    <a:lstStyle/>
-                    <a:p>
-                      <a:pPr algn="ctr"/>
-                      <a:endParaRPr lang="en-US" dirty="0"/>
-                    </a:p>
-                  </a:txBody>
-                  <a:tcPr/>
-                </a:tc>
-              </a:tr>
-              <a:tr h="370840">
-                <a:tc>
-                  <a:txBody>
-                    <a:bodyPr/>
-                    <a:lstStyle/>
-                    <a:p>
-                      <a:pPr algn="ctr"/>
-                      <a:endParaRPr lang="en-US" dirty="0"/>
-                    </a:p>
-                  </a:txBody>
-                  <a:tcPr/>
-                </a:tc>
-                <a:tc>
-                  <a:txBody>
-                    <a:bodyPr/>
-                    <a:lstStyle/>
-                    <a:p>
-                      <a:pPr algn="ctr"/>
-                      <a:endParaRPr lang="en-US"/>
-                    </a:p>
-                  </a:txBody>
-                  <a:tcPr/>
-                </a:tc>
-                <a:tc>
-                  <a:txBody>
-                    <a:bodyPr/>
-                    <a:lstStyle/>
-                    <a:p>
-                      <a:pPr algn="ctr"/>
+                        <a:t>s</a:t>
+                      </a:r>
                       <a:endParaRPr lang="en-US" dirty="0"/>
                     </a:p>
                   </a:txBody>
@@ -8683,14 +10764,14 @@
           <p:nvPr>
             <p:extLst>
               <p:ext uri="{D42A27DB-BD31-4B8C-83A1-F6EECF244321}">
-                <p14:modId xmlns:p14="http://schemas.microsoft.com/office/powerpoint/2010/main" val="2136659515"/>
+                <p14:modId xmlns:p14="http://schemas.microsoft.com/office/powerpoint/2010/main" val="3160828509"/>
               </p:ext>
             </p:extLst>
           </p:nvPr>
         </p:nvGraphicFramePr>
         <p:xfrm>
-          <a:off x="370676" y="4187520"/>
-          <a:ext cx="8127999" cy="2225040"/>
+          <a:off x="431843" y="3320088"/>
+          <a:ext cx="4596740" cy="3312160"/>
         </p:xfrm>
         <a:graphic>
           <a:graphicData uri="http://schemas.openxmlformats.org/drawingml/2006/table">
@@ -8699,9 +10780,9 @@
                 <a:tableStyleId>{D7AC3CCA-C797-4891-BE02-D94E43425B78}</a:tableStyleId>
               </a:tblPr>
               <a:tblGrid>
-                <a:gridCol w="3395023"/>
-                <a:gridCol w="2023643"/>
-                <a:gridCol w="2709333"/>
+                <a:gridCol w="2298383"/>
+                <a:gridCol w="1213740"/>
+                <a:gridCol w="1084617"/>
               </a:tblGrid>
               <a:tr h="370840">
                 <a:tc>
@@ -8712,12 +10793,12 @@
                       <a:pPr algn="ctr"/>
                       <a:r>
                         <a:rPr lang="en-US" dirty="0" smtClean="0"/>
-                        <a:t>Property</a:t>
+                        <a:t>Quantity</a:t>
                       </a:r>
                       <a:endParaRPr lang="en-US" dirty="0"/>
                     </a:p>
                   </a:txBody>
-                  <a:tcPr/>
+                  <a:tcPr anchor="ctr"/>
                 </a:tc>
                 <a:tc>
                   <a:txBody>
@@ -8727,16 +10808,12 @@
                       <a:pPr algn="ctr"/>
                       <a:r>
                         <a:rPr lang="en-US" dirty="0" smtClean="0"/>
-                        <a:t>3</a:t>
-                      </a:r>
-                      <a:r>
-                        <a:rPr lang="el-GR" dirty="0" smtClean="0"/>
-                        <a:t>σ</a:t>
+                        <a:t>Nominal</a:t>
                       </a:r>
                       <a:endParaRPr lang="en-US" dirty="0"/>
                     </a:p>
                   </a:txBody>
-                  <a:tcPr/>
+                  <a:tcPr anchor="ctr"/>
                 </a:tc>
                 <a:tc>
                   <a:txBody>
@@ -8746,12 +10823,16 @@
                       <a:pPr algn="ctr"/>
                       <a:r>
                         <a:rPr lang="en-US" dirty="0" smtClean="0"/>
-                        <a:t>Units</a:t>
+                        <a:t>3</a:t>
+                      </a:r>
+                      <a:r>
+                        <a:rPr lang="el-GR" dirty="0" smtClean="0"/>
+                        <a:t>σ</a:t>
                       </a:r>
                       <a:endParaRPr lang="en-US" dirty="0"/>
                     </a:p>
                   </a:txBody>
-                  <a:tcPr/>
+                  <a:tcPr anchor="ctr"/>
                 </a:tc>
               </a:tr>
               <a:tr h="370840">
@@ -8760,7 +10841,7 @@
                     <a:bodyPr/>
                     <a:lstStyle/>
                     <a:p>
-                      <a:pPr algn="ctr"/>
+                      <a:pPr algn="l"/>
                       <a:r>
                         <a:rPr lang="en-US" dirty="0" smtClean="0"/>
                         <a:t>Lift coefficient</a:t>
@@ -8768,7 +10849,7 @@
                       <a:endParaRPr lang="en-US" dirty="0"/>
                     </a:p>
                   </a:txBody>
-                  <a:tcPr/>
+                  <a:tcPr anchor="ctr"/>
                 </a:tc>
                 <a:tc>
                   <a:txBody>
@@ -8776,10 +10857,14 @@
                     <a:lstStyle/>
                     <a:p>
                       <a:pPr algn="ctr"/>
+                      <a:r>
+                        <a:rPr lang="en-US" dirty="0" smtClean="0"/>
+                        <a:t>0.35</a:t>
+                      </a:r>
                       <a:endParaRPr lang="en-US" dirty="0"/>
                     </a:p>
                   </a:txBody>
-                  <a:tcPr/>
+                  <a:tcPr anchor="ctr"/>
                 </a:tc>
                 <a:tc>
                   <a:txBody>
@@ -8789,16 +10874,12 @@
                       <a:pPr algn="ctr"/>
                       <a:r>
                         <a:rPr lang="en-US" dirty="0" smtClean="0"/>
-                        <a:t>kg/m</a:t>
-                      </a:r>
-                      <a:r>
-                        <a:rPr lang="en-US" baseline="30000" dirty="0" smtClean="0"/>
-                        <a:t>2</a:t>
-                      </a:r>
-                      <a:endParaRPr lang="en-US" baseline="30000" dirty="0"/>
+                        <a:t>10%</a:t>
+                      </a:r>
+                      <a:endParaRPr lang="en-US" dirty="0"/>
                     </a:p>
                   </a:txBody>
-                  <a:tcPr/>
+                  <a:tcPr anchor="ctr"/>
                 </a:tc>
               </a:tr>
               <a:tr h="370840">
@@ -8807,7 +10888,7 @@
                     <a:bodyPr/>
                     <a:lstStyle/>
                     <a:p>
-                      <a:pPr algn="ctr"/>
+                      <a:pPr algn="l"/>
                       <a:r>
                         <a:rPr lang="en-US" dirty="0" smtClean="0"/>
                         <a:t>Drag coefficient</a:t>
@@ -8815,7 +10896,7 @@
                       <a:endParaRPr lang="en-US" dirty="0"/>
                     </a:p>
                   </a:txBody>
-                  <a:tcPr/>
+                  <a:tcPr anchor="ctr"/>
                 </a:tc>
                 <a:tc>
                   <a:txBody>
@@ -8825,12 +10906,12 @@
                       <a:pPr algn="ctr"/>
                       <a:r>
                         <a:rPr lang="en-US" dirty="0" smtClean="0"/>
-                        <a:t>0.24</a:t>
+                        <a:t>1.46</a:t>
                       </a:r>
                       <a:endParaRPr lang="en-US" dirty="0"/>
                     </a:p>
                   </a:txBody>
-                  <a:tcPr/>
+                  <a:tcPr anchor="ctr"/>
                 </a:tc>
                 <a:tc>
                   <a:txBody>
@@ -8840,12 +10921,121 @@
                       <a:pPr algn="ctr"/>
                       <a:r>
                         <a:rPr lang="en-US" dirty="0" smtClean="0"/>
-                        <a:t>-</a:t>
+                        <a:t>10%</a:t>
                       </a:r>
                       <a:endParaRPr lang="en-US" dirty="0"/>
                     </a:p>
                   </a:txBody>
-                  <a:tcPr/>
+                  <a:tcPr anchor="ctr"/>
+                </a:tc>
+              </a:tr>
+              <a:tr h="185420">
+                <a:tc>
+                  <a:txBody>
+                    <a:bodyPr/>
+                    <a:lstStyle/>
+                    <a:p>
+                      <a:pPr algn="l"/>
+                      <a:r>
+                        <a:rPr lang="en-US" dirty="0" smtClean="0"/>
+                        <a:t>Entry radius</a:t>
+                      </a:r>
+                      <a:endParaRPr lang="en-US" dirty="0"/>
+                    </a:p>
+                  </a:txBody>
+                  <a:tcPr anchor="ctr"/>
+                </a:tc>
+                <a:tc>
+                  <a:txBody>
+                    <a:bodyPr/>
+                    <a:lstStyle/>
+                    <a:p>
+                      <a:pPr algn="ctr"/>
+                      <a:r>
+                        <a:rPr lang="en-US" dirty="0" smtClean="0"/>
+                        <a:t>3522 km</a:t>
+                      </a:r>
+                      <a:endParaRPr lang="en-US" dirty="0"/>
+                    </a:p>
+                  </a:txBody>
+                  <a:tcPr anchor="ctr"/>
+                </a:tc>
+                <a:tc>
+                  <a:txBody>
+                    <a:bodyPr/>
+                    <a:lstStyle/>
+                    <a:p>
+                      <a:pPr algn="ctr"/>
+                      <a:r>
+                        <a:rPr lang="en-US" dirty="0" smtClean="0"/>
+                        <a:t>0</a:t>
+                      </a:r>
+                      <a:endParaRPr lang="en-US" dirty="0"/>
+                    </a:p>
+                  </a:txBody>
+                  <a:tcPr anchor="ctr"/>
+                </a:tc>
+              </a:tr>
+              <a:tr h="185420">
+                <a:tc>
+                  <a:txBody>
+                    <a:bodyPr/>
+                    <a:lstStyle/>
+                    <a:p>
+                      <a:pPr marL="0" marR="0" indent="0" algn="l" defTabSz="914400" rtl="0" eaLnBrk="1" fontAlgn="auto" latinLnBrk="0" hangingPunct="1">
+                        <a:lnSpc>
+                          <a:spcPct val="100000"/>
+                        </a:lnSpc>
+                        <a:spcBef>
+                          <a:spcPts val="0"/>
+                        </a:spcBef>
+                        <a:spcAft>
+                          <a:spcPts val="0"/>
+                        </a:spcAft>
+                        <a:buClrTx/>
+                        <a:buSzTx/>
+                        <a:buFontTx/>
+                        <a:buNone/>
+                        <a:tabLst/>
+                        <a:defRPr/>
+                      </a:pPr>
+                      <a:r>
+                        <a:rPr lang="en-US" dirty="0" smtClean="0"/>
+                        <a:t>Entry longitude</a:t>
+                      </a:r>
+                    </a:p>
+                  </a:txBody>
+                  <a:tcPr anchor="ctr"/>
+                </a:tc>
+                <a:tc>
+                  <a:txBody>
+                    <a:bodyPr/>
+                    <a:lstStyle/>
+                    <a:p>
+                      <a:pPr algn="ctr"/>
+                      <a:r>
+                        <a:rPr lang="en-US" dirty="0" smtClean="0"/>
+                        <a:t>66.87°</a:t>
+                      </a:r>
+                      <a:endParaRPr lang="en-US" dirty="0"/>
+                    </a:p>
+                  </a:txBody>
+                  <a:tcPr anchor="ctr"/>
+                </a:tc>
+                <a:tc>
+                  <a:txBody>
+                    <a:bodyPr/>
+                    <a:lstStyle/>
+                    <a:p>
+                      <a:pPr algn="ctr"/>
+                      <a:r>
+                        <a:rPr lang="en-US" dirty="0" smtClean="0"/>
+                        <a:t>0.15°</a:t>
+                      </a:r>
+                      <a:endParaRPr lang="en-US" dirty="0"/>
+                    </a:p>
+                  </a:txBody>
+                  <a:tcPr anchor="ctr"/>
                 </a:tc>
               </a:tr>
               <a:tr h="370840">
@@ -8854,11 +11044,15 @@
                     <a:bodyPr/>
                     <a:lstStyle/>
                     <a:p>
-                      <a:pPr algn="ctr"/>
+                      <a:pPr algn="l"/>
+                      <a:r>
+                        <a:rPr lang="en-US" dirty="0" smtClean="0"/>
+                        <a:t>Entry latitude</a:t>
+                      </a:r>
                       <a:endParaRPr lang="en-US" dirty="0"/>
                     </a:p>
                   </a:txBody>
-                  <a:tcPr/>
+                  <a:tcPr anchor="ctr"/>
                 </a:tc>
                 <a:tc>
                   <a:txBody>
@@ -8866,10 +11060,14 @@
                     <a:lstStyle/>
                     <a:p>
                       <a:pPr algn="ctr"/>
+                      <a:r>
+                        <a:rPr lang="en-US" dirty="0" smtClean="0"/>
+                        <a:t>21.28°</a:t>
+                      </a:r>
                       <a:endParaRPr lang="en-US" dirty="0"/>
                     </a:p>
                   </a:txBody>
-                  <a:tcPr/>
+                  <a:tcPr anchor="ctr"/>
                 </a:tc>
                 <a:tc>
                   <a:txBody>
@@ -8879,25 +11077,44 @@
                       <a:pPr algn="ctr"/>
                       <a:r>
                         <a:rPr lang="en-US" dirty="0" smtClean="0"/>
-                        <a:t>-</a:t>
+                        <a:t>0.08°</a:t>
                       </a:r>
                       <a:endParaRPr lang="en-US" dirty="0"/>
                     </a:p>
                   </a:txBody>
-                  <a:tcPr/>
+                  <a:tcPr anchor="ctr"/>
                 </a:tc>
               </a:tr>
-              <a:tr h="370840">
+              <a:tr h="123613">
                 <a:tc>
                   <a:txBody>
                     <a:bodyPr/>
                     <a:lstStyle/>
                     <a:p>
-                      <a:pPr algn="ctr"/>
-                      <a:endParaRPr lang="en-US" dirty="0"/>
+                      <a:pPr marL="0" marR="0" indent="0" algn="l" defTabSz="914400" rtl="0" eaLnBrk="1" fontAlgn="auto" latinLnBrk="0" hangingPunct="1">
+                        <a:lnSpc>
+                          <a:spcPct val="100000"/>
+                        </a:lnSpc>
+                        <a:spcBef>
+                          <a:spcPts val="0"/>
+                        </a:spcBef>
+                        <a:spcAft>
+                          <a:spcPts val="0"/>
+                        </a:spcAft>
+                        <a:buClrTx/>
+                        <a:buSzTx/>
+                        <a:buFontTx/>
+                        <a:buNone/>
+                        <a:tabLst/>
+                        <a:defRPr/>
+                      </a:pPr>
+                      <a:r>
+                        <a:rPr lang="en-US" dirty="0" smtClean="0"/>
+                        <a:t>Entry velocity</a:t>
+                      </a:r>
                     </a:p>
                   </a:txBody>
-                  <a:tcPr/>
+                  <a:tcPr anchor="ctr"/>
                 </a:tc>
                 <a:tc>
                   <a:txBody>
@@ -8905,10 +11122,14 @@
                     <a:lstStyle/>
                     <a:p>
                       <a:pPr algn="ctr"/>
+                      <a:r>
+                        <a:rPr lang="en-US" dirty="0" smtClean="0"/>
+                        <a:t>5500 m/s</a:t>
+                      </a:r>
                       <a:endParaRPr lang="en-US" dirty="0"/>
                     </a:p>
                   </a:txBody>
-                  <a:tcPr/>
+                  <a:tcPr anchor="ctr"/>
                 </a:tc>
                 <a:tc>
                   <a:txBody>
@@ -8916,23 +11137,31 @@
                     <a:lstStyle/>
                     <a:p>
                       <a:pPr algn="ctr"/>
+                      <a:r>
+                        <a:rPr lang="en-US" dirty="0" smtClean="0"/>
+                        <a:t>3 m/s</a:t>
+                      </a:r>
                       <a:endParaRPr lang="en-US" dirty="0"/>
                     </a:p>
                   </a:txBody>
-                  <a:tcPr/>
+                  <a:tcPr anchor="ctr"/>
                 </a:tc>
               </a:tr>
-              <a:tr h="370840">
+              <a:tr h="242147">
                 <a:tc>
                   <a:txBody>
                     <a:bodyPr/>
                     <a:lstStyle/>
                     <a:p>
-                      <a:pPr algn="ctr"/>
+                      <a:pPr algn="l"/>
+                      <a:r>
+                        <a:rPr lang="en-US" dirty="0" smtClean="0"/>
+                        <a:t>Entry flight path angle</a:t>
+                      </a:r>
                       <a:endParaRPr lang="en-US" dirty="0"/>
                     </a:p>
                   </a:txBody>
-                  <a:tcPr/>
+                  <a:tcPr anchor="ctr"/>
                 </a:tc>
                 <a:tc>
                   <a:txBody>
@@ -8940,10 +11169,14 @@
                     <a:lstStyle/>
                     <a:p>
                       <a:pPr algn="ctr"/>
-                      <a:endParaRPr lang="en-US"/>
+                      <a:r>
+                        <a:rPr lang="en-US" dirty="0" smtClean="0"/>
+                        <a:t>-15.75°</a:t>
+                      </a:r>
+                      <a:endParaRPr lang="en-US" dirty="0"/>
                     </a:p>
                   </a:txBody>
-                  <a:tcPr/>
+                  <a:tcPr anchor="ctr"/>
                 </a:tc>
                 <a:tc>
                   <a:txBody>
@@ -8951,16 +11184,101 @@
                     <a:lstStyle/>
                     <a:p>
                       <a:pPr algn="ctr"/>
+                      <a:r>
+                        <a:rPr lang="en-US" dirty="0" smtClean="0"/>
+                        <a:t>0.25°</a:t>
+                      </a:r>
                       <a:endParaRPr lang="en-US" dirty="0"/>
                     </a:p>
                   </a:txBody>
-                  <a:tcPr/>
+                  <a:tcPr anchor="ctr"/>
+                </a:tc>
+              </a:tr>
+              <a:tr h="123613">
+                <a:tc>
+                  <a:txBody>
+                    <a:bodyPr/>
+                    <a:lstStyle/>
+                    <a:p>
+                      <a:pPr algn="l"/>
+                      <a:r>
+                        <a:rPr lang="en-US" dirty="0" smtClean="0"/>
+                        <a:t>Entry heading angle</a:t>
+                      </a:r>
+                      <a:endParaRPr lang="en-US" dirty="0"/>
+                    </a:p>
+                  </a:txBody>
+                  <a:tcPr anchor="ctr"/>
+                </a:tc>
+                <a:tc>
+                  <a:txBody>
+                    <a:bodyPr/>
+                    <a:lstStyle/>
+                    <a:p>
+                      <a:pPr algn="ctr"/>
+                      <a:r>
+                        <a:rPr lang="en-US" dirty="0" smtClean="0"/>
+                        <a:t>-13.60°</a:t>
+                      </a:r>
+                      <a:endParaRPr lang="en-US" dirty="0"/>
+                    </a:p>
+                  </a:txBody>
+                  <a:tcPr anchor="ctr"/>
+                </a:tc>
+                <a:tc>
+                  <a:txBody>
+                    <a:bodyPr/>
+                    <a:lstStyle/>
+                    <a:p>
+                      <a:pPr algn="ctr"/>
+                      <a:r>
+                        <a:rPr lang="en-US" dirty="0" smtClean="0"/>
+                        <a:t>0.25°</a:t>
+                      </a:r>
+                      <a:endParaRPr lang="en-US" dirty="0"/>
+                    </a:p>
+                  </a:txBody>
+                  <a:tcPr anchor="ctr"/>
                 </a:tc>
               </a:tr>
             </a:tbl>
           </a:graphicData>
         </a:graphic>
       </p:graphicFrame>
+      <p:sp>
+        <p:nvSpPr>
+          <p:cNvPr id="2" name="TextBox 1"/>
+          <p:cNvSpPr txBox="1"/>
+          <p:nvPr/>
+        </p:nvSpPr>
+        <p:spPr>
+          <a:xfrm>
+            <a:off x="8377881" y="3608173"/>
+            <a:ext cx="2255554" cy="369332"/>
+          </a:xfrm>
+          <a:prstGeom prst="rect">
+            <a:avLst/>
+          </a:prstGeom>
+          <a:noFill/>
+        </p:spPr>
+        <p:txBody>
+          <a:bodyPr wrap="none" rtlCol="0">
+            <a:spAutoFit/>
+          </a:bodyPr>
+          <a:lstStyle/>
+          <a:p>
+            <a:r>
+              <a:rPr lang="en-US" dirty="0" smtClean="0"/>
+              <a:t>0.1 deg = 6 km </a:t>
+            </a:r>
+            <a:r>
+              <a:rPr lang="en-US" dirty="0" err="1" smtClean="0"/>
+              <a:t>approx</a:t>
+            </a:r>
+            <a:endParaRPr lang="en-US" dirty="0"/>
+          </a:p>
+        </p:txBody>
+      </p:sp>
     </p:spTree>
     <p:extLst>
       <p:ext uri="{BB962C8B-B14F-4D97-AF65-F5344CB8AC3E}">
@@ -8974,7 +11292,7 @@
 </p:sld>
 </file>
 
-<file path=ppt/slides/slide15.xml><?xml version="1.0" encoding="utf-8"?>
+<file path=ppt/slides/slide16.xml><?xml version="1.0" encoding="utf-8"?>
 <p:sld xmlns:a="http://schemas.openxmlformats.org/drawingml/2006/main" xmlns:r="http://schemas.openxmlformats.org/officeDocument/2006/relationships" xmlns:p="http://schemas.openxmlformats.org/presentationml/2006/main">
   <p:cSld>
     <p:spTree>
@@ -9264,8 +11582,8 @@
           </a:p>
         </p:txBody>
       </p:sp>
-      <mc:AlternateContent xmlns:mc="http://schemas.openxmlformats.org/markup-compatibility/2006">
-        <mc:Choice xmlns:a14="http://schemas.microsoft.com/office/drawing/2010/main" Requires="a14">
+      <mc:AlternateContent xmlns:mc="http://schemas.openxmlformats.org/markup-compatibility/2006" xmlns:a14="http://schemas.microsoft.com/office/drawing/2010/main">
+        <mc:Choice Requires="a14">
           <p:sp>
             <p:nvSpPr>
               <p:cNvPr id="10" name="TextBox 9"/>
@@ -9404,7 +11722,7 @@
             </p:txBody>
           </p:sp>
         </mc:Choice>
-        <mc:Fallback>
+        <mc:Fallback xmlns="">
           <p:sp>
             <p:nvSpPr>
               <p:cNvPr id="10" name="TextBox 9"/>
@@ -9538,7 +11856,7 @@
 </p:sld>
 </file>
 
-<file path=ppt/slides/slide16.xml><?xml version="1.0" encoding="utf-8"?>
+<file path=ppt/slides/slide17.xml><?xml version="1.0" encoding="utf-8"?>
 <p:sld xmlns:a="http://schemas.openxmlformats.org/drawingml/2006/main" xmlns:r="http://schemas.openxmlformats.org/officeDocument/2006/relationships" xmlns:p="http://schemas.openxmlformats.org/presentationml/2006/main">
   <p:cSld>
     <p:spTree>
@@ -10024,8 +12342,8 @@
           </a:p>
         </p:txBody>
       </p:sp>
-      <mc:AlternateContent xmlns:mc="http://schemas.openxmlformats.org/markup-compatibility/2006">
-        <mc:Choice xmlns:a14="http://schemas.microsoft.com/office/drawing/2010/main" Requires="a14">
+      <mc:AlternateContent xmlns:mc="http://schemas.openxmlformats.org/markup-compatibility/2006" xmlns:a14="http://schemas.microsoft.com/office/drawing/2010/main">
+        <mc:Choice Requires="a14">
           <p:sp>
             <p:nvSpPr>
               <p:cNvPr id="10" name="TextBox 9"/>
@@ -10265,7 +12583,7 @@
             </p:txBody>
           </p:sp>
         </mc:Choice>
-        <mc:Fallback>
+        <mc:Fallback xmlns="">
           <p:sp>
             <p:nvSpPr>
               <p:cNvPr id="10" name="TextBox 9"/>
@@ -10967,8 +13285,8 @@
             </a:p>
           </p:txBody>
         </p:sp>
-        <mc:AlternateContent xmlns:mc="http://schemas.openxmlformats.org/markup-compatibility/2006">
-          <mc:Choice xmlns:a14="http://schemas.microsoft.com/office/drawing/2010/main" Requires="a14">
+        <mc:AlternateContent xmlns:mc="http://schemas.openxmlformats.org/markup-compatibility/2006" xmlns:a14="http://schemas.microsoft.com/office/drawing/2010/main">
+          <mc:Choice Requires="a14">
             <p:sp>
               <p:nvSpPr>
                 <p:cNvPr id="23" name="TextBox 22"/>
@@ -11108,7 +13426,7 @@
               </p:txBody>
             </p:sp>
           </mc:Choice>
-          <mc:Fallback>
+          <mc:Fallback xmlns="">
             <p:sp>
               <p:nvSpPr>
                 <p:cNvPr id="23" name="TextBox 22"/>
@@ -11236,8 +13554,8 @@
             </a:p>
           </p:txBody>
         </p:sp>
-        <mc:AlternateContent xmlns:mc="http://schemas.openxmlformats.org/markup-compatibility/2006">
-          <mc:Choice xmlns:a14="http://schemas.microsoft.com/office/drawing/2010/main" Requires="a14">
+        <mc:AlternateContent xmlns:mc="http://schemas.openxmlformats.org/markup-compatibility/2006" xmlns:a14="http://schemas.microsoft.com/office/drawing/2010/main">
+          <mc:Choice Requires="a14">
             <p:sp>
               <p:nvSpPr>
                 <p:cNvPr id="32" name="TextBox 31"/>
@@ -11330,7 +13648,7 @@
               </p:txBody>
             </p:sp>
           </mc:Choice>
-          <mc:Fallback>
+          <mc:Fallback xmlns="">
             <p:sp>
               <p:nvSpPr>
                 <p:cNvPr id="32" name="TextBox 31"/>
@@ -11434,7 +13752,449 @@
 </p:sld>
 </file>
 
-<file path=ppt/slides/slide17.xml><?xml version="1.0" encoding="utf-8"?>
+<file path=ppt/slides/slide18.xml><?xml version="1.0" encoding="utf-8"?>
+<p:sld xmlns:a="http://schemas.openxmlformats.org/drawingml/2006/main" xmlns:r="http://schemas.openxmlformats.org/officeDocument/2006/relationships" xmlns:p="http://schemas.openxmlformats.org/presentationml/2006/main">
+  <p:cSld>
+    <p:spTree>
+      <p:nvGrpSpPr>
+        <p:cNvPr id="1" name=""/>
+        <p:cNvGrpSpPr/>
+        <p:nvPr/>
+      </p:nvGrpSpPr>
+      <p:grpSpPr>
+        <a:xfrm>
+          <a:off x="0" y="0"/>
+          <a:ext cx="0" cy="0"/>
+          <a:chOff x="0" y="0"/>
+          <a:chExt cx="0" cy="0"/>
+        </a:xfrm>
+      </p:grpSpPr>
+      <p:pic>
+        <p:nvPicPr>
+          <p:cNvPr id="3" name="Picture 2"/>
+          <p:cNvPicPr>
+            <a:picLocks noChangeAspect="1"/>
+          </p:cNvPicPr>
+          <p:nvPr/>
+        </p:nvPicPr>
+        <p:blipFill rotWithShape="1">
+          <a:blip r:embed="rId2">
+            <a:extLst>
+              <a:ext uri="{28A0092B-C50C-407E-A947-70E740481C1C}">
+                <a14:useLocalDpi xmlns:a14="http://schemas.microsoft.com/office/drawing/2010/main" val="0"/>
+              </a:ext>
+            </a:extLst>
+          </a:blip>
+          <a:srcRect r="7072"/>
+          <a:stretch/>
+        </p:blipFill>
+        <p:spPr>
+          <a:xfrm>
+            <a:off x="684047" y="1063256"/>
+            <a:ext cx="4541101" cy="3455581"/>
+          </a:xfrm>
+          <a:prstGeom prst="rect">
+            <a:avLst/>
+          </a:prstGeom>
+        </p:spPr>
+      </p:pic>
+      <p:pic>
+        <p:nvPicPr>
+          <p:cNvPr id="4" name="Picture 3"/>
+          <p:cNvPicPr>
+            <a:picLocks noChangeAspect="1"/>
+          </p:cNvPicPr>
+          <p:nvPr/>
+        </p:nvPicPr>
+        <p:blipFill>
+          <a:blip r:embed="rId3">
+            <a:extLst>
+              <a:ext uri="{28A0092B-C50C-407E-A947-70E740481C1C}">
+                <a14:useLocalDpi xmlns:a14="http://schemas.microsoft.com/office/drawing/2010/main" val="0"/>
+              </a:ext>
+            </a:extLst>
+          </a:blip>
+          <a:stretch>
+            <a:fillRect/>
+          </a:stretch>
+        </p:blipFill>
+        <p:spPr>
+          <a:xfrm>
+            <a:off x="5342106" y="1063256"/>
+            <a:ext cx="4839233" cy="3455581"/>
+          </a:xfrm>
+          <a:prstGeom prst="rect">
+            <a:avLst/>
+          </a:prstGeom>
+        </p:spPr>
+      </p:pic>
+    </p:spTree>
+    <p:extLst>
+      <p:ext uri="{BB962C8B-B14F-4D97-AF65-F5344CB8AC3E}">
+        <p14:creationId xmlns:p14="http://schemas.microsoft.com/office/powerpoint/2010/main" val="1559253684"/>
+      </p:ext>
+    </p:extLst>
+  </p:cSld>
+  <p:clrMapOvr>
+    <a:masterClrMapping/>
+  </p:clrMapOvr>
+</p:sld>
+</file>
+
+<file path=ppt/slides/slide19.xml><?xml version="1.0" encoding="utf-8"?>
+<p:sld xmlns:a="http://schemas.openxmlformats.org/drawingml/2006/main" xmlns:r="http://schemas.openxmlformats.org/officeDocument/2006/relationships" xmlns:p="http://schemas.openxmlformats.org/presentationml/2006/main">
+  <p:cSld>
+    <p:spTree>
+      <p:nvGrpSpPr>
+        <p:cNvPr id="1" name=""/>
+        <p:cNvGrpSpPr/>
+        <p:nvPr/>
+      </p:nvGrpSpPr>
+      <p:grpSpPr>
+        <a:xfrm>
+          <a:off x="0" y="0"/>
+          <a:ext cx="0" cy="0"/>
+          <a:chOff x="0" y="0"/>
+          <a:chExt cx="0" cy="0"/>
+        </a:xfrm>
+      </p:grpSpPr>
+      <p:pic>
+        <p:nvPicPr>
+          <p:cNvPr id="6" name="Picture 5"/>
+          <p:cNvPicPr>
+            <a:picLocks noChangeAspect="1"/>
+          </p:cNvPicPr>
+          <p:nvPr/>
+        </p:nvPicPr>
+        <p:blipFill>
+          <a:blip r:embed="rId2">
+            <a:extLst>
+              <a:ext uri="{28A0092B-C50C-407E-A947-70E740481C1C}">
+                <a14:useLocalDpi xmlns:a14="http://schemas.microsoft.com/office/drawing/2010/main" val="0"/>
+              </a:ext>
+            </a:extLst>
+          </a:blip>
+          <a:stretch>
+            <a:fillRect/>
+          </a:stretch>
+        </p:blipFill>
+        <p:spPr>
+          <a:xfrm>
+            <a:off x="499731" y="0"/>
+            <a:ext cx="4691790" cy="3351278"/>
+          </a:xfrm>
+          <a:prstGeom prst="rect">
+            <a:avLst/>
+          </a:prstGeom>
+        </p:spPr>
+      </p:pic>
+      <p:pic>
+        <p:nvPicPr>
+          <p:cNvPr id="7" name="Picture 6"/>
+          <p:cNvPicPr>
+            <a:picLocks noChangeAspect="1"/>
+          </p:cNvPicPr>
+          <p:nvPr/>
+        </p:nvPicPr>
+        <p:blipFill>
+          <a:blip r:embed="rId3">
+            <a:extLst>
+              <a:ext uri="{28A0092B-C50C-407E-A947-70E740481C1C}">
+                <a14:useLocalDpi xmlns:a14="http://schemas.microsoft.com/office/drawing/2010/main" val="0"/>
+              </a:ext>
+            </a:extLst>
+          </a:blip>
+          <a:stretch>
+            <a:fillRect/>
+          </a:stretch>
+        </p:blipFill>
+        <p:spPr>
+          <a:xfrm>
+            <a:off x="5124900" y="3177113"/>
+            <a:ext cx="4691790" cy="3351278"/>
+          </a:xfrm>
+          <a:prstGeom prst="rect">
+            <a:avLst/>
+          </a:prstGeom>
+        </p:spPr>
+      </p:pic>
+      <p:pic>
+        <p:nvPicPr>
+          <p:cNvPr id="8" name="Picture 7"/>
+          <p:cNvPicPr>
+            <a:picLocks noChangeAspect="1"/>
+          </p:cNvPicPr>
+          <p:nvPr/>
+        </p:nvPicPr>
+        <p:blipFill>
+          <a:blip r:embed="rId4">
+            <a:extLst>
+              <a:ext uri="{28A0092B-C50C-407E-A947-70E740481C1C}">
+                <a14:useLocalDpi xmlns:a14="http://schemas.microsoft.com/office/drawing/2010/main" val="0"/>
+              </a:ext>
+            </a:extLst>
+          </a:blip>
+          <a:stretch>
+            <a:fillRect/>
+          </a:stretch>
+        </p:blipFill>
+        <p:spPr>
+          <a:xfrm>
+            <a:off x="5124899" y="0"/>
+            <a:ext cx="4691790" cy="3351278"/>
+          </a:xfrm>
+          <a:prstGeom prst="rect">
+            <a:avLst/>
+          </a:prstGeom>
+        </p:spPr>
+      </p:pic>
+      <p:pic>
+        <p:nvPicPr>
+          <p:cNvPr id="9" name="Picture 8"/>
+          <p:cNvPicPr>
+            <a:picLocks noChangeAspect="1"/>
+          </p:cNvPicPr>
+          <p:nvPr/>
+        </p:nvPicPr>
+        <p:blipFill>
+          <a:blip r:embed="rId5">
+            <a:extLst>
+              <a:ext uri="{28A0092B-C50C-407E-A947-70E740481C1C}">
+                <a14:useLocalDpi xmlns:a14="http://schemas.microsoft.com/office/drawing/2010/main" val="0"/>
+              </a:ext>
+            </a:extLst>
+          </a:blip>
+          <a:stretch>
+            <a:fillRect/>
+          </a:stretch>
+        </p:blipFill>
+        <p:spPr>
+          <a:xfrm>
+            <a:off x="499730" y="3177113"/>
+            <a:ext cx="4691790" cy="3351278"/>
+          </a:xfrm>
+          <a:prstGeom prst="rect">
+            <a:avLst/>
+          </a:prstGeom>
+        </p:spPr>
+      </p:pic>
+    </p:spTree>
+    <p:extLst>
+      <p:ext uri="{BB962C8B-B14F-4D97-AF65-F5344CB8AC3E}">
+        <p14:creationId xmlns:p14="http://schemas.microsoft.com/office/powerpoint/2010/main" val="58899558"/>
+      </p:ext>
+    </p:extLst>
+  </p:cSld>
+  <p:clrMapOvr>
+    <a:masterClrMapping/>
+  </p:clrMapOvr>
+</p:sld>
+</file>
+
+<file path=ppt/slides/slide2.xml><?xml version="1.0" encoding="utf-8"?>
+<p:sld xmlns:a="http://schemas.openxmlformats.org/drawingml/2006/main" xmlns:r="http://schemas.openxmlformats.org/officeDocument/2006/relationships" xmlns:p="http://schemas.openxmlformats.org/presentationml/2006/main">
+  <p:cSld>
+    <p:spTree>
+      <p:nvGrpSpPr>
+        <p:cNvPr id="1" name=""/>
+        <p:cNvGrpSpPr/>
+        <p:nvPr/>
+      </p:nvGrpSpPr>
+      <p:grpSpPr>
+        <a:xfrm>
+          <a:off x="0" y="0"/>
+          <a:ext cx="0" cy="0"/>
+          <a:chOff x="0" y="0"/>
+          <a:chExt cx="0" cy="0"/>
+        </a:xfrm>
+      </p:grpSpPr>
+      <p:sp>
+        <p:nvSpPr>
+          <p:cNvPr id="2" name="Title 1"/>
+          <p:cNvSpPr>
+            <a:spLocks noGrp="1"/>
+          </p:cNvSpPr>
+          <p:nvPr>
+            <p:ph type="title"/>
+          </p:nvPr>
+        </p:nvSpPr>
+        <p:spPr/>
+        <p:txBody>
+          <a:bodyPr/>
+          <a:lstStyle/>
+          <a:p>
+            <a:r>
+              <a:rPr lang="en-US" dirty="0" smtClean="0"/>
+              <a:t>Apollo + Adaptive Trigger </a:t>
+            </a:r>
+            <a:endParaRPr lang="en-US" dirty="0"/>
+          </a:p>
+        </p:txBody>
+      </p:sp>
+      <p:pic>
+        <p:nvPicPr>
+          <p:cNvPr id="5" name="Content Placeholder 4"/>
+          <p:cNvPicPr>
+            <a:picLocks noGrp="1" noChangeAspect="1"/>
+          </p:cNvPicPr>
+          <p:nvPr>
+            <p:ph sz="half" idx="1"/>
+          </p:nvPr>
+        </p:nvPicPr>
+        <p:blipFill>
+          <a:blip r:embed="rId2">
+            <a:extLst>
+              <a:ext uri="{28A0092B-C50C-407E-A947-70E740481C1C}">
+                <a14:useLocalDpi xmlns:a14="http://schemas.microsoft.com/office/drawing/2010/main" val="0"/>
+              </a:ext>
+            </a:extLst>
+          </a:blip>
+          <a:stretch>
+            <a:fillRect/>
+          </a:stretch>
+        </p:blipFill>
+        <p:spPr>
+          <a:xfrm>
+            <a:off x="206612" y="1690688"/>
+            <a:ext cx="5889388" cy="4013395"/>
+          </a:xfrm>
+        </p:spPr>
+      </p:pic>
+      <p:pic>
+        <p:nvPicPr>
+          <p:cNvPr id="6" name="Content Placeholder 5"/>
+          <p:cNvPicPr>
+            <a:picLocks noGrp="1" noChangeAspect="1"/>
+          </p:cNvPicPr>
+          <p:nvPr>
+            <p:ph sz="half" idx="2"/>
+          </p:nvPr>
+        </p:nvPicPr>
+        <p:blipFill rotWithShape="1">
+          <a:blip r:embed="rId3">
+            <a:extLst>
+              <a:ext uri="{28A0092B-C50C-407E-A947-70E740481C1C}">
+                <a14:useLocalDpi xmlns:a14="http://schemas.microsoft.com/office/drawing/2010/main" val="0"/>
+              </a:ext>
+            </a:extLst>
+          </a:blip>
+          <a:srcRect l="1528" b="1482"/>
+          <a:stretch/>
+        </p:blipFill>
+        <p:spPr>
+          <a:xfrm>
+            <a:off x="6507891" y="1690688"/>
+            <a:ext cx="4917989" cy="4652883"/>
+          </a:xfrm>
+        </p:spPr>
+      </p:pic>
+      <p:sp>
+        <p:nvSpPr>
+          <p:cNvPr id="7" name="TextBox 6"/>
+          <p:cNvSpPr txBox="1"/>
+          <p:nvPr/>
+        </p:nvSpPr>
+        <p:spPr>
+          <a:xfrm>
+            <a:off x="2281881" y="4085968"/>
+            <a:ext cx="2660822" cy="923330"/>
+          </a:xfrm>
+          <a:prstGeom prst="rect">
+            <a:avLst/>
+          </a:prstGeom>
+          <a:noFill/>
+        </p:spPr>
+        <p:txBody>
+          <a:bodyPr wrap="square" rtlCol="0">
+            <a:spAutoFit/>
+          </a:bodyPr>
+          <a:lstStyle/>
+          <a:p>
+            <a:r>
+              <a:rPr lang="en-US" dirty="0" smtClean="0"/>
+              <a:t>Traditional Apollo trigger at fixed velocity from reference trajectory</a:t>
+            </a:r>
+            <a:endParaRPr lang="en-US" dirty="0"/>
+          </a:p>
+        </p:txBody>
+      </p:sp>
+      <p:sp>
+        <p:nvSpPr>
+          <p:cNvPr id="8" name="TextBox 7"/>
+          <p:cNvSpPr txBox="1"/>
+          <p:nvPr/>
+        </p:nvSpPr>
+        <p:spPr>
+          <a:xfrm>
+            <a:off x="3912974" y="1888397"/>
+            <a:ext cx="2059458" cy="923330"/>
+          </a:xfrm>
+          <a:prstGeom prst="rect">
+            <a:avLst/>
+          </a:prstGeom>
+          <a:noFill/>
+        </p:spPr>
+        <p:txBody>
+          <a:bodyPr wrap="square" rtlCol="0">
+            <a:spAutoFit/>
+          </a:bodyPr>
+          <a:lstStyle/>
+          <a:p>
+            <a:r>
+              <a:rPr lang="en-US" dirty="0" smtClean="0"/>
+              <a:t>Adaptive Trigger based on tabulated optimal solutions</a:t>
+            </a:r>
+            <a:endParaRPr lang="en-US" dirty="0"/>
+          </a:p>
+        </p:txBody>
+      </p:sp>
+      <p:cxnSp>
+        <p:nvCxnSpPr>
+          <p:cNvPr id="10" name="Straight Arrow Connector 9"/>
+          <p:cNvCxnSpPr/>
+          <p:nvPr/>
+        </p:nvCxnSpPr>
+        <p:spPr>
+          <a:xfrm flipH="1" flipV="1">
+            <a:off x="2347784" y="3888259"/>
+            <a:ext cx="296562" cy="197709"/>
+          </a:xfrm>
+          <a:prstGeom prst="straightConnector1">
+            <a:avLst/>
+          </a:prstGeom>
+          <a:ln>
+            <a:tailEnd type="triangle"/>
+          </a:ln>
+        </p:spPr>
+        <p:style>
+          <a:lnRef idx="1">
+            <a:schemeClr val="accent1"/>
+          </a:lnRef>
+          <a:fillRef idx="0">
+            <a:schemeClr val="accent1"/>
+          </a:fillRef>
+          <a:effectRef idx="0">
+            <a:schemeClr val="accent1"/>
+          </a:effectRef>
+          <a:fontRef idx="minor">
+            <a:schemeClr val="tx1"/>
+          </a:fontRef>
+        </p:style>
+      </p:cxnSp>
+    </p:spTree>
+    <p:extLst>
+      <p:ext uri="{BB962C8B-B14F-4D97-AF65-F5344CB8AC3E}">
+        <p14:creationId xmlns:p14="http://schemas.microsoft.com/office/powerpoint/2010/main" val="3978303364"/>
+      </p:ext>
+    </p:extLst>
+  </p:cSld>
+  <p:clrMapOvr>
+    <a:masterClrMapping/>
+  </p:clrMapOvr>
+</p:sld>
+</file>
+
+<file path=ppt/slides/slide20.xml><?xml version="1.0" encoding="utf-8"?>
 <p:sld xmlns:a="http://schemas.openxmlformats.org/drawingml/2006/main" xmlns:r="http://schemas.openxmlformats.org/officeDocument/2006/relationships" xmlns:p="http://schemas.openxmlformats.org/presentationml/2006/main">
   <p:cSld>
     <p:spTree>
@@ -11712,209 +14472,6 @@
     <p:extLst>
       <p:ext uri="{BB962C8B-B14F-4D97-AF65-F5344CB8AC3E}">
         <p14:creationId xmlns:p14="http://schemas.microsoft.com/office/powerpoint/2010/main" val="3974452383"/>
-      </p:ext>
-    </p:extLst>
-  </p:cSld>
-  <p:clrMapOvr>
-    <a:masterClrMapping/>
-  </p:clrMapOvr>
-</p:sld>
-</file>
-
-<file path=ppt/slides/slide2.xml><?xml version="1.0" encoding="utf-8"?>
-<p:sld xmlns:a="http://schemas.openxmlformats.org/drawingml/2006/main" xmlns:r="http://schemas.openxmlformats.org/officeDocument/2006/relationships" xmlns:p="http://schemas.openxmlformats.org/presentationml/2006/main">
-  <p:cSld>
-    <p:spTree>
-      <p:nvGrpSpPr>
-        <p:cNvPr id="1" name=""/>
-        <p:cNvGrpSpPr/>
-        <p:nvPr/>
-      </p:nvGrpSpPr>
-      <p:grpSpPr>
-        <a:xfrm>
-          <a:off x="0" y="0"/>
-          <a:ext cx="0" cy="0"/>
-          <a:chOff x="0" y="0"/>
-          <a:chExt cx="0" cy="0"/>
-        </a:xfrm>
-      </p:grpSpPr>
-      <p:sp>
-        <p:nvSpPr>
-          <p:cNvPr id="2" name="Title 1"/>
-          <p:cNvSpPr>
-            <a:spLocks noGrp="1"/>
-          </p:cNvSpPr>
-          <p:nvPr>
-            <p:ph type="title"/>
-          </p:nvPr>
-        </p:nvSpPr>
-        <p:spPr/>
-        <p:txBody>
-          <a:bodyPr/>
-          <a:lstStyle/>
-          <a:p>
-            <a:r>
-              <a:rPr lang="en-US" dirty="0" smtClean="0"/>
-              <a:t>Apollo + Adaptive Trigger </a:t>
-            </a:r>
-            <a:endParaRPr lang="en-US" dirty="0"/>
-          </a:p>
-        </p:txBody>
-      </p:sp>
-      <p:pic>
-        <p:nvPicPr>
-          <p:cNvPr id="5" name="Content Placeholder 4"/>
-          <p:cNvPicPr>
-            <a:picLocks noGrp="1" noChangeAspect="1"/>
-          </p:cNvPicPr>
-          <p:nvPr>
-            <p:ph sz="half" idx="1"/>
-          </p:nvPr>
-        </p:nvPicPr>
-        <p:blipFill>
-          <a:blip r:embed="rId2">
-            <a:extLst>
-              <a:ext uri="{28A0092B-C50C-407E-A947-70E740481C1C}">
-                <a14:useLocalDpi xmlns:a14="http://schemas.microsoft.com/office/drawing/2010/main" val="0"/>
-              </a:ext>
-            </a:extLst>
-          </a:blip>
-          <a:stretch>
-            <a:fillRect/>
-          </a:stretch>
-        </p:blipFill>
-        <p:spPr>
-          <a:xfrm>
-            <a:off x="206612" y="1690688"/>
-            <a:ext cx="5889388" cy="4013395"/>
-          </a:xfrm>
-        </p:spPr>
-      </p:pic>
-      <p:pic>
-        <p:nvPicPr>
-          <p:cNvPr id="6" name="Content Placeholder 5"/>
-          <p:cNvPicPr>
-            <a:picLocks noGrp="1" noChangeAspect="1"/>
-          </p:cNvPicPr>
-          <p:nvPr>
-            <p:ph sz="half" idx="2"/>
-          </p:nvPr>
-        </p:nvPicPr>
-        <p:blipFill rotWithShape="1">
-          <a:blip r:embed="rId3">
-            <a:extLst>
-              <a:ext uri="{28A0092B-C50C-407E-A947-70E740481C1C}">
-                <a14:useLocalDpi xmlns:a14="http://schemas.microsoft.com/office/drawing/2010/main" val="0"/>
-              </a:ext>
-            </a:extLst>
-          </a:blip>
-          <a:srcRect l="1528" b="1482"/>
-          <a:stretch/>
-        </p:blipFill>
-        <p:spPr>
-          <a:xfrm>
-            <a:off x="6507891" y="1690688"/>
-            <a:ext cx="4917989" cy="4652883"/>
-          </a:xfrm>
-        </p:spPr>
-      </p:pic>
-      <p:sp>
-        <p:nvSpPr>
-          <p:cNvPr id="7" name="TextBox 6"/>
-          <p:cNvSpPr txBox="1"/>
-          <p:nvPr/>
-        </p:nvSpPr>
-        <p:spPr>
-          <a:xfrm>
-            <a:off x="2281881" y="4085968"/>
-            <a:ext cx="2660822" cy="923330"/>
-          </a:xfrm>
-          <a:prstGeom prst="rect">
-            <a:avLst/>
-          </a:prstGeom>
-          <a:noFill/>
-        </p:spPr>
-        <p:txBody>
-          <a:bodyPr wrap="square" rtlCol="0">
-            <a:spAutoFit/>
-          </a:bodyPr>
-          <a:lstStyle/>
-          <a:p>
-            <a:r>
-              <a:rPr lang="en-US" dirty="0" smtClean="0"/>
-              <a:t>Traditional Apollo trigger at fixed velocity from reference trajectory</a:t>
-            </a:r>
-            <a:endParaRPr lang="en-US" dirty="0"/>
-          </a:p>
-        </p:txBody>
-      </p:sp>
-      <p:sp>
-        <p:nvSpPr>
-          <p:cNvPr id="8" name="TextBox 7"/>
-          <p:cNvSpPr txBox="1"/>
-          <p:nvPr/>
-        </p:nvSpPr>
-        <p:spPr>
-          <a:xfrm>
-            <a:off x="3912974" y="1888397"/>
-            <a:ext cx="2059458" cy="923330"/>
-          </a:xfrm>
-          <a:prstGeom prst="rect">
-            <a:avLst/>
-          </a:prstGeom>
-          <a:noFill/>
-        </p:spPr>
-        <p:txBody>
-          <a:bodyPr wrap="square" rtlCol="0">
-            <a:spAutoFit/>
-          </a:bodyPr>
-          <a:lstStyle/>
-          <a:p>
-            <a:r>
-              <a:rPr lang="en-US" dirty="0" smtClean="0"/>
-              <a:t>Adaptive Trigger based on tabulated optimal solutions</a:t>
-            </a:r>
-            <a:endParaRPr lang="en-US" dirty="0"/>
-          </a:p>
-        </p:txBody>
-      </p:sp>
-      <p:cxnSp>
-        <p:nvCxnSpPr>
-          <p:cNvPr id="10" name="Straight Arrow Connector 9"/>
-          <p:cNvCxnSpPr/>
-          <p:nvPr/>
-        </p:nvCxnSpPr>
-        <p:spPr>
-          <a:xfrm flipH="1" flipV="1">
-            <a:off x="2347784" y="3888259"/>
-            <a:ext cx="296562" cy="197709"/>
-          </a:xfrm>
-          <a:prstGeom prst="straightConnector1">
-            <a:avLst/>
-          </a:prstGeom>
-          <a:ln>
-            <a:tailEnd type="triangle"/>
-          </a:ln>
-        </p:spPr>
-        <p:style>
-          <a:lnRef idx="1">
-            <a:schemeClr val="accent1"/>
-          </a:lnRef>
-          <a:fillRef idx="0">
-            <a:schemeClr val="accent1"/>
-          </a:fillRef>
-          <a:effectRef idx="0">
-            <a:schemeClr val="accent1"/>
-          </a:effectRef>
-          <a:fontRef idx="minor">
-            <a:schemeClr val="tx1"/>
-          </a:fontRef>
-        </p:style>
-      </p:cxnSp>
-    </p:spTree>
-    <p:extLst>
-      <p:ext uri="{BB962C8B-B14F-4D97-AF65-F5344CB8AC3E}">
-        <p14:creationId xmlns:p14="http://schemas.microsoft.com/office/powerpoint/2010/main" val="3978303364"/>
       </p:ext>
     </p:extLst>
   </p:cSld>
@@ -13856,11 +16413,7 @@
           <a:p>
             <a:r>
               <a:rPr lang="en-US" sz="1200" dirty="0" smtClean="0"/>
-              <a:t>Phase </a:t>
-            </a:r>
-            <a:r>
-              <a:rPr lang="en-US" sz="1200" dirty="0" smtClean="0"/>
-              <a:t>transition</a:t>
+              <a:t>Phase transition</a:t>
             </a:r>
             <a:endParaRPr lang="en-US" sz="1200" dirty="0"/>
           </a:p>
